--- a/doc/Introduction_To_FDBus.pptx
+++ b/doc/Introduction_To_FDBus.pptx
@@ -5,7 +5,7 @@
     <p:sldMasterId id="2147483648" r:id="rId1"/>
   </p:sldMasterIdLst>
   <p:notesMasterIdLst>
-    <p:notesMasterId r:id="rId76"/>
+    <p:notesMasterId r:id="rId79"/>
   </p:notesMasterIdLst>
   <p:sldIdLst>
     <p:sldId id="256" r:id="rId2"/>
@@ -70,18 +70,21 @@
     <p:sldId id="360" r:id="rId61"/>
     <p:sldId id="361" r:id="rId62"/>
     <p:sldId id="363" r:id="rId63"/>
-    <p:sldId id="366" r:id="rId64"/>
-    <p:sldId id="367" r:id="rId65"/>
-    <p:sldId id="368" r:id="rId66"/>
-    <p:sldId id="369" r:id="rId67"/>
-    <p:sldId id="370" r:id="rId68"/>
-    <p:sldId id="371" r:id="rId69"/>
-    <p:sldId id="372" r:id="rId70"/>
-    <p:sldId id="373" r:id="rId71"/>
-    <p:sldId id="374" r:id="rId72"/>
-    <p:sldId id="376" r:id="rId73"/>
-    <p:sldId id="377" r:id="rId74"/>
-    <p:sldId id="378" r:id="rId75"/>
+    <p:sldId id="386" r:id="rId64"/>
+    <p:sldId id="387" r:id="rId65"/>
+    <p:sldId id="366" r:id="rId66"/>
+    <p:sldId id="367" r:id="rId67"/>
+    <p:sldId id="368" r:id="rId68"/>
+    <p:sldId id="369" r:id="rId69"/>
+    <p:sldId id="370" r:id="rId70"/>
+    <p:sldId id="371" r:id="rId71"/>
+    <p:sldId id="372" r:id="rId72"/>
+    <p:sldId id="373" r:id="rId73"/>
+    <p:sldId id="374" r:id="rId74"/>
+    <p:sldId id="376" r:id="rId75"/>
+    <p:sldId id="377" r:id="rId76"/>
+    <p:sldId id="378" r:id="rId77"/>
+    <p:sldId id="385" r:id="rId78"/>
   </p:sldIdLst>
   <p:sldSz cx="9144000" cy="6858000" type="screen4x3"/>
   <p:notesSz cx="6858000" cy="9144000"/>
@@ -182,7 +185,7 @@
   </p:defaultTextStyle>
   <p:extLst>
     <p:ext uri="{EFAFB233-063F-42B5-8137-9DF3F51BA10A}">
-      <p15:sldGuideLst xmlns:p15="http://schemas.microsoft.com/office/powerpoint/2012/main">
+      <p15:sldGuideLst xmlns="" xmlns:p15="http://schemas.microsoft.com/office/powerpoint/2012/main">
         <p15:guide id="1" orient="horz" pos="2160">
           <p15:clr>
             <a:srgbClr val="A4A3A4"/>
@@ -282,7 +285,7 @@
             <a:fld id="{EDD7E0F8-01E7-43CA-80E1-54F2A844197B}" type="datetimeFigureOut">
               <a:rPr lang="zh-CN" altLang="en-US" smtClean="0"/>
               <a:pPr/>
-              <a:t>2019/4/11</a:t>
+              <a:t>2019/5/25</a:t>
             </a:fld>
             <a:endParaRPr lang="zh-CN" altLang="en-US"/>
           </a:p>
@@ -730,7 +733,7 @@
             <a:fld id="{530820CF-B880-4189-942D-D702A7CBA730}" type="datetimeFigureOut">
               <a:rPr lang="zh-CN" altLang="en-US" smtClean="0"/>
               <a:pPr/>
-              <a:t>2019/4/11</a:t>
+              <a:t>2019/5/25</a:t>
             </a:fld>
             <a:endParaRPr lang="zh-CN" altLang="en-US"/>
           </a:p>
@@ -897,7 +900,7 @@
             <a:fld id="{530820CF-B880-4189-942D-D702A7CBA730}" type="datetimeFigureOut">
               <a:rPr lang="zh-CN" altLang="en-US" smtClean="0"/>
               <a:pPr/>
-              <a:t>2019/4/11</a:t>
+              <a:t>2019/5/25</a:t>
             </a:fld>
             <a:endParaRPr lang="zh-CN" altLang="en-US"/>
           </a:p>
@@ -1074,7 +1077,7 @@
             <a:fld id="{530820CF-B880-4189-942D-D702A7CBA730}" type="datetimeFigureOut">
               <a:rPr lang="zh-CN" altLang="en-US" smtClean="0"/>
               <a:pPr/>
-              <a:t>2019/4/11</a:t>
+              <a:t>2019/5/25</a:t>
             </a:fld>
             <a:endParaRPr lang="zh-CN" altLang="en-US"/>
           </a:p>
@@ -1241,7 +1244,7 @@
             <a:fld id="{530820CF-B880-4189-942D-D702A7CBA730}" type="datetimeFigureOut">
               <a:rPr lang="zh-CN" altLang="en-US" smtClean="0"/>
               <a:pPr/>
-              <a:t>2019/4/11</a:t>
+              <a:t>2019/5/25</a:t>
             </a:fld>
             <a:endParaRPr lang="zh-CN" altLang="en-US"/>
           </a:p>
@@ -1484,7 +1487,7 @@
             <a:fld id="{530820CF-B880-4189-942D-D702A7CBA730}" type="datetimeFigureOut">
               <a:rPr lang="zh-CN" altLang="en-US" smtClean="0"/>
               <a:pPr/>
-              <a:t>2019/4/11</a:t>
+              <a:t>2019/5/25</a:t>
             </a:fld>
             <a:endParaRPr lang="zh-CN" altLang="en-US"/>
           </a:p>
@@ -1769,7 +1772,7 @@
             <a:fld id="{530820CF-B880-4189-942D-D702A7CBA730}" type="datetimeFigureOut">
               <a:rPr lang="zh-CN" altLang="en-US" smtClean="0"/>
               <a:pPr/>
-              <a:t>2019/4/11</a:t>
+              <a:t>2019/5/25</a:t>
             </a:fld>
             <a:endParaRPr lang="zh-CN" altLang="en-US"/>
           </a:p>
@@ -2188,7 +2191,7 @@
             <a:fld id="{530820CF-B880-4189-942D-D702A7CBA730}" type="datetimeFigureOut">
               <a:rPr lang="zh-CN" altLang="en-US" smtClean="0"/>
               <a:pPr/>
-              <a:t>2019/4/11</a:t>
+              <a:t>2019/5/25</a:t>
             </a:fld>
             <a:endParaRPr lang="zh-CN" altLang="en-US"/>
           </a:p>
@@ -2303,7 +2306,7 @@
             <a:fld id="{530820CF-B880-4189-942D-D702A7CBA730}" type="datetimeFigureOut">
               <a:rPr lang="zh-CN" altLang="en-US" smtClean="0"/>
               <a:pPr/>
-              <a:t>2019/4/11</a:t>
+              <a:t>2019/5/25</a:t>
             </a:fld>
             <a:endParaRPr lang="zh-CN" altLang="en-US"/>
           </a:p>
@@ -2395,7 +2398,7 @@
             <a:fld id="{530820CF-B880-4189-942D-D702A7CBA730}" type="datetimeFigureOut">
               <a:rPr lang="zh-CN" altLang="en-US" smtClean="0"/>
               <a:pPr/>
-              <a:t>2019/4/11</a:t>
+              <a:t>2019/5/25</a:t>
             </a:fld>
             <a:endParaRPr lang="zh-CN" altLang="en-US"/>
           </a:p>
@@ -2669,7 +2672,7 @@
             <a:fld id="{530820CF-B880-4189-942D-D702A7CBA730}" type="datetimeFigureOut">
               <a:rPr lang="zh-CN" altLang="en-US" smtClean="0"/>
               <a:pPr/>
-              <a:t>2019/4/11</a:t>
+              <a:t>2019/5/25</a:t>
             </a:fld>
             <a:endParaRPr lang="zh-CN" altLang="en-US"/>
           </a:p>
@@ -2919,7 +2922,7 @@
             <a:fld id="{530820CF-B880-4189-942D-D702A7CBA730}" type="datetimeFigureOut">
               <a:rPr lang="zh-CN" altLang="en-US" smtClean="0"/>
               <a:pPr/>
-              <a:t>2019/4/11</a:t>
+              <a:t>2019/5/25</a:t>
             </a:fld>
             <a:endParaRPr lang="zh-CN" altLang="en-US"/>
           </a:p>
@@ -3129,7 +3132,7 @@
             <a:fld id="{530820CF-B880-4189-942D-D702A7CBA730}" type="datetimeFigureOut">
               <a:rPr lang="zh-CN" altLang="en-US" smtClean="0"/>
               <a:pPr/>
-              <a:t>2019/4/11</a:t>
+              <a:t>2019/5/25</a:t>
             </a:fld>
             <a:endParaRPr lang="zh-CN" altLang="en-US"/>
           </a:p>
@@ -3888,7 +3891,7 @@
     </p:spTree>
     <p:extLst>
       <p:ext uri="{BB962C8B-B14F-4D97-AF65-F5344CB8AC3E}">
-        <p14:creationId xmlns:p14="http://schemas.microsoft.com/office/powerpoint/2010/main" val="2380282286"/>
+        <p14:creationId xmlns="" xmlns:p14="http://schemas.microsoft.com/office/powerpoint/2010/main" val="2380282286"/>
       </p:ext>
     </p:extLst>
   </p:cSld>
@@ -12332,7 +12335,7 @@
     </p:spTree>
     <p:extLst>
       <p:ext uri="{BB962C8B-B14F-4D97-AF65-F5344CB8AC3E}">
-        <p14:creationId xmlns:p14="http://schemas.microsoft.com/office/powerpoint/2010/main" val="3024830952"/>
+        <p14:creationId xmlns="" xmlns:p14="http://schemas.microsoft.com/office/powerpoint/2010/main" val="3024830952"/>
       </p:ext>
     </p:extLst>
   </p:cSld>
@@ -12398,7 +12401,7 @@
           <p:nvPr>
             <p:extLst>
               <p:ext uri="{D42A27DB-BD31-4B8C-83A1-F6EECF244321}">
-                <p14:modId xmlns:p14="http://schemas.microsoft.com/office/powerpoint/2010/main" val="1523182551"/>
+                <p14:modId xmlns="" xmlns:p14="http://schemas.microsoft.com/office/powerpoint/2010/main" val="1523182551"/>
               </p:ext>
             </p:extLst>
           </p:nvPr>
@@ -12417,63 +12420,63 @@
                 <a:gridCol w="899593">
                   <a:extLst>
                     <a:ext uri="{9D8B030D-6E8A-4147-A177-3AD203B41FA5}">
-                      <a16:colId xmlns:a16="http://schemas.microsoft.com/office/drawing/2014/main" val="20000"/>
+                      <a16:colId xmlns="" xmlns:a16="http://schemas.microsoft.com/office/drawing/2014/main" val="20000"/>
                     </a:ext>
                   </a:extLst>
                 </a:gridCol>
                 <a:gridCol w="864096">
                   <a:extLst>
                     <a:ext uri="{9D8B030D-6E8A-4147-A177-3AD203B41FA5}">
-                      <a16:colId xmlns:a16="http://schemas.microsoft.com/office/drawing/2014/main" val="20001"/>
+                      <a16:colId xmlns="" xmlns:a16="http://schemas.microsoft.com/office/drawing/2014/main" val="20001"/>
                     </a:ext>
                   </a:extLst>
                 </a:gridCol>
                 <a:gridCol w="1152128">
                   <a:extLst>
                     <a:ext uri="{9D8B030D-6E8A-4147-A177-3AD203B41FA5}">
-                      <a16:colId xmlns:a16="http://schemas.microsoft.com/office/drawing/2014/main" val="20002"/>
+                      <a16:colId xmlns="" xmlns:a16="http://schemas.microsoft.com/office/drawing/2014/main" val="20002"/>
                     </a:ext>
                   </a:extLst>
                 </a:gridCol>
                 <a:gridCol w="792088">
                   <a:extLst>
                     <a:ext uri="{9D8B030D-6E8A-4147-A177-3AD203B41FA5}">
-                      <a16:colId xmlns:a16="http://schemas.microsoft.com/office/drawing/2014/main" val="20003"/>
+                      <a16:colId xmlns="" xmlns:a16="http://schemas.microsoft.com/office/drawing/2014/main" val="20003"/>
                     </a:ext>
                   </a:extLst>
                 </a:gridCol>
                 <a:gridCol w="936104">
                   <a:extLst>
                     <a:ext uri="{9D8B030D-6E8A-4147-A177-3AD203B41FA5}">
-                      <a16:colId xmlns:a16="http://schemas.microsoft.com/office/drawing/2014/main" val="20004"/>
+                      <a16:colId xmlns="" xmlns:a16="http://schemas.microsoft.com/office/drawing/2014/main" val="20004"/>
                     </a:ext>
                   </a:extLst>
                 </a:gridCol>
                 <a:gridCol w="1031808">
                   <a:extLst>
                     <a:ext uri="{9D8B030D-6E8A-4147-A177-3AD203B41FA5}">
-                      <a16:colId xmlns:a16="http://schemas.microsoft.com/office/drawing/2014/main" val="20005"/>
+                      <a16:colId xmlns="" xmlns:a16="http://schemas.microsoft.com/office/drawing/2014/main" val="20005"/>
                     </a:ext>
                   </a:extLst>
                 </a:gridCol>
                 <a:gridCol w="1249966">
                   <a:extLst>
                     <a:ext uri="{9D8B030D-6E8A-4147-A177-3AD203B41FA5}">
-                      <a16:colId xmlns:a16="http://schemas.microsoft.com/office/drawing/2014/main" val="20006"/>
+                      <a16:colId xmlns="" xmlns:a16="http://schemas.microsoft.com/office/drawing/2014/main" val="20006"/>
                     </a:ext>
                   </a:extLst>
                 </a:gridCol>
                 <a:gridCol w="1055357">
                   <a:extLst>
                     <a:ext uri="{9D8B030D-6E8A-4147-A177-3AD203B41FA5}">
-                      <a16:colId xmlns:a16="http://schemas.microsoft.com/office/drawing/2014/main" val="20007"/>
+                      <a16:colId xmlns="" xmlns:a16="http://schemas.microsoft.com/office/drawing/2014/main" val="20007"/>
                     </a:ext>
                   </a:extLst>
                 </a:gridCol>
                 <a:gridCol w="1055357">
                   <a:extLst>
                     <a:ext uri="{9D8B030D-6E8A-4147-A177-3AD203B41FA5}">
-                      <a16:colId xmlns:a16="http://schemas.microsoft.com/office/drawing/2014/main" val="20008"/>
+                      <a16:colId xmlns="" xmlns:a16="http://schemas.microsoft.com/office/drawing/2014/main" val="20008"/>
                     </a:ext>
                   </a:extLst>
                 </a:gridCol>
@@ -12622,7 +12625,7 @@
                 </a:tc>
                 <a:extLst>
                   <a:ext uri="{0D108BD9-81ED-4DB2-BD59-A6C34878D82A}">
-                    <a16:rowId xmlns:a16="http://schemas.microsoft.com/office/drawing/2014/main" val="10000"/>
+                    <a16:rowId xmlns="" xmlns:a16="http://schemas.microsoft.com/office/drawing/2014/main" val="10000"/>
                   </a:ext>
                 </a:extLst>
               </a:tr>
@@ -12775,7 +12778,7 @@
                 </a:tc>
                 <a:extLst>
                   <a:ext uri="{0D108BD9-81ED-4DB2-BD59-A6C34878D82A}">
-                    <a16:rowId xmlns:a16="http://schemas.microsoft.com/office/drawing/2014/main" val="10001"/>
+                    <a16:rowId xmlns="" xmlns:a16="http://schemas.microsoft.com/office/drawing/2014/main" val="10001"/>
                   </a:ext>
                 </a:extLst>
               </a:tr>
@@ -12928,7 +12931,7 @@
                 </a:tc>
                 <a:extLst>
                   <a:ext uri="{0D108BD9-81ED-4DB2-BD59-A6C34878D82A}">
-                    <a16:rowId xmlns:a16="http://schemas.microsoft.com/office/drawing/2014/main" val="10002"/>
+                    <a16:rowId xmlns="" xmlns:a16="http://schemas.microsoft.com/office/drawing/2014/main" val="10002"/>
                   </a:ext>
                 </a:extLst>
               </a:tr>
@@ -13125,7 +13128,7 @@
                 </a:tc>
                 <a:extLst>
                   <a:ext uri="{0D108BD9-81ED-4DB2-BD59-A6C34878D82A}">
-                    <a16:rowId xmlns:a16="http://schemas.microsoft.com/office/drawing/2014/main" val="10003"/>
+                    <a16:rowId xmlns="" xmlns:a16="http://schemas.microsoft.com/office/drawing/2014/main" val="10003"/>
                   </a:ext>
                 </a:extLst>
               </a:tr>
@@ -14162,7 +14165,7 @@
     </p:spTree>
     <p:extLst>
       <p:ext uri="{BB962C8B-B14F-4D97-AF65-F5344CB8AC3E}">
-        <p14:creationId xmlns:p14="http://schemas.microsoft.com/office/powerpoint/2010/main" val="1057342418"/>
+        <p14:creationId xmlns="" xmlns:p14="http://schemas.microsoft.com/office/powerpoint/2010/main" val="1057342418"/>
       </p:ext>
     </p:extLst>
   </p:cSld>
@@ -14942,7 +14945,7 @@
     </p:spTree>
     <p:extLst>
       <p:ext uri="{BB962C8B-B14F-4D97-AF65-F5344CB8AC3E}">
-        <p14:creationId xmlns:p14="http://schemas.microsoft.com/office/powerpoint/2010/main" val="1261060395"/>
+        <p14:creationId xmlns="" xmlns:p14="http://schemas.microsoft.com/office/powerpoint/2010/main" val="1261060395"/>
       </p:ext>
     </p:extLst>
   </p:cSld>
@@ -19864,7 +19867,7 @@
     </p:spTree>
     <p:extLst>
       <p:ext uri="{BB962C8B-B14F-4D97-AF65-F5344CB8AC3E}">
-        <p14:creationId xmlns:p14="http://schemas.microsoft.com/office/powerpoint/2010/main" val="1538062247"/>
+        <p14:creationId xmlns="" xmlns:p14="http://schemas.microsoft.com/office/powerpoint/2010/main" val="1538062247"/>
       </p:ext>
     </p:extLst>
   </p:cSld>
@@ -21178,12 +21181,8 @@
           <a:lstStyle/>
           <a:p>
             <a:r>
-              <a:rPr lang="en-US" altLang="zh-CN" dirty="0" err="1" smtClean="0"/>
-              <a:t>onOnline</a:t>
-            </a:r>
-            <a:r>
-              <a:rPr lang="en-US" altLang="zh-CN" dirty="0" smtClean="0"/>
-              <a:t>()</a:t>
+              <a:rPr lang="en-US" altLang="zh-CN" dirty="0" smtClean="0"/>
+              <a:t>onOnline()</a:t>
             </a:r>
             <a:endParaRPr lang="zh-CN" altLang="en-US" dirty="0"/>
           </a:p>
@@ -21212,12 +21211,8 @@
           <a:lstStyle/>
           <a:p>
             <a:r>
-              <a:rPr lang="en-US" altLang="zh-CN" dirty="0" err="1" smtClean="0"/>
-              <a:t>onOnline</a:t>
-            </a:r>
-            <a:r>
-              <a:rPr lang="en-US" altLang="zh-CN" dirty="0" smtClean="0"/>
-              <a:t>()</a:t>
+              <a:rPr lang="en-US" altLang="zh-CN" dirty="0" smtClean="0"/>
+              <a:t>onOnline()</a:t>
             </a:r>
             <a:endParaRPr lang="zh-CN" altLang="en-US" dirty="0"/>
           </a:p>
@@ -21348,7 +21343,7 @@
     </p:spTree>
     <p:extLst>
       <p:ext uri="{BB962C8B-B14F-4D97-AF65-F5344CB8AC3E}">
-        <p14:creationId xmlns:p14="http://schemas.microsoft.com/office/powerpoint/2010/main" val="1959891164"/>
+        <p14:creationId xmlns="" xmlns:p14="http://schemas.microsoft.com/office/powerpoint/2010/main" val="1959891164"/>
       </p:ext>
     </p:extLst>
   </p:cSld>
@@ -22653,7 +22648,7 @@
     </p:spTree>
     <p:extLst>
       <p:ext uri="{BB962C8B-B14F-4D97-AF65-F5344CB8AC3E}">
-        <p14:creationId xmlns:p14="http://schemas.microsoft.com/office/powerpoint/2010/main" val="2324437741"/>
+        <p14:creationId xmlns="" xmlns:p14="http://schemas.microsoft.com/office/powerpoint/2010/main" val="2324437741"/>
       </p:ext>
     </p:extLst>
   </p:cSld>
@@ -25467,12 +25462,8 @@
           <a:lstStyle/>
           <a:p>
             <a:r>
-              <a:rPr lang="en-US" altLang="zh-CN" dirty="0" err="1" smtClean="0"/>
-              <a:t>onOnline</a:t>
-            </a:r>
-            <a:r>
-              <a:rPr lang="en-US" altLang="zh-CN" dirty="0" smtClean="0"/>
-              <a:t>()</a:t>
+              <a:rPr lang="en-US" altLang="zh-CN" dirty="0" smtClean="0"/>
+              <a:t>onOnline()</a:t>
             </a:r>
             <a:endParaRPr lang="zh-CN" altLang="en-US" dirty="0"/>
           </a:p>
@@ -25481,7 +25472,7 @@
     </p:spTree>
     <p:extLst>
       <p:ext uri="{BB962C8B-B14F-4D97-AF65-F5344CB8AC3E}">
-        <p14:creationId xmlns:p14="http://schemas.microsoft.com/office/powerpoint/2010/main" val="1020084679"/>
+        <p14:creationId xmlns="" xmlns:p14="http://schemas.microsoft.com/office/powerpoint/2010/main" val="1020084679"/>
       </p:ext>
     </p:extLst>
   </p:cSld>
@@ -26915,7 +26906,7 @@
           <p:nvPr>
             <p:extLst>
               <p:ext uri="{D42A27DB-BD31-4B8C-83A1-F6EECF244321}">
-                <p14:modId xmlns:p14="http://schemas.microsoft.com/office/powerpoint/2010/main" val="2997265175"/>
+                <p14:modId xmlns="" xmlns:p14="http://schemas.microsoft.com/office/powerpoint/2010/main" val="2997265175"/>
               </p:ext>
             </p:extLst>
           </p:nvPr>
@@ -26934,21 +26925,21 @@
                 <a:gridCol w="1656184">
                   <a:extLst>
                     <a:ext uri="{9D8B030D-6E8A-4147-A177-3AD203B41FA5}">
-                      <a16:colId xmlns:a16="http://schemas.microsoft.com/office/drawing/2014/main" val="20000"/>
+                      <a16:colId xmlns="" xmlns:a16="http://schemas.microsoft.com/office/drawing/2014/main" val="20000"/>
                     </a:ext>
                   </a:extLst>
                 </a:gridCol>
                 <a:gridCol w="3024336">
                   <a:extLst>
                     <a:ext uri="{9D8B030D-6E8A-4147-A177-3AD203B41FA5}">
-                      <a16:colId xmlns:a16="http://schemas.microsoft.com/office/drawing/2014/main" val="20001"/>
+                      <a16:colId xmlns="" xmlns:a16="http://schemas.microsoft.com/office/drawing/2014/main" val="20001"/>
                     </a:ext>
                   </a:extLst>
                 </a:gridCol>
                 <a:gridCol w="3312368">
                   <a:extLst>
                     <a:ext uri="{9D8B030D-6E8A-4147-A177-3AD203B41FA5}">
-                      <a16:colId xmlns:a16="http://schemas.microsoft.com/office/drawing/2014/main" val="20002"/>
+                      <a16:colId xmlns="" xmlns:a16="http://schemas.microsoft.com/office/drawing/2014/main" val="20002"/>
                     </a:ext>
                   </a:extLst>
                 </a:gridCol>
@@ -27010,7 +27001,7 @@
                 </a:tc>
                 <a:extLst>
                   <a:ext uri="{0D108BD9-81ED-4DB2-BD59-A6C34878D82A}">
-                    <a16:rowId xmlns:a16="http://schemas.microsoft.com/office/drawing/2014/main" val="10000"/>
+                    <a16:rowId xmlns="" xmlns:a16="http://schemas.microsoft.com/office/drawing/2014/main" val="10000"/>
                   </a:ext>
                 </a:extLst>
               </a:tr>
@@ -27075,7 +27066,7 @@
                 </a:tc>
                 <a:extLst>
                   <a:ext uri="{0D108BD9-81ED-4DB2-BD59-A6C34878D82A}">
-                    <a16:rowId xmlns:a16="http://schemas.microsoft.com/office/drawing/2014/main" val="10001"/>
+                    <a16:rowId xmlns="" xmlns:a16="http://schemas.microsoft.com/office/drawing/2014/main" val="10001"/>
                   </a:ext>
                 </a:extLst>
               </a:tr>
@@ -27140,7 +27131,7 @@
                 </a:tc>
                 <a:extLst>
                   <a:ext uri="{0D108BD9-81ED-4DB2-BD59-A6C34878D82A}">
-                    <a16:rowId xmlns:a16="http://schemas.microsoft.com/office/drawing/2014/main" val="10002"/>
+                    <a16:rowId xmlns="" xmlns:a16="http://schemas.microsoft.com/office/drawing/2014/main" val="10002"/>
                   </a:ext>
                 </a:extLst>
               </a:tr>
@@ -27209,7 +27200,7 @@
                 </a:tc>
                 <a:extLst>
                   <a:ext uri="{0D108BD9-81ED-4DB2-BD59-A6C34878D82A}">
-                    <a16:rowId xmlns:a16="http://schemas.microsoft.com/office/drawing/2014/main" val="10003"/>
+                    <a16:rowId xmlns="" xmlns:a16="http://schemas.microsoft.com/office/drawing/2014/main" val="10003"/>
                   </a:ext>
                 </a:extLst>
               </a:tr>
@@ -31561,7 +31552,7 @@
     </p:spTree>
     <p:extLst>
       <p:ext uri="{BB962C8B-B14F-4D97-AF65-F5344CB8AC3E}">
-        <p14:creationId xmlns:p14="http://schemas.microsoft.com/office/powerpoint/2010/main" val="2229927917"/>
+        <p14:creationId xmlns="" xmlns:p14="http://schemas.microsoft.com/office/powerpoint/2010/main" val="2229927917"/>
       </p:ext>
     </p:extLst>
   </p:cSld>
@@ -31610,7 +31601,7 @@
           <a:p>
             <a:r>
               <a:rPr lang="en-US" altLang="zh-CN" dirty="0" smtClean="0"/>
-              <a:t>Logging</a:t>
+              <a:t>Security</a:t>
             </a:r>
             <a:endParaRPr lang="zh-CN" altLang="en-US" dirty="0"/>
           </a:p>
@@ -31619,7 +31610,7 @@
     </p:spTree>
     <p:extLst>
       <p:ext uri="{BB962C8B-B14F-4D97-AF65-F5344CB8AC3E}">
-        <p14:creationId xmlns:p14="http://schemas.microsoft.com/office/powerpoint/2010/main" val="2538624760"/>
+        <p14:creationId xmlns="" xmlns:p14="http://schemas.microsoft.com/office/powerpoint/2010/main" val="2538624760"/>
       </p:ext>
     </p:extLst>
   </p:cSld>
@@ -31648,7 +31639,7 @@
       </p:grpSpPr>
       <p:sp>
         <p:nvSpPr>
-          <p:cNvPr id="2" name="Title 1"/>
+          <p:cNvPr id="2" name="标题 1"/>
           <p:cNvSpPr>
             <a:spLocks noGrp="1"/>
           </p:cNvSpPr>
@@ -31663,185 +31654,1466 @@
           <a:p>
             <a:r>
               <a:rPr lang="en-US" altLang="zh-CN" dirty="0" smtClean="0"/>
-              <a:t>Log</a:t>
-            </a:r>
-            <a:r>
-              <a:rPr lang="zh-CN" altLang="en-US" dirty="0" smtClean="0"/>
-              <a:t>系统</a:t>
-            </a:r>
-            <a:endParaRPr lang="en-US" dirty="0"/>
-          </a:p>
-        </p:txBody>
-      </p:sp>
-      <p:sp>
-        <p:nvSpPr>
-          <p:cNvPr id="3" name="Content Placeholder 2"/>
-          <p:cNvSpPr>
-            <a:spLocks noGrp="1"/>
-          </p:cNvSpPr>
-          <p:nvPr>
-            <p:ph idx="1"/>
-          </p:nvPr>
-        </p:nvSpPr>
-        <p:spPr/>
-        <p:txBody>
-          <a:bodyPr>
-            <a:normAutofit fontScale="92500" lnSpcReduction="10000"/>
+              <a:t>Client-Server</a:t>
+            </a:r>
+            <a:r>
+              <a:rPr lang="zh-CN" altLang="en-US" dirty="0" smtClean="0"/>
+              <a:t>连接</a:t>
+            </a:r>
+            <a:endParaRPr lang="zh-CN" altLang="en-US" dirty="0"/>
+          </a:p>
+        </p:txBody>
+      </p:sp>
+      <p:sp>
+        <p:nvSpPr>
+          <p:cNvPr id="4" name="椭圆 3"/>
+          <p:cNvSpPr/>
+          <p:nvPr/>
+        </p:nvSpPr>
+        <p:spPr>
+          <a:xfrm>
+            <a:off x="107504" y="1628800"/>
+            <a:ext cx="1440160" cy="576064"/>
+          </a:xfrm>
+          <a:prstGeom prst="ellipse">
+            <a:avLst/>
+          </a:prstGeom>
+        </p:spPr>
+        <p:style>
+          <a:lnRef idx="2">
+            <a:schemeClr val="accent1"/>
+          </a:lnRef>
+          <a:fillRef idx="1">
+            <a:schemeClr val="lt1"/>
+          </a:fillRef>
+          <a:effectRef idx="0">
+            <a:schemeClr val="accent1"/>
+          </a:effectRef>
+          <a:fontRef idx="minor">
+            <a:schemeClr val="dk1"/>
+          </a:fontRef>
+        </p:style>
+        <p:txBody>
+          <a:bodyPr rtlCol="0" anchor="ctr"/>
+          <a:lstStyle/>
+          <a:p>
+            <a:pPr algn="ctr"/>
+            <a:r>
+              <a:rPr lang="en-US" altLang="zh-CN" dirty="0" smtClean="0"/>
+              <a:t>Client</a:t>
+            </a:r>
+            <a:endParaRPr lang="zh-CN" altLang="en-US" dirty="0"/>
+          </a:p>
+        </p:txBody>
+      </p:sp>
+      <p:sp>
+        <p:nvSpPr>
+          <p:cNvPr id="5" name="椭圆 4"/>
+          <p:cNvSpPr/>
+          <p:nvPr/>
+        </p:nvSpPr>
+        <p:spPr>
+          <a:xfrm>
+            <a:off x="3347864" y="1556792"/>
+            <a:ext cx="1440160" cy="576064"/>
+          </a:xfrm>
+          <a:prstGeom prst="ellipse">
+            <a:avLst/>
+          </a:prstGeom>
+        </p:spPr>
+        <p:style>
+          <a:lnRef idx="2">
+            <a:schemeClr val="accent1"/>
+          </a:lnRef>
+          <a:fillRef idx="1">
+            <a:schemeClr val="lt1"/>
+          </a:fillRef>
+          <a:effectRef idx="0">
+            <a:schemeClr val="accent1"/>
+          </a:effectRef>
+          <a:fontRef idx="minor">
+            <a:schemeClr val="dk1"/>
+          </a:fontRef>
+        </p:style>
+        <p:txBody>
+          <a:bodyPr rtlCol="0" anchor="ctr"/>
+          <a:lstStyle/>
+          <a:p>
+            <a:pPr algn="ctr"/>
+            <a:r>
+              <a:rPr lang="en-US" altLang="zh-CN" dirty="0" smtClean="0"/>
+              <a:t>Server</a:t>
+            </a:r>
+            <a:endParaRPr lang="zh-CN" altLang="en-US" dirty="0"/>
+          </a:p>
+        </p:txBody>
+      </p:sp>
+      <p:cxnSp>
+        <p:nvCxnSpPr>
+          <p:cNvPr id="7" name="直接连接符 6"/>
+          <p:cNvCxnSpPr>
+            <a:stCxn id="4" idx="4"/>
+          </p:cNvCxnSpPr>
+          <p:nvPr/>
+        </p:nvCxnSpPr>
+        <p:spPr>
+          <a:xfrm>
+            <a:off x="827584" y="2204864"/>
+            <a:ext cx="0" cy="3888432"/>
+          </a:xfrm>
+          <a:prstGeom prst="line">
+            <a:avLst/>
+          </a:prstGeom>
+        </p:spPr>
+        <p:style>
+          <a:lnRef idx="1">
+            <a:schemeClr val="accent1"/>
+          </a:lnRef>
+          <a:fillRef idx="0">
+            <a:schemeClr val="accent1"/>
+          </a:fillRef>
+          <a:effectRef idx="0">
+            <a:schemeClr val="accent1"/>
+          </a:effectRef>
+          <a:fontRef idx="minor">
+            <a:schemeClr val="tx1"/>
+          </a:fontRef>
+        </p:style>
+      </p:cxnSp>
+      <p:cxnSp>
+        <p:nvCxnSpPr>
+          <p:cNvPr id="9" name="直接连接符 8"/>
+          <p:cNvCxnSpPr>
+            <a:stCxn id="5" idx="4"/>
+          </p:cNvCxnSpPr>
+          <p:nvPr/>
+        </p:nvCxnSpPr>
+        <p:spPr>
+          <a:xfrm>
+            <a:off x="4067944" y="2132856"/>
+            <a:ext cx="6956" cy="3888432"/>
+          </a:xfrm>
+          <a:prstGeom prst="line">
+            <a:avLst/>
+          </a:prstGeom>
+        </p:spPr>
+        <p:style>
+          <a:lnRef idx="1">
+            <a:schemeClr val="accent1"/>
+          </a:lnRef>
+          <a:fillRef idx="0">
+            <a:schemeClr val="accent1"/>
+          </a:fillRef>
+          <a:effectRef idx="0">
+            <a:schemeClr val="accent1"/>
+          </a:effectRef>
+          <a:fontRef idx="minor">
+            <a:schemeClr val="tx1"/>
+          </a:fontRef>
+        </p:style>
+      </p:cxnSp>
+      <p:sp>
+        <p:nvSpPr>
+          <p:cNvPr id="36" name="TextBox 35"/>
+          <p:cNvSpPr txBox="1"/>
+          <p:nvPr/>
+        </p:nvSpPr>
+        <p:spPr>
+          <a:xfrm>
+            <a:off x="4477045" y="2905199"/>
+            <a:ext cx="2111180" cy="307777"/>
+          </a:xfrm>
+          <a:prstGeom prst="rect">
+            <a:avLst/>
+          </a:prstGeom>
+          <a:noFill/>
+        </p:spPr>
+        <p:txBody>
+          <a:bodyPr wrap="square" rtlCol="0">
+            <a:spAutoFit/>
           </a:bodyPr>
           <a:lstStyle/>
           <a:p>
             <a:r>
-              <a:rPr lang="en-US" altLang="zh-CN" dirty="0" smtClean="0"/>
-              <a:t>Log</a:t>
-            </a:r>
-            <a:r>
-              <a:rPr lang="zh-CN" altLang="en-US" dirty="0" smtClean="0"/>
-              <a:t>系统可以抓取</a:t>
-            </a:r>
-            <a:r>
-              <a:rPr lang="en-US" altLang="zh-CN" dirty="0" err="1" smtClean="0"/>
-              <a:t>FDBus</a:t>
-            </a:r>
-            <a:r>
-              <a:rPr lang="zh-CN" altLang="en-US" dirty="0" smtClean="0"/>
-              <a:t>上所有消息，包括本主机和所有联网的主机</a:t>
-            </a:r>
-            <a:endParaRPr lang="en-US" altLang="zh-CN" dirty="0" smtClean="0"/>
-          </a:p>
-          <a:p>
-            <a:r>
-              <a:rPr lang="en-US" altLang="zh-CN" dirty="0" smtClean="0"/>
-              <a:t>Log</a:t>
-            </a:r>
-            <a:r>
-              <a:rPr lang="zh-CN" altLang="en-US" dirty="0" smtClean="0"/>
-              <a:t>系统同时还支持调试</a:t>
-            </a:r>
-            <a:r>
-              <a:rPr lang="en-US" altLang="zh-CN" dirty="0" smtClean="0"/>
-              <a:t>Log</a:t>
-            </a:r>
-            <a:r>
-              <a:rPr lang="zh-CN" altLang="en-US" dirty="0" smtClean="0"/>
-              <a:t>输出</a:t>
-            </a:r>
-            <a:endParaRPr lang="en-US" altLang="zh-CN" dirty="0" smtClean="0"/>
-          </a:p>
-          <a:p>
-            <a:r>
-              <a:rPr lang="en-US" altLang="zh-CN" dirty="0" smtClean="0"/>
-              <a:t>Log</a:t>
-            </a:r>
-            <a:r>
-              <a:rPr lang="zh-CN" altLang="en-US" dirty="0" smtClean="0"/>
-              <a:t>系统也基于</a:t>
-            </a:r>
-            <a:r>
-              <a:rPr lang="en-US" altLang="zh-CN" dirty="0" err="1" smtClean="0"/>
-              <a:t>FDBus</a:t>
-            </a:r>
-            <a:r>
-              <a:rPr lang="zh-CN" altLang="en-US" dirty="0" smtClean="0"/>
-              <a:t>实现：所有</a:t>
-            </a:r>
-            <a:r>
-              <a:rPr lang="en-US" altLang="zh-CN" dirty="0" smtClean="0"/>
-              <a:t>Client/Server</a:t>
-            </a:r>
-            <a:r>
-              <a:rPr lang="zh-CN" altLang="en-US" dirty="0" smtClean="0"/>
-              <a:t>都内置</a:t>
-            </a:r>
-            <a:r>
-              <a:rPr lang="en-US" altLang="zh-CN" dirty="0" err="1" smtClean="0"/>
-              <a:t>LogClient</a:t>
-            </a:r>
-            <a:r>
-              <a:rPr lang="zh-CN" altLang="en-US" dirty="0" smtClean="0"/>
-              <a:t>，同时</a:t>
-            </a:r>
-            <a:r>
-              <a:rPr lang="zh-CN" altLang="en-US" dirty="0"/>
-              <a:t>启动</a:t>
-            </a:r>
-            <a:r>
-              <a:rPr lang="en-US" altLang="zh-CN" dirty="0" err="1" smtClean="0"/>
-              <a:t>LogServer</a:t>
-            </a:r>
-            <a:r>
-              <a:rPr lang="zh-CN" altLang="en-US" dirty="0" smtClean="0"/>
-              <a:t>。</a:t>
-            </a:r>
-            <a:r>
-              <a:rPr lang="en-US" altLang="zh-CN" dirty="0" err="1" smtClean="0"/>
-              <a:t>LogClient</a:t>
-            </a:r>
-            <a:r>
-              <a:rPr lang="zh-CN" altLang="en-US" dirty="0" smtClean="0"/>
-              <a:t>把</a:t>
-            </a:r>
-            <a:r>
-              <a:rPr lang="en-US" altLang="zh-CN" dirty="0" err="1" smtClean="0"/>
-              <a:t>FDBus</a:t>
-            </a:r>
-            <a:r>
-              <a:rPr lang="zh-CN" altLang="en-US" dirty="0" smtClean="0"/>
-              <a:t>消息和调试消息发给</a:t>
-            </a:r>
-            <a:r>
-              <a:rPr lang="en-US" altLang="zh-CN" dirty="0" err="1" smtClean="0"/>
-              <a:t>LogServer</a:t>
-            </a:r>
-            <a:r>
-              <a:rPr lang="zh-CN" altLang="en-US" dirty="0" smtClean="0"/>
-              <a:t>。</a:t>
-            </a:r>
-            <a:endParaRPr lang="en-US" altLang="zh-CN" dirty="0" smtClean="0"/>
-          </a:p>
-          <a:p>
-            <a:r>
-              <a:rPr lang="en-US" altLang="zh-CN" dirty="0" err="1" smtClean="0"/>
-              <a:t>LogServer</a:t>
-            </a:r>
-            <a:r>
-              <a:rPr lang="zh-CN" altLang="en-US" dirty="0" smtClean="0"/>
-              <a:t>可以把收集到的</a:t>
-            </a:r>
-            <a:r>
-              <a:rPr lang="en-US" altLang="zh-CN" dirty="0" smtClean="0"/>
-              <a:t>Log</a:t>
-            </a:r>
-            <a:r>
-              <a:rPr lang="zh-CN" altLang="en-US" dirty="0" smtClean="0"/>
-              <a:t>打印在终端上。也可以启动</a:t>
-            </a:r>
-            <a:r>
-              <a:rPr lang="en-US" altLang="zh-CN" dirty="0" err="1" smtClean="0"/>
-              <a:t>LogViewer</a:t>
-            </a:r>
-            <a:r>
-              <a:rPr lang="zh-CN" altLang="en-US" dirty="0" smtClean="0"/>
-              <a:t>连接到</a:t>
-            </a:r>
-            <a:r>
-              <a:rPr lang="en-US" altLang="zh-CN" dirty="0" err="1" smtClean="0"/>
-              <a:t>LogServer</a:t>
-            </a:r>
-            <a:r>
-              <a:rPr lang="zh-CN" altLang="en-US" dirty="0" smtClean="0"/>
-              <a:t>上来查看</a:t>
-            </a:r>
-            <a:r>
-              <a:rPr lang="en-US" altLang="zh-CN" dirty="0" smtClean="0"/>
-              <a:t>Log</a:t>
-            </a:r>
+              <a:rPr lang="en-US" altLang="zh-CN" sz="1400" dirty="0" smtClean="0"/>
+              <a:t>bind(“svc://</a:t>
+            </a:r>
+            <a:r>
+              <a:rPr lang="en-US" altLang="zh-CN" sz="1400" dirty="0" smtClean="0"/>
+              <a:t>mediaServer</a:t>
+            </a:r>
+            <a:r>
+              <a:rPr lang="en-US" altLang="zh-CN" sz="1400" dirty="0" smtClean="0"/>
+              <a:t>”)</a:t>
+            </a:r>
+            <a:endParaRPr lang="zh-CN" altLang="en-US" sz="1400" dirty="0"/>
+          </a:p>
+        </p:txBody>
+      </p:sp>
+      <p:sp>
+        <p:nvSpPr>
+          <p:cNvPr id="45" name="TextBox 44"/>
+          <p:cNvSpPr txBox="1"/>
+          <p:nvPr/>
+        </p:nvSpPr>
+        <p:spPr>
+          <a:xfrm>
+            <a:off x="1259632" y="2132856"/>
+            <a:ext cx="4464496" cy="307777"/>
+          </a:xfrm>
+          <a:prstGeom prst="rect">
+            <a:avLst/>
+          </a:prstGeom>
+          <a:noFill/>
+        </p:spPr>
+        <p:txBody>
+          <a:bodyPr wrap="square" rtlCol="0">
+            <a:spAutoFit/>
+          </a:bodyPr>
+          <a:lstStyle/>
+          <a:p>
+            <a:r>
+              <a:rPr lang="en-US" altLang="zh-CN" sz="1400" dirty="0" smtClean="0"/>
+              <a:t>connect(“svc://</a:t>
+            </a:r>
+            <a:r>
+              <a:rPr lang="en-US" altLang="zh-CN" sz="1400" dirty="0" smtClean="0"/>
+              <a:t>mediaServer</a:t>
+            </a:r>
+            <a:r>
+              <a:rPr lang="en-US" altLang="zh-CN" sz="1400" dirty="0" smtClean="0"/>
+              <a:t>”) </a:t>
+            </a:r>
+            <a:r>
+              <a:rPr lang="en-US" altLang="zh-CN" sz="1400" b="1" dirty="0" smtClean="0"/>
+              <a:t>with </a:t>
+            </a:r>
+            <a:r>
+              <a:rPr lang="en-US" altLang="zh-CN" sz="1400" b="1" dirty="0" smtClean="0"/>
+              <a:t>credentials (UID, GID)</a:t>
+            </a:r>
+            <a:endParaRPr lang="zh-CN" altLang="en-US" sz="1400" b="1" dirty="0"/>
+          </a:p>
+        </p:txBody>
+      </p:sp>
+      <p:sp>
+        <p:nvSpPr>
+          <p:cNvPr id="47" name="椭圆 4"/>
+          <p:cNvSpPr/>
+          <p:nvPr/>
+        </p:nvSpPr>
+        <p:spPr>
+          <a:xfrm>
+            <a:off x="6300192" y="1556792"/>
+            <a:ext cx="1944216" cy="576064"/>
+          </a:xfrm>
+          <a:prstGeom prst="ellipse">
+            <a:avLst/>
+          </a:prstGeom>
+        </p:spPr>
+        <p:style>
+          <a:lnRef idx="2">
+            <a:schemeClr val="accent1"/>
+          </a:lnRef>
+          <a:fillRef idx="1">
+            <a:schemeClr val="lt1"/>
+          </a:fillRef>
+          <a:effectRef idx="0">
+            <a:schemeClr val="accent1"/>
+          </a:effectRef>
+          <a:fontRef idx="minor">
+            <a:schemeClr val="dk1"/>
+          </a:fontRef>
+        </p:style>
+        <p:txBody>
+          <a:bodyPr rtlCol="0" anchor="ctr"/>
+          <a:lstStyle/>
+          <a:p>
+            <a:pPr algn="ctr"/>
+            <a:r>
+              <a:rPr lang="en-US" altLang="zh-CN" dirty="0" smtClean="0"/>
+              <a:t>Name server</a:t>
+            </a:r>
+            <a:endParaRPr lang="zh-CN" altLang="en-US" dirty="0"/>
+          </a:p>
+        </p:txBody>
+      </p:sp>
+      <p:cxnSp>
+        <p:nvCxnSpPr>
+          <p:cNvPr id="48" name="直接箭头连接符 14"/>
+          <p:cNvCxnSpPr/>
+          <p:nvPr/>
+        </p:nvCxnSpPr>
+        <p:spPr>
+          <a:xfrm>
+            <a:off x="827584" y="2420888"/>
+            <a:ext cx="6480720" cy="0"/>
+          </a:xfrm>
+          <a:prstGeom prst="straightConnector1">
+            <a:avLst/>
+          </a:prstGeom>
+          <a:ln>
+            <a:solidFill>
+              <a:srgbClr val="FF0000"/>
+            </a:solidFill>
+            <a:tailEnd type="arrow"/>
+          </a:ln>
+        </p:spPr>
+        <p:style>
+          <a:lnRef idx="1">
+            <a:schemeClr val="accent1"/>
+          </a:lnRef>
+          <a:fillRef idx="0">
+            <a:schemeClr val="accent1"/>
+          </a:fillRef>
+          <a:effectRef idx="0">
+            <a:schemeClr val="accent1"/>
+          </a:effectRef>
+          <a:fontRef idx="minor">
+            <a:schemeClr val="tx1"/>
+          </a:fontRef>
+        </p:style>
+      </p:cxnSp>
+      <p:cxnSp>
+        <p:nvCxnSpPr>
+          <p:cNvPr id="49" name="直接连接符 8"/>
+          <p:cNvCxnSpPr/>
+          <p:nvPr/>
+        </p:nvCxnSpPr>
+        <p:spPr>
+          <a:xfrm>
+            <a:off x="7308304" y="2132856"/>
+            <a:ext cx="15418" cy="3960440"/>
+          </a:xfrm>
+          <a:prstGeom prst="line">
+            <a:avLst/>
+          </a:prstGeom>
+        </p:spPr>
+        <p:style>
+          <a:lnRef idx="1">
+            <a:schemeClr val="accent1"/>
+          </a:lnRef>
+          <a:fillRef idx="0">
+            <a:schemeClr val="accent1"/>
+          </a:fillRef>
+          <a:effectRef idx="0">
+            <a:schemeClr val="accent1"/>
+          </a:effectRef>
+          <a:fontRef idx="minor">
+            <a:schemeClr val="tx1"/>
+          </a:fontRef>
+        </p:style>
+      </p:cxnSp>
+      <p:cxnSp>
+        <p:nvCxnSpPr>
+          <p:cNvPr id="50" name="直接箭头连接符 16"/>
+          <p:cNvCxnSpPr/>
+          <p:nvPr/>
+        </p:nvCxnSpPr>
+        <p:spPr>
+          <a:xfrm flipH="1">
+            <a:off x="819875" y="5130750"/>
+            <a:ext cx="6480720" cy="0"/>
+          </a:xfrm>
+          <a:prstGeom prst="straightConnector1">
+            <a:avLst/>
+          </a:prstGeom>
+          <a:ln>
+            <a:tailEnd type="arrow"/>
+          </a:ln>
+        </p:spPr>
+        <p:style>
+          <a:lnRef idx="1">
+            <a:schemeClr val="accent1"/>
+          </a:lnRef>
+          <a:fillRef idx="0">
+            <a:schemeClr val="accent1"/>
+          </a:fillRef>
+          <a:effectRef idx="0">
+            <a:schemeClr val="accent1"/>
+          </a:effectRef>
+          <a:fontRef idx="minor">
+            <a:schemeClr val="tx1"/>
+          </a:fontRef>
+        </p:style>
+      </p:cxnSp>
+      <p:sp>
+        <p:nvSpPr>
+          <p:cNvPr id="8" name="Rectangle 7"/>
+          <p:cNvSpPr/>
+          <p:nvPr/>
+        </p:nvSpPr>
+        <p:spPr>
+          <a:xfrm>
+            <a:off x="4211960" y="3265820"/>
+            <a:ext cx="2120517" cy="523220"/>
+          </a:xfrm>
+          <a:prstGeom prst="rect">
+            <a:avLst/>
+          </a:prstGeom>
+        </p:spPr>
+        <p:txBody>
+          <a:bodyPr wrap="none">
+            <a:spAutoFit/>
+          </a:bodyPr>
+          <a:lstStyle/>
+          <a:p>
+            <a:r>
+              <a:rPr lang="en-US" altLang="zh-CN" sz="1400" dirty="0" smtClean="0"/>
+              <a:t>“file</a:t>
+            </a:r>
+            <a:r>
+              <a:rPr lang="en-US" altLang="zh-CN" sz="1400" dirty="0"/>
+              <a:t>:///tmp/ </a:t>
+            </a:r>
+            <a:r>
+              <a:rPr lang="en-US" altLang="zh-CN" sz="1400" dirty="0" smtClean="0"/>
+              <a:t>fdb-ipc1”</a:t>
+            </a:r>
+          </a:p>
+          <a:p>
+            <a:r>
+              <a:rPr lang="en-US" altLang="zh-CN" sz="1400" dirty="0" smtClean="0"/>
+              <a:t>“tcp://192.168.1.1:60002”</a:t>
+            </a:r>
+            <a:endParaRPr lang="zh-CN" altLang="en-US" sz="1400" dirty="0"/>
+          </a:p>
+        </p:txBody>
+      </p:sp>
+      <p:cxnSp>
+        <p:nvCxnSpPr>
+          <p:cNvPr id="51" name="直接箭头连接符 14"/>
+          <p:cNvCxnSpPr/>
+          <p:nvPr/>
+        </p:nvCxnSpPr>
+        <p:spPr>
+          <a:xfrm>
+            <a:off x="4075653" y="3160713"/>
+            <a:ext cx="3232651" cy="0"/>
+          </a:xfrm>
+          <a:prstGeom prst="straightConnector1">
+            <a:avLst/>
+          </a:prstGeom>
+          <a:ln>
+            <a:solidFill>
+              <a:srgbClr val="FF0000"/>
+            </a:solidFill>
+            <a:tailEnd type="arrow"/>
+          </a:ln>
+        </p:spPr>
+        <p:style>
+          <a:lnRef idx="1">
+            <a:schemeClr val="accent1"/>
+          </a:lnRef>
+          <a:fillRef idx="0">
+            <a:schemeClr val="accent1"/>
+          </a:fillRef>
+          <a:effectRef idx="0">
+            <a:schemeClr val="accent1"/>
+          </a:effectRef>
+          <a:fontRef idx="minor">
+            <a:schemeClr val="tx1"/>
+          </a:fontRef>
+        </p:style>
+      </p:cxnSp>
+      <p:cxnSp>
+        <p:nvCxnSpPr>
+          <p:cNvPr id="52" name="直接箭头连接符 16"/>
+          <p:cNvCxnSpPr/>
+          <p:nvPr/>
+        </p:nvCxnSpPr>
+        <p:spPr>
+          <a:xfrm flipH="1">
+            <a:off x="4075653" y="3742853"/>
+            <a:ext cx="3248069" cy="0"/>
+          </a:xfrm>
+          <a:prstGeom prst="straightConnector1">
+            <a:avLst/>
+          </a:prstGeom>
+          <a:ln>
+            <a:tailEnd type="arrow"/>
+          </a:ln>
+        </p:spPr>
+        <p:style>
+          <a:lnRef idx="1">
+            <a:schemeClr val="accent1"/>
+          </a:lnRef>
+          <a:fillRef idx="0">
+            <a:schemeClr val="accent1"/>
+          </a:fillRef>
+          <a:effectRef idx="0">
+            <a:schemeClr val="accent1"/>
+          </a:effectRef>
+          <a:fontRef idx="minor">
+            <a:schemeClr val="tx1"/>
+          </a:fontRef>
+        </p:style>
+      </p:cxnSp>
+      <p:sp>
+        <p:nvSpPr>
+          <p:cNvPr id="53" name="Rectangle 52"/>
+          <p:cNvSpPr/>
+          <p:nvPr/>
+        </p:nvSpPr>
+        <p:spPr>
+          <a:xfrm>
+            <a:off x="1397429" y="4875236"/>
+            <a:ext cx="1821524" cy="307777"/>
+          </a:xfrm>
+          <a:prstGeom prst="rect">
+            <a:avLst/>
+          </a:prstGeom>
+        </p:spPr>
+        <p:txBody>
+          <a:bodyPr wrap="none">
+            <a:spAutoFit/>
+          </a:bodyPr>
+          <a:lstStyle/>
+          <a:p>
+            <a:r>
+              <a:rPr lang="en-US" altLang="zh-CN" sz="1400" dirty="0" smtClean="0"/>
+              <a:t>“file</a:t>
+            </a:r>
+            <a:r>
+              <a:rPr lang="en-US" altLang="zh-CN" sz="1400" dirty="0"/>
+              <a:t>:///tmp/ </a:t>
+            </a:r>
+            <a:r>
+              <a:rPr lang="en-US" altLang="zh-CN" sz="1400" dirty="0" smtClean="0"/>
+              <a:t>fdb-ipc1”</a:t>
+            </a:r>
+            <a:endParaRPr lang="zh-CN" altLang="en-US" sz="1400" dirty="0"/>
+          </a:p>
+        </p:txBody>
+      </p:sp>
+      <p:cxnSp>
+        <p:nvCxnSpPr>
+          <p:cNvPr id="54" name="直接连接符 25"/>
+          <p:cNvCxnSpPr/>
+          <p:nvPr/>
+        </p:nvCxnSpPr>
+        <p:spPr>
+          <a:xfrm>
+            <a:off x="4075653" y="3958877"/>
+            <a:ext cx="288032" cy="0"/>
+          </a:xfrm>
+          <a:prstGeom prst="line">
+            <a:avLst/>
+          </a:prstGeom>
+        </p:spPr>
+        <p:style>
+          <a:lnRef idx="1">
+            <a:schemeClr val="accent1"/>
+          </a:lnRef>
+          <a:fillRef idx="0">
+            <a:schemeClr val="accent1"/>
+          </a:fillRef>
+          <a:effectRef idx="0">
+            <a:schemeClr val="accent1"/>
+          </a:effectRef>
+          <a:fontRef idx="minor">
+            <a:schemeClr val="tx1"/>
+          </a:fontRef>
+        </p:style>
+      </p:cxnSp>
+      <p:cxnSp>
+        <p:nvCxnSpPr>
+          <p:cNvPr id="55" name="直接连接符 27"/>
+          <p:cNvCxnSpPr/>
+          <p:nvPr/>
+        </p:nvCxnSpPr>
+        <p:spPr>
+          <a:xfrm>
+            <a:off x="4363685" y="3958877"/>
+            <a:ext cx="0" cy="432048"/>
+          </a:xfrm>
+          <a:prstGeom prst="line">
+            <a:avLst/>
+          </a:prstGeom>
+        </p:spPr>
+        <p:style>
+          <a:lnRef idx="1">
+            <a:schemeClr val="accent1"/>
+          </a:lnRef>
+          <a:fillRef idx="0">
+            <a:schemeClr val="accent1"/>
+          </a:fillRef>
+          <a:effectRef idx="0">
+            <a:schemeClr val="accent1"/>
+          </a:effectRef>
+          <a:fontRef idx="minor">
+            <a:schemeClr val="tx1"/>
+          </a:fontRef>
+        </p:style>
+      </p:cxnSp>
+      <p:cxnSp>
+        <p:nvCxnSpPr>
+          <p:cNvPr id="56" name="直接箭头连接符 29"/>
+          <p:cNvCxnSpPr/>
+          <p:nvPr/>
+        </p:nvCxnSpPr>
+        <p:spPr>
+          <a:xfrm flipH="1">
+            <a:off x="4147661" y="4390925"/>
+            <a:ext cx="216024" cy="0"/>
+          </a:xfrm>
+          <a:prstGeom prst="straightConnector1">
+            <a:avLst/>
+          </a:prstGeom>
+          <a:ln>
+            <a:tailEnd type="arrow"/>
+          </a:ln>
+        </p:spPr>
+        <p:style>
+          <a:lnRef idx="1">
+            <a:schemeClr val="accent1"/>
+          </a:lnRef>
+          <a:fillRef idx="0">
+            <a:schemeClr val="accent1"/>
+          </a:fillRef>
+          <a:effectRef idx="0">
+            <a:schemeClr val="accent1"/>
+          </a:effectRef>
+          <a:fontRef idx="minor">
+            <a:schemeClr val="tx1"/>
+          </a:fontRef>
+        </p:style>
+      </p:cxnSp>
+      <p:sp>
+        <p:nvSpPr>
+          <p:cNvPr id="57" name="Rectangle 56"/>
+          <p:cNvSpPr/>
+          <p:nvPr/>
+        </p:nvSpPr>
+        <p:spPr>
+          <a:xfrm>
+            <a:off x="4371393" y="3865549"/>
+            <a:ext cx="2140330" cy="523220"/>
+          </a:xfrm>
+          <a:prstGeom prst="rect">
+            <a:avLst/>
+          </a:prstGeom>
+        </p:spPr>
+        <p:txBody>
+          <a:bodyPr wrap="none">
+            <a:spAutoFit/>
+          </a:bodyPr>
+          <a:lstStyle/>
+          <a:p>
+            <a:r>
+              <a:rPr lang="en-US" altLang="zh-CN" sz="1400" dirty="0" smtClean="0"/>
+              <a:t>bind(“/</a:t>
+            </a:r>
+            <a:r>
+              <a:rPr lang="en-US" altLang="zh-CN" sz="1400" dirty="0" smtClean="0"/>
+              <a:t>tmp</a:t>
+            </a:r>
+            <a:r>
+              <a:rPr lang="en-US" altLang="zh-CN" sz="1400" dirty="0"/>
+              <a:t>/ </a:t>
+            </a:r>
+            <a:r>
+              <a:rPr lang="en-US" altLang="zh-CN" sz="1400" dirty="0" smtClean="0"/>
+              <a:t>fdb-ipc1”)</a:t>
+            </a:r>
+          </a:p>
+          <a:p>
+            <a:r>
+              <a:rPr lang="en-US" altLang="zh-CN" sz="1400" dirty="0"/>
+              <a:t>b</a:t>
+            </a:r>
+            <a:r>
+              <a:rPr lang="en-US" altLang="zh-CN" sz="1400" dirty="0" smtClean="0"/>
+              <a:t>ind(“192.168.1.1:60002”)</a:t>
+            </a:r>
+            <a:endParaRPr lang="zh-CN" altLang="en-US" sz="1400" dirty="0"/>
+          </a:p>
+        </p:txBody>
+      </p:sp>
+      <p:cxnSp>
+        <p:nvCxnSpPr>
+          <p:cNvPr id="58" name="直接箭头连接符 14"/>
+          <p:cNvCxnSpPr/>
+          <p:nvPr/>
+        </p:nvCxnSpPr>
+        <p:spPr>
+          <a:xfrm>
+            <a:off x="4067944" y="4653136"/>
+            <a:ext cx="3232651" cy="0"/>
+          </a:xfrm>
+          <a:prstGeom prst="straightConnector1">
+            <a:avLst/>
+          </a:prstGeom>
+          <a:ln>
+            <a:solidFill>
+              <a:srgbClr val="FF0000"/>
+            </a:solidFill>
+            <a:tailEnd type="arrow"/>
+          </a:ln>
+        </p:spPr>
+        <p:style>
+          <a:lnRef idx="1">
+            <a:schemeClr val="accent1"/>
+          </a:lnRef>
+          <a:fillRef idx="0">
+            <a:schemeClr val="accent1"/>
+          </a:fillRef>
+          <a:effectRef idx="0">
+            <a:schemeClr val="accent1"/>
+          </a:effectRef>
+          <a:fontRef idx="minor">
+            <a:schemeClr val="tx1"/>
+          </a:fontRef>
+        </p:style>
+      </p:cxnSp>
+      <p:cxnSp>
+        <p:nvCxnSpPr>
+          <p:cNvPr id="59" name="直接箭头连接符 16"/>
+          <p:cNvCxnSpPr/>
+          <p:nvPr/>
+        </p:nvCxnSpPr>
+        <p:spPr>
+          <a:xfrm flipH="1">
+            <a:off x="843002" y="2636912"/>
+            <a:ext cx="6480720" cy="0"/>
+          </a:xfrm>
+          <a:prstGeom prst="straightConnector1">
+            <a:avLst/>
+          </a:prstGeom>
+          <a:ln>
+            <a:tailEnd type="arrow"/>
+          </a:ln>
+        </p:spPr>
+        <p:style>
+          <a:lnRef idx="1">
+            <a:schemeClr val="accent1"/>
+          </a:lnRef>
+          <a:fillRef idx="0">
+            <a:schemeClr val="accent1"/>
+          </a:fillRef>
+          <a:effectRef idx="0">
+            <a:schemeClr val="accent1"/>
+          </a:effectRef>
+          <a:fontRef idx="minor">
+            <a:schemeClr val="tx1"/>
+          </a:fontRef>
+        </p:style>
+      </p:cxnSp>
+      <p:sp>
+        <p:nvSpPr>
+          <p:cNvPr id="60" name="TextBox 59"/>
+          <p:cNvSpPr txBox="1"/>
+          <p:nvPr/>
+        </p:nvSpPr>
+        <p:spPr>
+          <a:xfrm>
+            <a:off x="5236578" y="4369114"/>
+            <a:ext cx="559558" cy="307777"/>
+          </a:xfrm>
+          <a:prstGeom prst="rect">
+            <a:avLst/>
+          </a:prstGeom>
+          <a:noFill/>
+        </p:spPr>
+        <p:txBody>
+          <a:bodyPr wrap="square" rtlCol="0">
+            <a:spAutoFit/>
+          </a:bodyPr>
+          <a:lstStyle/>
+          <a:p>
+            <a:r>
+              <a:rPr lang="en-US" altLang="zh-CN" sz="1400" dirty="0" smtClean="0"/>
+              <a:t>done</a:t>
+            </a:r>
+            <a:endParaRPr lang="zh-CN" altLang="en-US" sz="1400" dirty="0"/>
+          </a:p>
+        </p:txBody>
+      </p:sp>
+      <p:sp>
+        <p:nvSpPr>
+          <p:cNvPr id="64" name="Rectangle 63"/>
+          <p:cNvSpPr/>
+          <p:nvPr/>
+        </p:nvSpPr>
+        <p:spPr>
+          <a:xfrm>
+            <a:off x="1187624" y="5242303"/>
+            <a:ext cx="2100575" cy="307777"/>
+          </a:xfrm>
+          <a:prstGeom prst="rect">
+            <a:avLst/>
+          </a:prstGeom>
+        </p:spPr>
+        <p:txBody>
+          <a:bodyPr wrap="none">
+            <a:spAutoFit/>
+          </a:bodyPr>
+          <a:lstStyle/>
+          <a:p>
+            <a:r>
+              <a:rPr lang="en-US" altLang="zh-CN" sz="1400" dirty="0" smtClean="0"/>
+              <a:t>connect(“/</a:t>
+            </a:r>
+            <a:r>
+              <a:rPr lang="en-US" altLang="zh-CN" sz="1400" dirty="0" smtClean="0"/>
+              <a:t>tmp</a:t>
+            </a:r>
+            <a:r>
+              <a:rPr lang="en-US" altLang="zh-CN" sz="1400" dirty="0"/>
+              <a:t>/ </a:t>
+            </a:r>
+            <a:r>
+              <a:rPr lang="en-US" altLang="zh-CN" sz="1400" dirty="0" smtClean="0"/>
+              <a:t>fdb-ipc1”)</a:t>
+            </a:r>
+            <a:endParaRPr lang="zh-CN" altLang="en-US" sz="1400" dirty="0"/>
+          </a:p>
+        </p:txBody>
+      </p:sp>
+      <p:cxnSp>
+        <p:nvCxnSpPr>
+          <p:cNvPr id="69" name="直接箭头连接符 14"/>
+          <p:cNvCxnSpPr/>
+          <p:nvPr/>
+        </p:nvCxnSpPr>
+        <p:spPr>
+          <a:xfrm>
+            <a:off x="843002" y="5503420"/>
+            <a:ext cx="3232651" cy="0"/>
+          </a:xfrm>
+          <a:prstGeom prst="straightConnector1">
+            <a:avLst/>
+          </a:prstGeom>
+          <a:ln>
+            <a:solidFill>
+              <a:srgbClr val="FF0000"/>
+            </a:solidFill>
+            <a:tailEnd type="arrow"/>
+          </a:ln>
+        </p:spPr>
+        <p:style>
+          <a:lnRef idx="1">
+            <a:schemeClr val="accent1"/>
+          </a:lnRef>
+          <a:fillRef idx="0">
+            <a:schemeClr val="accent1"/>
+          </a:fillRef>
+          <a:effectRef idx="0">
+            <a:schemeClr val="accent1"/>
+          </a:effectRef>
+          <a:fontRef idx="minor">
+            <a:schemeClr val="tx1"/>
+          </a:fontRef>
+        </p:style>
+      </p:cxnSp>
+      <p:cxnSp>
+        <p:nvCxnSpPr>
+          <p:cNvPr id="70" name="直接连接符 25"/>
+          <p:cNvCxnSpPr/>
+          <p:nvPr/>
+        </p:nvCxnSpPr>
+        <p:spPr>
+          <a:xfrm>
+            <a:off x="4067944" y="5647436"/>
+            <a:ext cx="288032" cy="0"/>
+          </a:xfrm>
+          <a:prstGeom prst="line">
+            <a:avLst/>
+          </a:prstGeom>
+        </p:spPr>
+        <p:style>
+          <a:lnRef idx="1">
+            <a:schemeClr val="accent1"/>
+          </a:lnRef>
+          <a:fillRef idx="0">
+            <a:schemeClr val="accent1"/>
+          </a:fillRef>
+          <a:effectRef idx="0">
+            <a:schemeClr val="accent1"/>
+          </a:effectRef>
+          <a:fontRef idx="minor">
+            <a:schemeClr val="tx1"/>
+          </a:fontRef>
+        </p:style>
+      </p:cxnSp>
+      <p:cxnSp>
+        <p:nvCxnSpPr>
+          <p:cNvPr id="71" name="直接连接符 27"/>
+          <p:cNvCxnSpPr/>
+          <p:nvPr/>
+        </p:nvCxnSpPr>
+        <p:spPr>
+          <a:xfrm>
+            <a:off x="4355976" y="5647436"/>
+            <a:ext cx="0" cy="292553"/>
+          </a:xfrm>
+          <a:prstGeom prst="line">
+            <a:avLst/>
+          </a:prstGeom>
+        </p:spPr>
+        <p:style>
+          <a:lnRef idx="1">
+            <a:schemeClr val="accent1"/>
+          </a:lnRef>
+          <a:fillRef idx="0">
+            <a:schemeClr val="accent1"/>
+          </a:fillRef>
+          <a:effectRef idx="0">
+            <a:schemeClr val="accent1"/>
+          </a:effectRef>
+          <a:fontRef idx="minor">
+            <a:schemeClr val="tx1"/>
+          </a:fontRef>
+        </p:style>
+      </p:cxnSp>
+      <p:cxnSp>
+        <p:nvCxnSpPr>
+          <p:cNvPr id="72" name="直接箭头连接符 29"/>
+          <p:cNvCxnSpPr/>
+          <p:nvPr/>
+        </p:nvCxnSpPr>
+        <p:spPr>
+          <a:xfrm flipH="1">
+            <a:off x="4139952" y="5939989"/>
+            <a:ext cx="216024" cy="0"/>
+          </a:xfrm>
+          <a:prstGeom prst="straightConnector1">
+            <a:avLst/>
+          </a:prstGeom>
+          <a:ln>
+            <a:tailEnd type="arrow"/>
+          </a:ln>
+        </p:spPr>
+        <p:style>
+          <a:lnRef idx="1">
+            <a:schemeClr val="accent1"/>
+          </a:lnRef>
+          <a:fillRef idx="0">
+            <a:schemeClr val="accent1"/>
+          </a:fillRef>
+          <a:effectRef idx="0">
+            <a:schemeClr val="accent1"/>
+          </a:effectRef>
+          <a:fontRef idx="minor">
+            <a:schemeClr val="tx1"/>
+          </a:fontRef>
+        </p:style>
+      </p:cxnSp>
+      <p:cxnSp>
+        <p:nvCxnSpPr>
+          <p:cNvPr id="73" name="直接连接符 25"/>
+          <p:cNvCxnSpPr/>
+          <p:nvPr/>
+        </p:nvCxnSpPr>
+        <p:spPr>
+          <a:xfrm>
+            <a:off x="827584" y="5614150"/>
+            <a:ext cx="288032" cy="0"/>
+          </a:xfrm>
+          <a:prstGeom prst="line">
+            <a:avLst/>
+          </a:prstGeom>
+        </p:spPr>
+        <p:style>
+          <a:lnRef idx="1">
+            <a:schemeClr val="accent1"/>
+          </a:lnRef>
+          <a:fillRef idx="0">
+            <a:schemeClr val="accent1"/>
+          </a:fillRef>
+          <a:effectRef idx="0">
+            <a:schemeClr val="accent1"/>
+          </a:effectRef>
+          <a:fontRef idx="minor">
+            <a:schemeClr val="tx1"/>
+          </a:fontRef>
+        </p:style>
+      </p:cxnSp>
+      <p:cxnSp>
+        <p:nvCxnSpPr>
+          <p:cNvPr id="74" name="直接连接符 27"/>
+          <p:cNvCxnSpPr/>
+          <p:nvPr/>
+        </p:nvCxnSpPr>
+        <p:spPr>
+          <a:xfrm>
+            <a:off x="1115616" y="5614150"/>
+            <a:ext cx="0" cy="292553"/>
+          </a:xfrm>
+          <a:prstGeom prst="line">
+            <a:avLst/>
+          </a:prstGeom>
+        </p:spPr>
+        <p:style>
+          <a:lnRef idx="1">
+            <a:schemeClr val="accent1"/>
+          </a:lnRef>
+          <a:fillRef idx="0">
+            <a:schemeClr val="accent1"/>
+          </a:fillRef>
+          <a:effectRef idx="0">
+            <a:schemeClr val="accent1"/>
+          </a:effectRef>
+          <a:fontRef idx="minor">
+            <a:schemeClr val="tx1"/>
+          </a:fontRef>
+        </p:style>
+      </p:cxnSp>
+      <p:cxnSp>
+        <p:nvCxnSpPr>
+          <p:cNvPr id="75" name="直接箭头连接符 29"/>
+          <p:cNvCxnSpPr/>
+          <p:nvPr/>
+        </p:nvCxnSpPr>
+        <p:spPr>
+          <a:xfrm flipH="1">
+            <a:off x="899592" y="5906703"/>
+            <a:ext cx="216024" cy="0"/>
+          </a:xfrm>
+          <a:prstGeom prst="straightConnector1">
+            <a:avLst/>
+          </a:prstGeom>
+          <a:ln>
+            <a:tailEnd type="arrow"/>
+          </a:ln>
+        </p:spPr>
+        <p:style>
+          <a:lnRef idx="1">
+            <a:schemeClr val="accent1"/>
+          </a:lnRef>
+          <a:fillRef idx="0">
+            <a:schemeClr val="accent1"/>
+          </a:fillRef>
+          <a:effectRef idx="0">
+            <a:schemeClr val="accent1"/>
+          </a:effectRef>
+          <a:fontRef idx="minor">
+            <a:schemeClr val="tx1"/>
+          </a:fontRef>
+        </p:style>
+      </p:cxnSp>
+      <p:sp>
+        <p:nvSpPr>
+          <p:cNvPr id="76" name="TextBox 75"/>
+          <p:cNvSpPr txBox="1"/>
+          <p:nvPr/>
+        </p:nvSpPr>
+        <p:spPr>
+          <a:xfrm>
+            <a:off x="1108661" y="5579948"/>
+            <a:ext cx="1584176" cy="307777"/>
+          </a:xfrm>
+          <a:prstGeom prst="rect">
+            <a:avLst/>
+          </a:prstGeom>
+          <a:noFill/>
+        </p:spPr>
+        <p:txBody>
+          <a:bodyPr wrap="square" rtlCol="0">
+            <a:spAutoFit/>
+          </a:bodyPr>
+          <a:lstStyle/>
+          <a:p>
+            <a:r>
+              <a:rPr lang="en-US" altLang="zh-CN" sz="1400" dirty="0" smtClean="0"/>
+              <a:t>onOnline()</a:t>
+            </a:r>
+            <a:endParaRPr lang="zh-CN" altLang="en-US" sz="1400" dirty="0"/>
+          </a:p>
+        </p:txBody>
+      </p:sp>
+      <p:sp>
+        <p:nvSpPr>
+          <p:cNvPr id="77" name="TextBox 76"/>
+          <p:cNvSpPr txBox="1"/>
+          <p:nvPr/>
+        </p:nvSpPr>
+        <p:spPr>
+          <a:xfrm>
+            <a:off x="4355976" y="5373216"/>
+            <a:ext cx="2808312" cy="738664"/>
+          </a:xfrm>
+          <a:prstGeom prst="rect">
+            <a:avLst/>
+          </a:prstGeom>
+          <a:noFill/>
+        </p:spPr>
+        <p:txBody>
+          <a:bodyPr wrap="square" rtlCol="0">
+            <a:spAutoFit/>
+          </a:bodyPr>
+          <a:lstStyle/>
+          <a:p>
+            <a:pPr marL="342900" indent="-342900">
+              <a:buAutoNum type="arabicPeriod"/>
+            </a:pPr>
+            <a:r>
+              <a:rPr lang="en-US" altLang="zh-CN" sz="1400" b="1" dirty="0" smtClean="0"/>
+              <a:t>Verify T1 is valid and set secure level of client to 1;</a:t>
+            </a:r>
+          </a:p>
+          <a:p>
+            <a:pPr marL="342900" indent="-342900">
+              <a:buAutoNum type="arabicPeriod"/>
+            </a:pPr>
+            <a:r>
+              <a:rPr lang="en-US" altLang="zh-CN" sz="1400" dirty="0" smtClean="0"/>
+              <a:t>Call onOnline</a:t>
+            </a:r>
+            <a:r>
+              <a:rPr lang="en-US" altLang="zh-CN" sz="1400" dirty="0" smtClean="0"/>
+              <a:t>()</a:t>
+            </a:r>
+            <a:endParaRPr lang="zh-CN" altLang="en-US" sz="1400" dirty="0"/>
+          </a:p>
+        </p:txBody>
+      </p:sp>
+      <p:cxnSp>
+        <p:nvCxnSpPr>
+          <p:cNvPr id="34" name="直接连接符 25"/>
+          <p:cNvCxnSpPr/>
+          <p:nvPr/>
+        </p:nvCxnSpPr>
+        <p:spPr>
+          <a:xfrm>
+            <a:off x="7323722" y="3284984"/>
+            <a:ext cx="288032" cy="0"/>
+          </a:xfrm>
+          <a:prstGeom prst="line">
+            <a:avLst/>
+          </a:prstGeom>
+        </p:spPr>
+        <p:style>
+          <a:lnRef idx="1">
+            <a:schemeClr val="accent1"/>
+          </a:lnRef>
+          <a:fillRef idx="0">
+            <a:schemeClr val="accent1"/>
+          </a:fillRef>
+          <a:effectRef idx="0">
+            <a:schemeClr val="accent1"/>
+          </a:effectRef>
+          <a:fontRef idx="minor">
+            <a:schemeClr val="tx1"/>
+          </a:fontRef>
+        </p:style>
+      </p:cxnSp>
+      <p:cxnSp>
+        <p:nvCxnSpPr>
+          <p:cNvPr id="35" name="直接连接符 27"/>
+          <p:cNvCxnSpPr/>
+          <p:nvPr/>
+        </p:nvCxnSpPr>
+        <p:spPr>
+          <a:xfrm>
+            <a:off x="7611754" y="3284984"/>
+            <a:ext cx="0" cy="292553"/>
+          </a:xfrm>
+          <a:prstGeom prst="line">
+            <a:avLst/>
+          </a:prstGeom>
+        </p:spPr>
+        <p:style>
+          <a:lnRef idx="1">
+            <a:schemeClr val="accent1"/>
+          </a:lnRef>
+          <a:fillRef idx="0">
+            <a:schemeClr val="accent1"/>
+          </a:fillRef>
+          <a:effectRef idx="0">
+            <a:schemeClr val="accent1"/>
+          </a:effectRef>
+          <a:fontRef idx="minor">
+            <a:schemeClr val="tx1"/>
+          </a:fontRef>
+        </p:style>
+      </p:cxnSp>
+      <p:cxnSp>
+        <p:nvCxnSpPr>
+          <p:cNvPr id="37" name="直接箭头连接符 29"/>
+          <p:cNvCxnSpPr/>
+          <p:nvPr/>
+        </p:nvCxnSpPr>
+        <p:spPr>
+          <a:xfrm flipH="1">
+            <a:off x="7395730" y="3577537"/>
+            <a:ext cx="216024" cy="0"/>
+          </a:xfrm>
+          <a:prstGeom prst="straightConnector1">
+            <a:avLst/>
+          </a:prstGeom>
+          <a:ln>
+            <a:tailEnd type="arrow"/>
+          </a:ln>
+        </p:spPr>
+        <p:style>
+          <a:lnRef idx="1">
+            <a:schemeClr val="accent1"/>
+          </a:lnRef>
+          <a:fillRef idx="0">
+            <a:schemeClr val="accent1"/>
+          </a:fillRef>
+          <a:effectRef idx="0">
+            <a:schemeClr val="accent1"/>
+          </a:effectRef>
+          <a:fontRef idx="minor">
+            <a:schemeClr val="tx1"/>
+          </a:fontRef>
+        </p:style>
+      </p:cxnSp>
+      <p:sp>
+        <p:nvSpPr>
+          <p:cNvPr id="38" name="Rectangle 37"/>
+          <p:cNvSpPr/>
+          <p:nvPr/>
+        </p:nvSpPr>
+        <p:spPr>
+          <a:xfrm>
+            <a:off x="7596336" y="3160713"/>
+            <a:ext cx="1512168" cy="523220"/>
+          </a:xfrm>
+          <a:prstGeom prst="rect">
+            <a:avLst/>
+          </a:prstGeom>
+        </p:spPr>
+        <p:txBody>
+          <a:bodyPr wrap="square">
+            <a:spAutoFit/>
+          </a:bodyPr>
+          <a:lstStyle/>
+          <a:p>
+            <a:r>
+              <a:rPr lang="en-US" altLang="zh-CN" sz="1400" dirty="0" smtClean="0"/>
+              <a:t>Allocate </a:t>
+            </a:r>
+            <a:r>
+              <a:rPr lang="en-US" altLang="zh-CN" sz="1400" dirty="0" smtClean="0"/>
+              <a:t>address </a:t>
+            </a:r>
+            <a:r>
+              <a:rPr lang="en-US" altLang="zh-CN" sz="1400" b="1" dirty="0" smtClean="0"/>
+              <a:t>and tokens (T0-T3)</a:t>
+            </a:r>
+            <a:endParaRPr lang="zh-CN" altLang="en-US" sz="1400" b="1" dirty="0"/>
+          </a:p>
+        </p:txBody>
+      </p:sp>
+      <p:sp>
+        <p:nvSpPr>
+          <p:cNvPr id="39" name="TextBox 38"/>
+          <p:cNvSpPr txBox="1"/>
+          <p:nvPr/>
+        </p:nvSpPr>
+        <p:spPr>
+          <a:xfrm>
+            <a:off x="6300192" y="3481263"/>
+            <a:ext cx="743028" cy="307777"/>
+          </a:xfrm>
+          <a:prstGeom prst="rect">
+            <a:avLst/>
+          </a:prstGeom>
+          <a:noFill/>
+        </p:spPr>
+        <p:txBody>
+          <a:bodyPr wrap="square" rtlCol="0">
+            <a:spAutoFit/>
+          </a:bodyPr>
+          <a:lstStyle/>
+          <a:p>
+            <a:r>
+              <a:rPr lang="en-US" altLang="zh-CN" sz="1400" b="1" dirty="0" smtClean="0"/>
+              <a:t>T0 – T3</a:t>
+            </a:r>
+            <a:endParaRPr lang="zh-CN" altLang="en-US" sz="1400" b="1" dirty="0"/>
+          </a:p>
+        </p:txBody>
+      </p:sp>
+      <p:cxnSp>
+        <p:nvCxnSpPr>
+          <p:cNvPr id="40" name="直接连接符 25"/>
+          <p:cNvCxnSpPr/>
+          <p:nvPr/>
+        </p:nvCxnSpPr>
+        <p:spPr>
+          <a:xfrm>
+            <a:off x="7308304" y="4758243"/>
+            <a:ext cx="288032" cy="0"/>
+          </a:xfrm>
+          <a:prstGeom prst="line">
+            <a:avLst/>
+          </a:prstGeom>
+        </p:spPr>
+        <p:style>
+          <a:lnRef idx="1">
+            <a:schemeClr val="accent1"/>
+          </a:lnRef>
+          <a:fillRef idx="0">
+            <a:schemeClr val="accent1"/>
+          </a:fillRef>
+          <a:effectRef idx="0">
+            <a:schemeClr val="accent1"/>
+          </a:effectRef>
+          <a:fontRef idx="minor">
+            <a:schemeClr val="tx1"/>
+          </a:fontRef>
+        </p:style>
+      </p:cxnSp>
+      <p:cxnSp>
+        <p:nvCxnSpPr>
+          <p:cNvPr id="41" name="直接连接符 27"/>
+          <p:cNvCxnSpPr/>
+          <p:nvPr/>
+        </p:nvCxnSpPr>
+        <p:spPr>
+          <a:xfrm>
+            <a:off x="7596336" y="4758243"/>
+            <a:ext cx="0" cy="292553"/>
+          </a:xfrm>
+          <a:prstGeom prst="line">
+            <a:avLst/>
+          </a:prstGeom>
+        </p:spPr>
+        <p:style>
+          <a:lnRef idx="1">
+            <a:schemeClr val="accent1"/>
+          </a:lnRef>
+          <a:fillRef idx="0">
+            <a:schemeClr val="accent1"/>
+          </a:fillRef>
+          <a:effectRef idx="0">
+            <a:schemeClr val="accent1"/>
+          </a:effectRef>
+          <a:fontRef idx="minor">
+            <a:schemeClr val="tx1"/>
+          </a:fontRef>
+        </p:style>
+      </p:cxnSp>
+      <p:cxnSp>
+        <p:nvCxnSpPr>
+          <p:cNvPr id="42" name="直接箭头连接符 29"/>
+          <p:cNvCxnSpPr/>
+          <p:nvPr/>
+        </p:nvCxnSpPr>
+        <p:spPr>
+          <a:xfrm flipH="1">
+            <a:off x="7380312" y="5050796"/>
+            <a:ext cx="216024" cy="0"/>
+          </a:xfrm>
+          <a:prstGeom prst="straightConnector1">
+            <a:avLst/>
+          </a:prstGeom>
+          <a:ln>
+            <a:tailEnd type="arrow"/>
+          </a:ln>
+        </p:spPr>
+        <p:style>
+          <a:lnRef idx="1">
+            <a:schemeClr val="accent1"/>
+          </a:lnRef>
+          <a:fillRef idx="0">
+            <a:schemeClr val="accent1"/>
+          </a:fillRef>
+          <a:effectRef idx="0">
+            <a:schemeClr val="accent1"/>
+          </a:effectRef>
+          <a:fontRef idx="minor">
+            <a:schemeClr val="tx1"/>
+          </a:fontRef>
+        </p:style>
+      </p:cxnSp>
+      <p:sp>
+        <p:nvSpPr>
+          <p:cNvPr id="43" name="Rectangle 37"/>
+          <p:cNvSpPr/>
+          <p:nvPr/>
+        </p:nvSpPr>
+        <p:spPr>
+          <a:xfrm>
+            <a:off x="7596336" y="4365104"/>
+            <a:ext cx="1481494" cy="1384995"/>
+          </a:xfrm>
+          <a:prstGeom prst="rect">
+            <a:avLst/>
+          </a:prstGeom>
+        </p:spPr>
+        <p:txBody>
+          <a:bodyPr wrap="square">
+            <a:spAutoFit/>
+          </a:bodyPr>
+          <a:lstStyle/>
+          <a:p>
+            <a:r>
+              <a:rPr lang="en-US" altLang="zh-CN" sz="1400" b="1" dirty="0" smtClean="0"/>
+              <a:t>Figure out secure level of client is 1 from its UID; give T1 to client in addition to server address.</a:t>
+            </a:r>
+            <a:endParaRPr lang="zh-CN" altLang="en-US" sz="1400" b="1" dirty="0"/>
+          </a:p>
+        </p:txBody>
+      </p:sp>
+      <p:sp>
+        <p:nvSpPr>
+          <p:cNvPr id="44" name="TextBox 43"/>
+          <p:cNvSpPr txBox="1"/>
+          <p:nvPr/>
+        </p:nvSpPr>
+        <p:spPr>
+          <a:xfrm>
+            <a:off x="3275856" y="5229200"/>
+            <a:ext cx="559558" cy="307777"/>
+          </a:xfrm>
+          <a:prstGeom prst="rect">
+            <a:avLst/>
+          </a:prstGeom>
+          <a:noFill/>
+        </p:spPr>
+        <p:txBody>
+          <a:bodyPr wrap="square" rtlCol="0">
+            <a:spAutoFit/>
+          </a:bodyPr>
+          <a:lstStyle/>
+          <a:p>
+            <a:r>
+              <a:rPr lang="en-US" altLang="zh-CN" sz="1400" b="1" dirty="0" smtClean="0"/>
+              <a:t>T1</a:t>
+            </a:r>
+            <a:endParaRPr lang="zh-CN" altLang="en-US" sz="1400" b="1" dirty="0"/>
+          </a:p>
+        </p:txBody>
+      </p:sp>
+      <p:sp>
+        <p:nvSpPr>
+          <p:cNvPr id="46" name="TextBox 45"/>
+          <p:cNvSpPr txBox="1"/>
+          <p:nvPr/>
+        </p:nvSpPr>
+        <p:spPr>
+          <a:xfrm>
+            <a:off x="3275856" y="4869160"/>
+            <a:ext cx="559558" cy="307777"/>
+          </a:xfrm>
+          <a:prstGeom prst="rect">
+            <a:avLst/>
+          </a:prstGeom>
+          <a:noFill/>
+        </p:spPr>
+        <p:txBody>
+          <a:bodyPr wrap="square" rtlCol="0">
+            <a:spAutoFit/>
+          </a:bodyPr>
+          <a:lstStyle/>
+          <a:p>
+            <a:r>
+              <a:rPr lang="en-US" altLang="zh-CN" sz="1400" b="1" dirty="0" smtClean="0"/>
+              <a:t>T1</a:t>
+            </a:r>
+            <a:endParaRPr lang="zh-CN" altLang="en-US" sz="1400" b="1" dirty="0"/>
           </a:p>
         </p:txBody>
       </p:sp>
     </p:spTree>
     <p:extLst>
       <p:ext uri="{BB962C8B-B14F-4D97-AF65-F5344CB8AC3E}">
-        <p14:creationId xmlns:p14="http://schemas.microsoft.com/office/powerpoint/2010/main" val="4237641767"/>
+        <p14:creationId xmlns="" xmlns:p14="http://schemas.microsoft.com/office/powerpoint/2010/main" val="1959891164"/>
       </p:ext>
     </p:extLst>
   </p:cSld>
@@ -31870,7 +33142,7 @@
       </p:grpSpPr>
       <p:sp>
         <p:nvSpPr>
-          <p:cNvPr id="2" name="Title 1"/>
+          <p:cNvPr id="2" name="标题 1"/>
           <p:cNvSpPr>
             <a:spLocks noGrp="1"/>
           </p:cNvSpPr>
@@ -31878,787 +33150,19 @@
             <p:ph type="title"/>
           </p:nvPr>
         </p:nvSpPr>
-        <p:spPr/>
+        <p:spPr>
+          <a:xfrm>
+            <a:off x="467544" y="2636912"/>
+            <a:ext cx="8229600" cy="1143000"/>
+          </a:xfrm>
+        </p:spPr>
         <p:txBody>
           <a:bodyPr/>
           <a:lstStyle/>
           <a:p>
             <a:r>
-              <a:rPr lang="en-US" dirty="0" smtClean="0"/>
-              <a:t>Log</a:t>
-            </a:r>
-            <a:r>
-              <a:rPr lang="zh-CN" altLang="en-US" dirty="0" smtClean="0"/>
-              <a:t>系统</a:t>
-            </a:r>
-            <a:endParaRPr lang="en-US" dirty="0"/>
-          </a:p>
-        </p:txBody>
-      </p:sp>
-      <p:sp>
-        <p:nvSpPr>
-          <p:cNvPr id="4" name="Rounded Rectangle 3"/>
-          <p:cNvSpPr/>
-          <p:nvPr/>
-        </p:nvSpPr>
-        <p:spPr>
-          <a:xfrm>
-            <a:off x="745232" y="1655400"/>
-            <a:ext cx="1512168" cy="1080120"/>
-          </a:xfrm>
-          <a:prstGeom prst="roundRect">
-            <a:avLst/>
-          </a:prstGeom>
-        </p:spPr>
-        <p:style>
-          <a:lnRef idx="2">
-            <a:schemeClr val="accent3">
-              <a:shade val="50000"/>
-            </a:schemeClr>
-          </a:lnRef>
-          <a:fillRef idx="1">
-            <a:schemeClr val="accent3"/>
-          </a:fillRef>
-          <a:effectRef idx="0">
-            <a:schemeClr val="accent3"/>
-          </a:effectRef>
-          <a:fontRef idx="minor">
-            <a:schemeClr val="lt1"/>
-          </a:fontRef>
-        </p:style>
-        <p:txBody>
-          <a:bodyPr rtlCol="0" anchor="t"/>
-          <a:lstStyle/>
-          <a:p>
-            <a:pPr algn="ctr"/>
-            <a:r>
-              <a:rPr lang="en-US" dirty="0" smtClean="0"/>
-              <a:t>Client</a:t>
-            </a:r>
-            <a:endParaRPr lang="en-US" dirty="0"/>
-          </a:p>
-        </p:txBody>
-      </p:sp>
-      <p:sp>
-        <p:nvSpPr>
-          <p:cNvPr id="6" name="Rounded Rectangle 5"/>
-          <p:cNvSpPr/>
-          <p:nvPr/>
-        </p:nvSpPr>
-        <p:spPr>
-          <a:xfrm>
-            <a:off x="925252" y="2087448"/>
-            <a:ext cx="1152128" cy="504056"/>
-          </a:xfrm>
-          <a:prstGeom prst="roundRect">
-            <a:avLst/>
-          </a:prstGeom>
-        </p:spPr>
-        <p:style>
-          <a:lnRef idx="2">
-            <a:schemeClr val="accent4">
-              <a:shade val="50000"/>
-            </a:schemeClr>
-          </a:lnRef>
-          <a:fillRef idx="1">
-            <a:schemeClr val="accent4"/>
-          </a:fillRef>
-          <a:effectRef idx="0">
-            <a:schemeClr val="accent4"/>
-          </a:effectRef>
-          <a:fontRef idx="minor">
-            <a:schemeClr val="lt1"/>
-          </a:fontRef>
-        </p:style>
-        <p:txBody>
-          <a:bodyPr rtlCol="0" anchor="t"/>
-          <a:lstStyle/>
-          <a:p>
-            <a:pPr algn="ctr"/>
-            <a:r>
-              <a:rPr lang="en-US" dirty="0" err="1" smtClean="0"/>
-              <a:t>LogClient</a:t>
-            </a:r>
-            <a:endParaRPr lang="en-US" dirty="0"/>
-          </a:p>
-        </p:txBody>
-      </p:sp>
-      <p:sp>
-        <p:nvSpPr>
-          <p:cNvPr id="7" name="Rounded Rectangle 6"/>
-          <p:cNvSpPr/>
-          <p:nvPr/>
-        </p:nvSpPr>
-        <p:spPr>
-          <a:xfrm>
-            <a:off x="745232" y="2879536"/>
-            <a:ext cx="1512168" cy="1080120"/>
-          </a:xfrm>
-          <a:prstGeom prst="roundRect">
-            <a:avLst/>
-          </a:prstGeom>
-        </p:spPr>
-        <p:style>
-          <a:lnRef idx="2">
-            <a:schemeClr val="accent3">
-              <a:shade val="50000"/>
-            </a:schemeClr>
-          </a:lnRef>
-          <a:fillRef idx="1">
-            <a:schemeClr val="accent3"/>
-          </a:fillRef>
-          <a:effectRef idx="0">
-            <a:schemeClr val="accent3"/>
-          </a:effectRef>
-          <a:fontRef idx="minor">
-            <a:schemeClr val="lt1"/>
-          </a:fontRef>
-        </p:style>
-        <p:txBody>
-          <a:bodyPr rtlCol="0" anchor="t"/>
-          <a:lstStyle/>
-          <a:p>
-            <a:pPr algn="ctr"/>
-            <a:r>
-              <a:rPr lang="en-US" dirty="0" smtClean="0"/>
-              <a:t>Server</a:t>
-            </a:r>
-            <a:endParaRPr lang="en-US" dirty="0"/>
-          </a:p>
-        </p:txBody>
-      </p:sp>
-      <p:sp>
-        <p:nvSpPr>
-          <p:cNvPr id="8" name="Rounded Rectangle 7"/>
-          <p:cNvSpPr/>
-          <p:nvPr/>
-        </p:nvSpPr>
-        <p:spPr>
-          <a:xfrm>
-            <a:off x="925252" y="3311584"/>
-            <a:ext cx="1152128" cy="504056"/>
-          </a:xfrm>
-          <a:prstGeom prst="roundRect">
-            <a:avLst/>
-          </a:prstGeom>
-        </p:spPr>
-        <p:style>
-          <a:lnRef idx="2">
-            <a:schemeClr val="accent4">
-              <a:shade val="50000"/>
-            </a:schemeClr>
-          </a:lnRef>
-          <a:fillRef idx="1">
-            <a:schemeClr val="accent4"/>
-          </a:fillRef>
-          <a:effectRef idx="0">
-            <a:schemeClr val="accent4"/>
-          </a:effectRef>
-          <a:fontRef idx="minor">
-            <a:schemeClr val="lt1"/>
-          </a:fontRef>
-        </p:style>
-        <p:txBody>
-          <a:bodyPr rtlCol="0" anchor="t"/>
-          <a:lstStyle/>
-          <a:p>
-            <a:pPr algn="ctr"/>
-            <a:r>
-              <a:rPr lang="en-US" dirty="0" err="1" smtClean="0"/>
-              <a:t>LogClient</a:t>
-            </a:r>
-            <a:endParaRPr lang="en-US" dirty="0"/>
-          </a:p>
-        </p:txBody>
-      </p:sp>
-      <p:sp>
-        <p:nvSpPr>
-          <p:cNvPr id="9" name="Rounded Rectangle 8"/>
-          <p:cNvSpPr/>
-          <p:nvPr/>
-        </p:nvSpPr>
-        <p:spPr>
-          <a:xfrm>
-            <a:off x="745232" y="4103672"/>
-            <a:ext cx="1512168" cy="1080120"/>
-          </a:xfrm>
-          <a:prstGeom prst="roundRect">
-            <a:avLst/>
-          </a:prstGeom>
-        </p:spPr>
-        <p:style>
-          <a:lnRef idx="2">
-            <a:schemeClr val="accent3">
-              <a:shade val="50000"/>
-            </a:schemeClr>
-          </a:lnRef>
-          <a:fillRef idx="1">
-            <a:schemeClr val="accent3"/>
-          </a:fillRef>
-          <a:effectRef idx="0">
-            <a:schemeClr val="accent3"/>
-          </a:effectRef>
-          <a:fontRef idx="minor">
-            <a:schemeClr val="lt1"/>
-          </a:fontRef>
-        </p:style>
-        <p:txBody>
-          <a:bodyPr rtlCol="0" anchor="t"/>
-          <a:lstStyle/>
-          <a:p>
-            <a:pPr algn="ctr"/>
-            <a:r>
-              <a:rPr lang="en-US" dirty="0" smtClean="0"/>
-              <a:t>Server</a:t>
-            </a:r>
-            <a:endParaRPr lang="en-US" dirty="0"/>
-          </a:p>
-        </p:txBody>
-      </p:sp>
-      <p:sp>
-        <p:nvSpPr>
-          <p:cNvPr id="10" name="Rounded Rectangle 9"/>
-          <p:cNvSpPr/>
-          <p:nvPr/>
-        </p:nvSpPr>
-        <p:spPr>
-          <a:xfrm>
-            <a:off x="925252" y="4535720"/>
-            <a:ext cx="1152128" cy="504056"/>
-          </a:xfrm>
-          <a:prstGeom prst="roundRect">
-            <a:avLst/>
-          </a:prstGeom>
-        </p:spPr>
-        <p:style>
-          <a:lnRef idx="2">
-            <a:schemeClr val="accent4">
-              <a:shade val="50000"/>
-            </a:schemeClr>
-          </a:lnRef>
-          <a:fillRef idx="1">
-            <a:schemeClr val="accent4"/>
-          </a:fillRef>
-          <a:effectRef idx="0">
-            <a:schemeClr val="accent4"/>
-          </a:effectRef>
-          <a:fontRef idx="minor">
-            <a:schemeClr val="lt1"/>
-          </a:fontRef>
-        </p:style>
-        <p:txBody>
-          <a:bodyPr rtlCol="0" anchor="t"/>
-          <a:lstStyle/>
-          <a:p>
-            <a:pPr algn="ctr"/>
-            <a:r>
-              <a:rPr lang="en-US" dirty="0" err="1" smtClean="0"/>
-              <a:t>LogClient</a:t>
-            </a:r>
-            <a:endParaRPr lang="en-US" dirty="0"/>
-          </a:p>
-        </p:txBody>
-      </p:sp>
-      <p:sp>
-        <p:nvSpPr>
-          <p:cNvPr id="11" name="Rounded Rectangle 10"/>
-          <p:cNvSpPr/>
-          <p:nvPr/>
-        </p:nvSpPr>
-        <p:spPr>
-          <a:xfrm>
-            <a:off x="3265512" y="3023552"/>
-            <a:ext cx="1512168" cy="1080120"/>
-          </a:xfrm>
-          <a:prstGeom prst="roundRect">
-            <a:avLst/>
-          </a:prstGeom>
-        </p:spPr>
-        <p:style>
-          <a:lnRef idx="2">
-            <a:schemeClr val="accent4">
-              <a:shade val="50000"/>
-            </a:schemeClr>
-          </a:lnRef>
-          <a:fillRef idx="1">
-            <a:schemeClr val="accent4"/>
-          </a:fillRef>
-          <a:effectRef idx="0">
-            <a:schemeClr val="accent4"/>
-          </a:effectRef>
-          <a:fontRef idx="minor">
-            <a:schemeClr val="lt1"/>
-          </a:fontRef>
-        </p:style>
-        <p:txBody>
-          <a:bodyPr rtlCol="0" anchor="ctr"/>
-          <a:lstStyle/>
-          <a:p>
-            <a:pPr algn="ctr"/>
-            <a:r>
-              <a:rPr lang="en-US" dirty="0" err="1" smtClean="0"/>
-              <a:t>LogServer</a:t>
-            </a:r>
-            <a:endParaRPr lang="en-US" dirty="0"/>
-          </a:p>
-        </p:txBody>
-      </p:sp>
-      <p:sp>
-        <p:nvSpPr>
-          <p:cNvPr id="13" name="Rounded Rectangle 12"/>
-          <p:cNvSpPr/>
-          <p:nvPr/>
-        </p:nvSpPr>
-        <p:spPr>
-          <a:xfrm>
-            <a:off x="5569768" y="2242264"/>
-            <a:ext cx="1512168" cy="1080120"/>
-          </a:xfrm>
-          <a:prstGeom prst="roundRect">
-            <a:avLst/>
-          </a:prstGeom>
-        </p:spPr>
-        <p:style>
-          <a:lnRef idx="2">
-            <a:schemeClr val="accent4">
-              <a:shade val="50000"/>
-            </a:schemeClr>
-          </a:lnRef>
-          <a:fillRef idx="1">
-            <a:schemeClr val="accent4"/>
-          </a:fillRef>
-          <a:effectRef idx="0">
-            <a:schemeClr val="accent4"/>
-          </a:effectRef>
-          <a:fontRef idx="minor">
-            <a:schemeClr val="lt1"/>
-          </a:fontRef>
-        </p:style>
-        <p:txBody>
-          <a:bodyPr rtlCol="0" anchor="ctr"/>
-          <a:lstStyle/>
-          <a:p>
-            <a:pPr algn="ctr"/>
-            <a:r>
-              <a:rPr lang="en-US" dirty="0" err="1" smtClean="0"/>
-              <a:t>LogViewer</a:t>
-            </a:r>
-            <a:endParaRPr lang="en-US" dirty="0"/>
-          </a:p>
-        </p:txBody>
-      </p:sp>
-      <p:sp>
-        <p:nvSpPr>
-          <p:cNvPr id="14" name="Rounded Rectangle 13"/>
-          <p:cNvSpPr/>
-          <p:nvPr/>
-        </p:nvSpPr>
-        <p:spPr>
-          <a:xfrm>
-            <a:off x="5569768" y="3784394"/>
-            <a:ext cx="1512168" cy="1080120"/>
-          </a:xfrm>
-          <a:prstGeom prst="roundRect">
-            <a:avLst/>
-          </a:prstGeom>
-        </p:spPr>
-        <p:style>
-          <a:lnRef idx="2">
-            <a:schemeClr val="accent4">
-              <a:shade val="50000"/>
-            </a:schemeClr>
-          </a:lnRef>
-          <a:fillRef idx="1">
-            <a:schemeClr val="accent4"/>
-          </a:fillRef>
-          <a:effectRef idx="0">
-            <a:schemeClr val="accent4"/>
-          </a:effectRef>
-          <a:fontRef idx="minor">
-            <a:schemeClr val="lt1"/>
-          </a:fontRef>
-        </p:style>
-        <p:txBody>
-          <a:bodyPr rtlCol="0" anchor="ctr"/>
-          <a:lstStyle/>
-          <a:p>
-            <a:pPr algn="ctr"/>
-            <a:r>
-              <a:rPr lang="en-US" dirty="0" err="1" smtClean="0"/>
-              <a:t>LogViewer</a:t>
-            </a:r>
-            <a:endParaRPr lang="en-US" dirty="0"/>
-          </a:p>
-        </p:txBody>
-      </p:sp>
-      <p:cxnSp>
-        <p:nvCxnSpPr>
-          <p:cNvPr id="16" name="Straight Arrow Connector 15"/>
-          <p:cNvCxnSpPr>
-            <a:stCxn id="6" idx="3"/>
-            <a:endCxn id="11" idx="1"/>
-          </p:cNvCxnSpPr>
-          <p:nvPr/>
-        </p:nvCxnSpPr>
-        <p:spPr>
-          <a:xfrm>
-            <a:off x="2077380" y="2339476"/>
-            <a:ext cx="1188132" cy="1224136"/>
-          </a:xfrm>
-          <a:prstGeom prst="straightConnector1">
-            <a:avLst/>
-          </a:prstGeom>
-          <a:ln w="12700">
-            <a:tailEnd type="triangle"/>
-          </a:ln>
-        </p:spPr>
-        <p:style>
-          <a:lnRef idx="1">
-            <a:schemeClr val="accent1"/>
-          </a:lnRef>
-          <a:fillRef idx="0">
-            <a:schemeClr val="accent1"/>
-          </a:fillRef>
-          <a:effectRef idx="0">
-            <a:schemeClr val="accent1"/>
-          </a:effectRef>
-          <a:fontRef idx="minor">
-            <a:schemeClr val="tx1"/>
-          </a:fontRef>
-        </p:style>
-      </p:cxnSp>
-      <p:cxnSp>
-        <p:nvCxnSpPr>
-          <p:cNvPr id="17" name="Straight Arrow Connector 16"/>
-          <p:cNvCxnSpPr>
-            <a:stCxn id="8" idx="3"/>
-            <a:endCxn id="11" idx="1"/>
-          </p:cNvCxnSpPr>
-          <p:nvPr/>
-        </p:nvCxnSpPr>
-        <p:spPr>
-          <a:xfrm>
-            <a:off x="2077380" y="3563612"/>
-            <a:ext cx="1188132" cy="0"/>
-          </a:xfrm>
-          <a:prstGeom prst="straightConnector1">
-            <a:avLst/>
-          </a:prstGeom>
-          <a:ln w="12700">
-            <a:tailEnd type="triangle"/>
-          </a:ln>
-        </p:spPr>
-        <p:style>
-          <a:lnRef idx="1">
-            <a:schemeClr val="accent1"/>
-          </a:lnRef>
-          <a:fillRef idx="0">
-            <a:schemeClr val="accent1"/>
-          </a:fillRef>
-          <a:effectRef idx="0">
-            <a:schemeClr val="accent1"/>
-          </a:effectRef>
-          <a:fontRef idx="minor">
-            <a:schemeClr val="tx1"/>
-          </a:fontRef>
-        </p:style>
-      </p:cxnSp>
-      <p:cxnSp>
-        <p:nvCxnSpPr>
-          <p:cNvPr id="20" name="Straight Arrow Connector 19"/>
-          <p:cNvCxnSpPr>
-            <a:stCxn id="10" idx="3"/>
-            <a:endCxn id="11" idx="1"/>
-          </p:cNvCxnSpPr>
-          <p:nvPr/>
-        </p:nvCxnSpPr>
-        <p:spPr>
-          <a:xfrm flipV="1">
-            <a:off x="2077380" y="3563612"/>
-            <a:ext cx="1188132" cy="1224136"/>
-          </a:xfrm>
-          <a:prstGeom prst="straightConnector1">
-            <a:avLst/>
-          </a:prstGeom>
-          <a:ln w="12700">
-            <a:tailEnd type="triangle"/>
-          </a:ln>
-        </p:spPr>
-        <p:style>
-          <a:lnRef idx="1">
-            <a:schemeClr val="accent1"/>
-          </a:lnRef>
-          <a:fillRef idx="0">
-            <a:schemeClr val="accent1"/>
-          </a:fillRef>
-          <a:effectRef idx="0">
-            <a:schemeClr val="accent1"/>
-          </a:effectRef>
-          <a:fontRef idx="minor">
-            <a:schemeClr val="tx1"/>
-          </a:fontRef>
-        </p:style>
-      </p:cxnSp>
-      <p:cxnSp>
-        <p:nvCxnSpPr>
-          <p:cNvPr id="23" name="Straight Arrow Connector 22"/>
-          <p:cNvCxnSpPr>
-            <a:stCxn id="11" idx="3"/>
-            <a:endCxn id="13" idx="1"/>
-          </p:cNvCxnSpPr>
-          <p:nvPr/>
-        </p:nvCxnSpPr>
-        <p:spPr>
-          <a:xfrm flipV="1">
-            <a:off x="4777680" y="2782324"/>
-            <a:ext cx="792088" cy="781288"/>
-          </a:xfrm>
-          <a:prstGeom prst="straightConnector1">
-            <a:avLst/>
-          </a:prstGeom>
-          <a:ln w="12700">
-            <a:tailEnd type="triangle"/>
-          </a:ln>
-        </p:spPr>
-        <p:style>
-          <a:lnRef idx="1">
-            <a:schemeClr val="accent1"/>
-          </a:lnRef>
-          <a:fillRef idx="0">
-            <a:schemeClr val="accent1"/>
-          </a:fillRef>
-          <a:effectRef idx="0">
-            <a:schemeClr val="accent1"/>
-          </a:effectRef>
-          <a:fontRef idx="minor">
-            <a:schemeClr val="tx1"/>
-          </a:fontRef>
-        </p:style>
-      </p:cxnSp>
-      <p:cxnSp>
-        <p:nvCxnSpPr>
-          <p:cNvPr id="26" name="Straight Arrow Connector 25"/>
-          <p:cNvCxnSpPr>
-            <a:stCxn id="11" idx="3"/>
-            <a:endCxn id="14" idx="1"/>
-          </p:cNvCxnSpPr>
-          <p:nvPr/>
-        </p:nvCxnSpPr>
-        <p:spPr>
-          <a:xfrm>
-            <a:off x="4777680" y="3563612"/>
-            <a:ext cx="792088" cy="760842"/>
-          </a:xfrm>
-          <a:prstGeom prst="straightConnector1">
-            <a:avLst/>
-          </a:prstGeom>
-          <a:ln w="12700">
-            <a:tailEnd type="triangle"/>
-          </a:ln>
-        </p:spPr>
-        <p:style>
-          <a:lnRef idx="1">
-            <a:schemeClr val="accent1"/>
-          </a:lnRef>
-          <a:fillRef idx="0">
-            <a:schemeClr val="accent1"/>
-          </a:fillRef>
-          <a:effectRef idx="0">
-            <a:schemeClr val="accent1"/>
-          </a:effectRef>
-          <a:fontRef idx="minor">
-            <a:schemeClr val="tx1"/>
-          </a:fontRef>
-        </p:style>
-      </p:cxnSp>
-      <p:cxnSp>
-        <p:nvCxnSpPr>
-          <p:cNvPr id="29" name="Straight Arrow Connector 28"/>
-          <p:cNvCxnSpPr>
-            <a:stCxn id="11" idx="2"/>
-          </p:cNvCxnSpPr>
-          <p:nvPr/>
-        </p:nvCxnSpPr>
-        <p:spPr>
-          <a:xfrm>
-            <a:off x="4021596" y="4103672"/>
-            <a:ext cx="0" cy="1080120"/>
-          </a:xfrm>
-          <a:prstGeom prst="straightConnector1">
-            <a:avLst/>
-          </a:prstGeom>
-          <a:ln w="12700">
-            <a:tailEnd type="triangle"/>
-          </a:ln>
-        </p:spPr>
-        <p:style>
-          <a:lnRef idx="1">
-            <a:schemeClr val="accent1"/>
-          </a:lnRef>
-          <a:fillRef idx="0">
-            <a:schemeClr val="accent1"/>
-          </a:fillRef>
-          <a:effectRef idx="0">
-            <a:schemeClr val="accent1"/>
-          </a:effectRef>
-          <a:fontRef idx="minor">
-            <a:schemeClr val="tx1"/>
-          </a:fontRef>
-        </p:style>
-      </p:cxnSp>
-      <p:sp>
-        <p:nvSpPr>
-          <p:cNvPr id="32" name="TextBox 31"/>
-          <p:cNvSpPr txBox="1"/>
-          <p:nvPr/>
-        </p:nvSpPr>
-        <p:spPr>
-          <a:xfrm>
-            <a:off x="3265512" y="5219908"/>
-            <a:ext cx="1800200" cy="369332"/>
-          </a:xfrm>
-          <a:prstGeom prst="rect">
-            <a:avLst/>
-          </a:prstGeom>
-          <a:noFill/>
-        </p:spPr>
-        <p:txBody>
-          <a:bodyPr wrap="square" rtlCol="0">
-            <a:spAutoFit/>
-          </a:bodyPr>
-          <a:lstStyle/>
-          <a:p>
-            <a:r>
-              <a:rPr lang="en-US" altLang="zh-CN" dirty="0" smtClean="0"/>
-              <a:t>Print to screen</a:t>
-            </a:r>
-            <a:endParaRPr lang="zh-CN" altLang="en-US" dirty="0"/>
-          </a:p>
-        </p:txBody>
-      </p:sp>
-      <p:sp>
-        <p:nvSpPr>
-          <p:cNvPr id="33" name="TextBox 32"/>
-          <p:cNvSpPr txBox="1"/>
-          <p:nvPr/>
-        </p:nvSpPr>
-        <p:spPr>
-          <a:xfrm>
-            <a:off x="7874024" y="2459158"/>
-            <a:ext cx="946448" cy="646331"/>
-          </a:xfrm>
-          <a:prstGeom prst="rect">
-            <a:avLst/>
-          </a:prstGeom>
-          <a:noFill/>
-        </p:spPr>
-        <p:txBody>
-          <a:bodyPr wrap="square" rtlCol="0">
-            <a:spAutoFit/>
-          </a:bodyPr>
-          <a:lstStyle/>
-          <a:p>
-            <a:r>
-              <a:rPr lang="en-US" altLang="zh-CN" dirty="0" smtClean="0"/>
-              <a:t>Print to screen</a:t>
-            </a:r>
-            <a:endParaRPr lang="zh-CN" altLang="en-US" dirty="0"/>
-          </a:p>
-        </p:txBody>
-      </p:sp>
-      <p:cxnSp>
-        <p:nvCxnSpPr>
-          <p:cNvPr id="34" name="Straight Arrow Connector 33"/>
-          <p:cNvCxnSpPr>
-            <a:stCxn id="13" idx="3"/>
-          </p:cNvCxnSpPr>
-          <p:nvPr/>
-        </p:nvCxnSpPr>
-        <p:spPr>
-          <a:xfrm>
-            <a:off x="7081936" y="2782324"/>
-            <a:ext cx="792088" cy="0"/>
-          </a:xfrm>
-          <a:prstGeom prst="straightConnector1">
-            <a:avLst/>
-          </a:prstGeom>
-          <a:ln w="12700">
-            <a:tailEnd type="triangle"/>
-          </a:ln>
-        </p:spPr>
-        <p:style>
-          <a:lnRef idx="1">
-            <a:schemeClr val="accent1"/>
-          </a:lnRef>
-          <a:fillRef idx="0">
-            <a:schemeClr val="accent1"/>
-          </a:fillRef>
-          <a:effectRef idx="0">
-            <a:schemeClr val="accent1"/>
-          </a:effectRef>
-          <a:fontRef idx="minor">
-            <a:schemeClr val="tx1"/>
-          </a:fontRef>
-        </p:style>
-      </p:cxnSp>
-      <p:cxnSp>
-        <p:nvCxnSpPr>
-          <p:cNvPr id="37" name="Straight Arrow Connector 36"/>
-          <p:cNvCxnSpPr/>
-          <p:nvPr/>
-        </p:nvCxnSpPr>
-        <p:spPr>
-          <a:xfrm>
-            <a:off x="7081936" y="4324454"/>
-            <a:ext cx="792088" cy="0"/>
-          </a:xfrm>
-          <a:prstGeom prst="straightConnector1">
-            <a:avLst/>
-          </a:prstGeom>
-          <a:ln w="12700">
-            <a:tailEnd type="triangle"/>
-          </a:ln>
-        </p:spPr>
-        <p:style>
-          <a:lnRef idx="1">
-            <a:schemeClr val="accent1"/>
-          </a:lnRef>
-          <a:fillRef idx="0">
-            <a:schemeClr val="accent1"/>
-          </a:fillRef>
-          <a:effectRef idx="0">
-            <a:schemeClr val="accent1"/>
-          </a:effectRef>
-          <a:fontRef idx="minor">
-            <a:schemeClr val="tx1"/>
-          </a:fontRef>
-        </p:style>
-      </p:cxnSp>
-      <p:sp>
-        <p:nvSpPr>
-          <p:cNvPr id="38" name="TextBox 37"/>
-          <p:cNvSpPr txBox="1"/>
-          <p:nvPr/>
-        </p:nvSpPr>
-        <p:spPr>
-          <a:xfrm>
-            <a:off x="7874024" y="3959656"/>
-            <a:ext cx="946448" cy="646331"/>
-          </a:xfrm>
-          <a:prstGeom prst="rect">
-            <a:avLst/>
-          </a:prstGeom>
-          <a:noFill/>
-        </p:spPr>
-        <p:txBody>
-          <a:bodyPr wrap="square" rtlCol="0">
-            <a:spAutoFit/>
-          </a:bodyPr>
-          <a:lstStyle/>
-          <a:p>
-            <a:r>
-              <a:rPr lang="en-US" altLang="zh-CN" dirty="0" smtClean="0"/>
-              <a:t>Print to screen</a:t>
+              <a:rPr lang="en-US" altLang="zh-CN" dirty="0" smtClean="0"/>
+              <a:t>Logging</a:t>
             </a:r>
             <a:endParaRPr lang="zh-CN" altLang="en-US" dirty="0"/>
           </a:p>
@@ -32667,7 +33171,7 @@
     </p:spTree>
     <p:extLst>
       <p:ext uri="{BB962C8B-B14F-4D97-AF65-F5344CB8AC3E}">
-        <p14:creationId xmlns:p14="http://schemas.microsoft.com/office/powerpoint/2010/main" val="705357702"/>
+        <p14:creationId xmlns="" xmlns:p14="http://schemas.microsoft.com/office/powerpoint/2010/main" val="2538624760"/>
       </p:ext>
     </p:extLst>
   </p:cSld>
@@ -32710,16 +33214,12 @@
           <a:lstStyle/>
           <a:p>
             <a:r>
-              <a:rPr lang="zh-CN" altLang="en-US" dirty="0" smtClean="0"/>
-              <a:t>调试</a:t>
-            </a:r>
-            <a:r>
               <a:rPr lang="en-US" altLang="zh-CN" dirty="0" smtClean="0"/>
               <a:t>Log</a:t>
             </a:r>
             <a:r>
               <a:rPr lang="zh-CN" altLang="en-US" dirty="0" smtClean="0"/>
-              <a:t>输出</a:t>
+              <a:t>系统</a:t>
             </a:r>
             <a:endParaRPr lang="en-US" dirty="0"/>
           </a:p>
@@ -32738,55 +33238,83 @@
         <p:spPr/>
         <p:txBody>
           <a:bodyPr>
-            <a:normAutofit/>
+            <a:normAutofit fontScale="92500" lnSpcReduction="10000"/>
           </a:bodyPr>
           <a:lstStyle/>
           <a:p>
             <a:r>
-              <a:rPr lang="zh-CN" altLang="en-US" dirty="0" smtClean="0"/>
-              <a:t>优先级（从低到高）：</a:t>
+              <a:rPr lang="en-US" altLang="zh-CN" dirty="0" smtClean="0"/>
+              <a:t>Log</a:t>
+            </a:r>
+            <a:r>
+              <a:rPr lang="zh-CN" altLang="en-US" dirty="0" smtClean="0"/>
+              <a:t>系统可以抓取</a:t>
+            </a:r>
+            <a:r>
+              <a:rPr lang="en-US" altLang="zh-CN" dirty="0" err="1" smtClean="0"/>
+              <a:t>FDBus</a:t>
+            </a:r>
+            <a:r>
+              <a:rPr lang="zh-CN" altLang="en-US" dirty="0" smtClean="0"/>
+              <a:t>上所有消息，包括本主机和所有联网的主机</a:t>
             </a:r>
             <a:endParaRPr lang="en-US" altLang="zh-CN" dirty="0" smtClean="0"/>
           </a:p>
           <a:p>
-            <a:pPr lvl="1"/>
-            <a:r>
-              <a:rPr lang="en-US" altLang="zh-CN" dirty="0" smtClean="0"/>
-              <a:t>Debug</a:t>
-            </a:r>
-          </a:p>
-          <a:p>
-            <a:pPr lvl="1"/>
-            <a:r>
-              <a:rPr lang="en-US" altLang="zh-CN" dirty="0" smtClean="0"/>
-              <a:t>Info</a:t>
-            </a:r>
-          </a:p>
-          <a:p>
-            <a:pPr lvl="1"/>
-            <a:r>
-              <a:rPr lang="en-US" altLang="zh-CN" dirty="0" smtClean="0"/>
-              <a:t>Warning</a:t>
-            </a:r>
-          </a:p>
-          <a:p>
-            <a:pPr lvl="1"/>
-            <a:r>
-              <a:rPr lang="en-US" altLang="zh-CN" dirty="0" smtClean="0"/>
-              <a:t>Error</a:t>
-            </a:r>
-          </a:p>
-          <a:p>
-            <a:pPr lvl="1"/>
-            <a:r>
-              <a:rPr lang="en-US" altLang="zh-CN" dirty="0" smtClean="0"/>
-              <a:t>Fatal</a:t>
-            </a:r>
-          </a:p>
-          <a:p>
-            <a:r>
-              <a:rPr lang="zh-CN" altLang="en-US" dirty="0" smtClean="0"/>
-              <a:t>输出时</a:t>
+            <a:r>
+              <a:rPr lang="en-US" altLang="zh-CN" dirty="0" smtClean="0"/>
+              <a:t>Log</a:t>
+            </a:r>
+            <a:r>
+              <a:rPr lang="zh-CN" altLang="en-US" dirty="0" smtClean="0"/>
+              <a:t>系统同时还支持调试</a:t>
+            </a:r>
+            <a:r>
+              <a:rPr lang="en-US" altLang="zh-CN" dirty="0" smtClean="0"/>
+              <a:t>Log</a:t>
+            </a:r>
+            <a:r>
+              <a:rPr lang="zh-CN" altLang="en-US" dirty="0" smtClean="0"/>
+              <a:t>输出</a:t>
+            </a:r>
+            <a:endParaRPr lang="en-US" altLang="zh-CN" dirty="0" smtClean="0"/>
+          </a:p>
+          <a:p>
+            <a:r>
+              <a:rPr lang="en-US" altLang="zh-CN" dirty="0" smtClean="0"/>
+              <a:t>Log</a:t>
+            </a:r>
+            <a:r>
+              <a:rPr lang="zh-CN" altLang="en-US" dirty="0" smtClean="0"/>
+              <a:t>系统也基于</a:t>
+            </a:r>
+            <a:r>
+              <a:rPr lang="en-US" altLang="zh-CN" dirty="0" err="1" smtClean="0"/>
+              <a:t>FDBus</a:t>
+            </a:r>
+            <a:r>
+              <a:rPr lang="zh-CN" altLang="en-US" dirty="0" smtClean="0"/>
+              <a:t>实现：所有</a:t>
+            </a:r>
+            <a:r>
+              <a:rPr lang="en-US" altLang="zh-CN" dirty="0" smtClean="0"/>
+              <a:t>Client/Server</a:t>
+            </a:r>
+            <a:r>
+              <a:rPr lang="zh-CN" altLang="en-US" dirty="0" smtClean="0"/>
+              <a:t>都内置</a:t>
+            </a:r>
+            <a:r>
+              <a:rPr lang="en-US" altLang="zh-CN" dirty="0" err="1" smtClean="0"/>
+              <a:t>LogClient</a:t>
+            </a:r>
+            <a:r>
+              <a:rPr lang="zh-CN" altLang="en-US" dirty="0" smtClean="0"/>
+              <a:t>，同时</a:t>
+            </a:r>
+            <a:r>
+              <a:rPr lang="zh-CN" altLang="en-US" dirty="0"/>
+              <a:t>启动</a:t>
             </a:r>
             <a:r>
               <a:rPr lang="en-US" altLang="zh-CN" dirty="0" err="1" smtClean="0"/>
@@ -32794,16 +33322,78 @@
             </a:r>
             <a:r>
               <a:rPr lang="zh-CN" altLang="en-US" dirty="0" smtClean="0"/>
-              <a:t>可以设置不同的优先级等级；级别低的不输出</a:t>
+              <a:t>。</a:t>
+            </a:r>
+            <a:r>
+              <a:rPr lang="en-US" altLang="zh-CN" dirty="0" err="1" smtClean="0"/>
+              <a:t>LogClient</a:t>
+            </a:r>
+            <a:r>
+              <a:rPr lang="zh-CN" altLang="en-US" dirty="0" smtClean="0"/>
+              <a:t>把</a:t>
+            </a:r>
+            <a:r>
+              <a:rPr lang="en-US" altLang="zh-CN" dirty="0" err="1" smtClean="0"/>
+              <a:t>FDBus</a:t>
+            </a:r>
+            <a:r>
+              <a:rPr lang="zh-CN" altLang="en-US" dirty="0" smtClean="0"/>
+              <a:t>消息和调试消息发给</a:t>
+            </a:r>
+            <a:r>
+              <a:rPr lang="en-US" altLang="zh-CN" dirty="0" err="1" smtClean="0"/>
+              <a:t>LogServer</a:t>
+            </a:r>
+            <a:r>
+              <a:rPr lang="zh-CN" altLang="en-US" dirty="0" smtClean="0"/>
+              <a:t>。</a:t>
             </a:r>
             <a:endParaRPr lang="en-US" altLang="zh-CN" dirty="0" smtClean="0"/>
+          </a:p>
+          <a:p>
+            <a:r>
+              <a:rPr lang="en-US" altLang="zh-CN" dirty="0" err="1" smtClean="0"/>
+              <a:t>LogServer</a:t>
+            </a:r>
+            <a:r>
+              <a:rPr lang="zh-CN" altLang="en-US" dirty="0" smtClean="0"/>
+              <a:t>可以把收集到的</a:t>
+            </a:r>
+            <a:r>
+              <a:rPr lang="en-US" altLang="zh-CN" dirty="0" smtClean="0"/>
+              <a:t>Log</a:t>
+            </a:r>
+            <a:r>
+              <a:rPr lang="zh-CN" altLang="en-US" dirty="0" smtClean="0"/>
+              <a:t>打印在终端上。也可以启动</a:t>
+            </a:r>
+            <a:r>
+              <a:rPr lang="en-US" altLang="zh-CN" dirty="0" err="1" smtClean="0"/>
+              <a:t>LogViewer</a:t>
+            </a:r>
+            <a:r>
+              <a:rPr lang="zh-CN" altLang="en-US" dirty="0" smtClean="0"/>
+              <a:t>连接到</a:t>
+            </a:r>
+            <a:r>
+              <a:rPr lang="en-US" altLang="zh-CN" dirty="0" err="1" smtClean="0"/>
+              <a:t>LogServer</a:t>
+            </a:r>
+            <a:r>
+              <a:rPr lang="zh-CN" altLang="en-US" dirty="0" smtClean="0"/>
+              <a:t>上来查看</a:t>
+            </a:r>
+            <a:r>
+              <a:rPr lang="en-US" altLang="zh-CN" dirty="0" smtClean="0"/>
+              <a:t>Log</a:t>
+            </a:r>
           </a:p>
         </p:txBody>
       </p:sp>
     </p:spTree>
     <p:extLst>
       <p:ext uri="{BB962C8B-B14F-4D97-AF65-F5344CB8AC3E}">
-        <p14:creationId xmlns:p14="http://schemas.microsoft.com/office/powerpoint/2010/main" val="3595144745"/>
+        <p14:creationId xmlns="" xmlns:p14="http://schemas.microsoft.com/office/powerpoint/2010/main" val="4237641767"/>
       </p:ext>
     </p:extLst>
   </p:cSld>
@@ -32846,32 +33436,12 @@
           <a:lstStyle/>
           <a:p>
             <a:r>
-              <a:rPr lang="zh-CN" altLang="en-US" dirty="0" smtClean="0"/>
-              <a:t>调试</a:t>
-            </a:r>
-            <a:r>
-              <a:rPr lang="en-US" altLang="zh-CN" dirty="0" smtClean="0"/>
+              <a:rPr lang="en-US" dirty="0" smtClean="0"/>
               <a:t>Log</a:t>
             </a:r>
             <a:r>
               <a:rPr lang="zh-CN" altLang="en-US" dirty="0" smtClean="0"/>
-              <a:t>输出</a:t>
-            </a:r>
-            <a:r>
-              <a:rPr lang="en-US" altLang="zh-CN" dirty="0" smtClean="0"/>
-              <a:t>API – </a:t>
-            </a:r>
-            <a:r>
-              <a:rPr lang="zh-CN" altLang="en-US" dirty="0"/>
-              <a:t>带</a:t>
-            </a:r>
-            <a:r>
-              <a:rPr lang="en-US" altLang="zh-CN" dirty="0" smtClean="0"/>
-              <a:t>tag</a:t>
-            </a:r>
-            <a:r>
-              <a:rPr lang="zh-CN" altLang="en-US" dirty="0" smtClean="0"/>
-              <a:t>版本</a:t>
+              <a:t>系统</a:t>
             </a:r>
             <a:endParaRPr lang="en-US" dirty="0"/>
           </a:p>
@@ -32879,197 +33449,777 @@
       </p:sp>
       <p:sp>
         <p:nvSpPr>
-          <p:cNvPr id="3" name="Content Placeholder 2"/>
-          <p:cNvSpPr>
-            <a:spLocks noGrp="1"/>
-          </p:cNvSpPr>
-          <p:nvPr>
-            <p:ph idx="1"/>
-          </p:nvPr>
-        </p:nvSpPr>
-        <p:spPr/>
-        <p:txBody>
-          <a:bodyPr>
-            <a:normAutofit/>
+          <p:cNvPr id="4" name="Rounded Rectangle 3"/>
+          <p:cNvSpPr/>
+          <p:nvPr/>
+        </p:nvSpPr>
+        <p:spPr>
+          <a:xfrm>
+            <a:off x="745232" y="1655400"/>
+            <a:ext cx="1512168" cy="1080120"/>
+          </a:xfrm>
+          <a:prstGeom prst="roundRect">
+            <a:avLst/>
+          </a:prstGeom>
+        </p:spPr>
+        <p:style>
+          <a:lnRef idx="2">
+            <a:schemeClr val="accent3">
+              <a:shade val="50000"/>
+            </a:schemeClr>
+          </a:lnRef>
+          <a:fillRef idx="1">
+            <a:schemeClr val="accent3"/>
+          </a:fillRef>
+          <a:effectRef idx="0">
+            <a:schemeClr val="accent3"/>
+          </a:effectRef>
+          <a:fontRef idx="minor">
+            <a:schemeClr val="lt1"/>
+          </a:fontRef>
+        </p:style>
+        <p:txBody>
+          <a:bodyPr rtlCol="0" anchor="t"/>
+          <a:lstStyle/>
+          <a:p>
+            <a:pPr algn="ctr"/>
+            <a:r>
+              <a:rPr lang="en-US" dirty="0" smtClean="0"/>
+              <a:t>Client</a:t>
+            </a:r>
+            <a:endParaRPr lang="en-US" dirty="0"/>
+          </a:p>
+        </p:txBody>
+      </p:sp>
+      <p:sp>
+        <p:nvSpPr>
+          <p:cNvPr id="6" name="Rounded Rectangle 5"/>
+          <p:cNvSpPr/>
+          <p:nvPr/>
+        </p:nvSpPr>
+        <p:spPr>
+          <a:xfrm>
+            <a:off x="925252" y="2087448"/>
+            <a:ext cx="1152128" cy="504056"/>
+          </a:xfrm>
+          <a:prstGeom prst="roundRect">
+            <a:avLst/>
+          </a:prstGeom>
+        </p:spPr>
+        <p:style>
+          <a:lnRef idx="2">
+            <a:schemeClr val="accent4">
+              <a:shade val="50000"/>
+            </a:schemeClr>
+          </a:lnRef>
+          <a:fillRef idx="1">
+            <a:schemeClr val="accent4"/>
+          </a:fillRef>
+          <a:effectRef idx="0">
+            <a:schemeClr val="accent4"/>
+          </a:effectRef>
+          <a:fontRef idx="minor">
+            <a:schemeClr val="lt1"/>
+          </a:fontRef>
+        </p:style>
+        <p:txBody>
+          <a:bodyPr rtlCol="0" anchor="t"/>
+          <a:lstStyle/>
+          <a:p>
+            <a:pPr algn="ctr"/>
+            <a:r>
+              <a:rPr lang="en-US" dirty="0" err="1" smtClean="0"/>
+              <a:t>LogClient</a:t>
+            </a:r>
+            <a:endParaRPr lang="en-US" dirty="0"/>
+          </a:p>
+        </p:txBody>
+      </p:sp>
+      <p:sp>
+        <p:nvSpPr>
+          <p:cNvPr id="7" name="Rounded Rectangle 6"/>
+          <p:cNvSpPr/>
+          <p:nvPr/>
+        </p:nvSpPr>
+        <p:spPr>
+          <a:xfrm>
+            <a:off x="745232" y="2879536"/>
+            <a:ext cx="1512168" cy="1080120"/>
+          </a:xfrm>
+          <a:prstGeom prst="roundRect">
+            <a:avLst/>
+          </a:prstGeom>
+        </p:spPr>
+        <p:style>
+          <a:lnRef idx="2">
+            <a:schemeClr val="accent3">
+              <a:shade val="50000"/>
+            </a:schemeClr>
+          </a:lnRef>
+          <a:fillRef idx="1">
+            <a:schemeClr val="accent3"/>
+          </a:fillRef>
+          <a:effectRef idx="0">
+            <a:schemeClr val="accent3"/>
+          </a:effectRef>
+          <a:fontRef idx="minor">
+            <a:schemeClr val="lt1"/>
+          </a:fontRef>
+        </p:style>
+        <p:txBody>
+          <a:bodyPr rtlCol="0" anchor="t"/>
+          <a:lstStyle/>
+          <a:p>
+            <a:pPr algn="ctr"/>
+            <a:r>
+              <a:rPr lang="en-US" dirty="0" smtClean="0"/>
+              <a:t>Server</a:t>
+            </a:r>
+            <a:endParaRPr lang="en-US" dirty="0"/>
+          </a:p>
+        </p:txBody>
+      </p:sp>
+      <p:sp>
+        <p:nvSpPr>
+          <p:cNvPr id="8" name="Rounded Rectangle 7"/>
+          <p:cNvSpPr/>
+          <p:nvPr/>
+        </p:nvSpPr>
+        <p:spPr>
+          <a:xfrm>
+            <a:off x="925252" y="3311584"/>
+            <a:ext cx="1152128" cy="504056"/>
+          </a:xfrm>
+          <a:prstGeom prst="roundRect">
+            <a:avLst/>
+          </a:prstGeom>
+        </p:spPr>
+        <p:style>
+          <a:lnRef idx="2">
+            <a:schemeClr val="accent4">
+              <a:shade val="50000"/>
+            </a:schemeClr>
+          </a:lnRef>
+          <a:fillRef idx="1">
+            <a:schemeClr val="accent4"/>
+          </a:fillRef>
+          <a:effectRef idx="0">
+            <a:schemeClr val="accent4"/>
+          </a:effectRef>
+          <a:fontRef idx="minor">
+            <a:schemeClr val="lt1"/>
+          </a:fontRef>
+        </p:style>
+        <p:txBody>
+          <a:bodyPr rtlCol="0" anchor="t"/>
+          <a:lstStyle/>
+          <a:p>
+            <a:pPr algn="ctr"/>
+            <a:r>
+              <a:rPr lang="en-US" dirty="0" err="1" smtClean="0"/>
+              <a:t>LogClient</a:t>
+            </a:r>
+            <a:endParaRPr lang="en-US" dirty="0"/>
+          </a:p>
+        </p:txBody>
+      </p:sp>
+      <p:sp>
+        <p:nvSpPr>
+          <p:cNvPr id="9" name="Rounded Rectangle 8"/>
+          <p:cNvSpPr/>
+          <p:nvPr/>
+        </p:nvSpPr>
+        <p:spPr>
+          <a:xfrm>
+            <a:off x="745232" y="4103672"/>
+            <a:ext cx="1512168" cy="1080120"/>
+          </a:xfrm>
+          <a:prstGeom prst="roundRect">
+            <a:avLst/>
+          </a:prstGeom>
+        </p:spPr>
+        <p:style>
+          <a:lnRef idx="2">
+            <a:schemeClr val="accent3">
+              <a:shade val="50000"/>
+            </a:schemeClr>
+          </a:lnRef>
+          <a:fillRef idx="1">
+            <a:schemeClr val="accent3"/>
+          </a:fillRef>
+          <a:effectRef idx="0">
+            <a:schemeClr val="accent3"/>
+          </a:effectRef>
+          <a:fontRef idx="minor">
+            <a:schemeClr val="lt1"/>
+          </a:fontRef>
+        </p:style>
+        <p:txBody>
+          <a:bodyPr rtlCol="0" anchor="t"/>
+          <a:lstStyle/>
+          <a:p>
+            <a:pPr algn="ctr"/>
+            <a:r>
+              <a:rPr lang="en-US" dirty="0" smtClean="0"/>
+              <a:t>Server</a:t>
+            </a:r>
+            <a:endParaRPr lang="en-US" dirty="0"/>
+          </a:p>
+        </p:txBody>
+      </p:sp>
+      <p:sp>
+        <p:nvSpPr>
+          <p:cNvPr id="10" name="Rounded Rectangle 9"/>
+          <p:cNvSpPr/>
+          <p:nvPr/>
+        </p:nvSpPr>
+        <p:spPr>
+          <a:xfrm>
+            <a:off x="925252" y="4535720"/>
+            <a:ext cx="1152128" cy="504056"/>
+          </a:xfrm>
+          <a:prstGeom prst="roundRect">
+            <a:avLst/>
+          </a:prstGeom>
+        </p:spPr>
+        <p:style>
+          <a:lnRef idx="2">
+            <a:schemeClr val="accent4">
+              <a:shade val="50000"/>
+            </a:schemeClr>
+          </a:lnRef>
+          <a:fillRef idx="1">
+            <a:schemeClr val="accent4"/>
+          </a:fillRef>
+          <a:effectRef idx="0">
+            <a:schemeClr val="accent4"/>
+          </a:effectRef>
+          <a:fontRef idx="minor">
+            <a:schemeClr val="lt1"/>
+          </a:fontRef>
+        </p:style>
+        <p:txBody>
+          <a:bodyPr rtlCol="0" anchor="t"/>
+          <a:lstStyle/>
+          <a:p>
+            <a:pPr algn="ctr"/>
+            <a:r>
+              <a:rPr lang="en-US" dirty="0" err="1" smtClean="0"/>
+              <a:t>LogClient</a:t>
+            </a:r>
+            <a:endParaRPr lang="en-US" dirty="0"/>
+          </a:p>
+        </p:txBody>
+      </p:sp>
+      <p:sp>
+        <p:nvSpPr>
+          <p:cNvPr id="11" name="Rounded Rectangle 10"/>
+          <p:cNvSpPr/>
+          <p:nvPr/>
+        </p:nvSpPr>
+        <p:spPr>
+          <a:xfrm>
+            <a:off x="3265512" y="3023552"/>
+            <a:ext cx="1512168" cy="1080120"/>
+          </a:xfrm>
+          <a:prstGeom prst="roundRect">
+            <a:avLst/>
+          </a:prstGeom>
+        </p:spPr>
+        <p:style>
+          <a:lnRef idx="2">
+            <a:schemeClr val="accent4">
+              <a:shade val="50000"/>
+            </a:schemeClr>
+          </a:lnRef>
+          <a:fillRef idx="1">
+            <a:schemeClr val="accent4"/>
+          </a:fillRef>
+          <a:effectRef idx="0">
+            <a:schemeClr val="accent4"/>
+          </a:effectRef>
+          <a:fontRef idx="minor">
+            <a:schemeClr val="lt1"/>
+          </a:fontRef>
+        </p:style>
+        <p:txBody>
+          <a:bodyPr rtlCol="0" anchor="ctr"/>
+          <a:lstStyle/>
+          <a:p>
+            <a:pPr algn="ctr"/>
+            <a:r>
+              <a:rPr lang="en-US" dirty="0" err="1" smtClean="0"/>
+              <a:t>LogServer</a:t>
+            </a:r>
+            <a:endParaRPr lang="en-US" dirty="0"/>
+          </a:p>
+        </p:txBody>
+      </p:sp>
+      <p:sp>
+        <p:nvSpPr>
+          <p:cNvPr id="13" name="Rounded Rectangle 12"/>
+          <p:cNvSpPr/>
+          <p:nvPr/>
+        </p:nvSpPr>
+        <p:spPr>
+          <a:xfrm>
+            <a:off x="5569768" y="2242264"/>
+            <a:ext cx="1512168" cy="1080120"/>
+          </a:xfrm>
+          <a:prstGeom prst="roundRect">
+            <a:avLst/>
+          </a:prstGeom>
+        </p:spPr>
+        <p:style>
+          <a:lnRef idx="2">
+            <a:schemeClr val="accent4">
+              <a:shade val="50000"/>
+            </a:schemeClr>
+          </a:lnRef>
+          <a:fillRef idx="1">
+            <a:schemeClr val="accent4"/>
+          </a:fillRef>
+          <a:effectRef idx="0">
+            <a:schemeClr val="accent4"/>
+          </a:effectRef>
+          <a:fontRef idx="minor">
+            <a:schemeClr val="lt1"/>
+          </a:fontRef>
+        </p:style>
+        <p:txBody>
+          <a:bodyPr rtlCol="0" anchor="ctr"/>
+          <a:lstStyle/>
+          <a:p>
+            <a:pPr algn="ctr"/>
+            <a:r>
+              <a:rPr lang="en-US" dirty="0" err="1" smtClean="0"/>
+              <a:t>LogViewer</a:t>
+            </a:r>
+            <a:endParaRPr lang="en-US" dirty="0"/>
+          </a:p>
+        </p:txBody>
+      </p:sp>
+      <p:sp>
+        <p:nvSpPr>
+          <p:cNvPr id="14" name="Rounded Rectangle 13"/>
+          <p:cNvSpPr/>
+          <p:nvPr/>
+        </p:nvSpPr>
+        <p:spPr>
+          <a:xfrm>
+            <a:off x="5569768" y="3784394"/>
+            <a:ext cx="1512168" cy="1080120"/>
+          </a:xfrm>
+          <a:prstGeom prst="roundRect">
+            <a:avLst/>
+          </a:prstGeom>
+        </p:spPr>
+        <p:style>
+          <a:lnRef idx="2">
+            <a:schemeClr val="accent4">
+              <a:shade val="50000"/>
+            </a:schemeClr>
+          </a:lnRef>
+          <a:fillRef idx="1">
+            <a:schemeClr val="accent4"/>
+          </a:fillRef>
+          <a:effectRef idx="0">
+            <a:schemeClr val="accent4"/>
+          </a:effectRef>
+          <a:fontRef idx="minor">
+            <a:schemeClr val="lt1"/>
+          </a:fontRef>
+        </p:style>
+        <p:txBody>
+          <a:bodyPr rtlCol="0" anchor="ctr"/>
+          <a:lstStyle/>
+          <a:p>
+            <a:pPr algn="ctr"/>
+            <a:r>
+              <a:rPr lang="en-US" dirty="0" err="1" smtClean="0"/>
+              <a:t>LogViewer</a:t>
+            </a:r>
+            <a:endParaRPr lang="en-US" dirty="0"/>
+          </a:p>
+        </p:txBody>
+      </p:sp>
+      <p:cxnSp>
+        <p:nvCxnSpPr>
+          <p:cNvPr id="16" name="Straight Arrow Connector 15"/>
+          <p:cNvCxnSpPr>
+            <a:stCxn id="6" idx="3"/>
+            <a:endCxn id="11" idx="1"/>
+          </p:cNvCxnSpPr>
+          <p:nvPr/>
+        </p:nvCxnSpPr>
+        <p:spPr>
+          <a:xfrm>
+            <a:off x="2077380" y="2339476"/>
+            <a:ext cx="1188132" cy="1224136"/>
+          </a:xfrm>
+          <a:prstGeom prst="straightConnector1">
+            <a:avLst/>
+          </a:prstGeom>
+          <a:ln w="12700">
+            <a:tailEnd type="triangle"/>
+          </a:ln>
+        </p:spPr>
+        <p:style>
+          <a:lnRef idx="1">
+            <a:schemeClr val="accent1"/>
+          </a:lnRef>
+          <a:fillRef idx="0">
+            <a:schemeClr val="accent1"/>
+          </a:fillRef>
+          <a:effectRef idx="0">
+            <a:schemeClr val="accent1"/>
+          </a:effectRef>
+          <a:fontRef idx="minor">
+            <a:schemeClr val="tx1"/>
+          </a:fontRef>
+        </p:style>
+      </p:cxnSp>
+      <p:cxnSp>
+        <p:nvCxnSpPr>
+          <p:cNvPr id="17" name="Straight Arrow Connector 16"/>
+          <p:cNvCxnSpPr>
+            <a:stCxn id="8" idx="3"/>
+            <a:endCxn id="11" idx="1"/>
+          </p:cNvCxnSpPr>
+          <p:nvPr/>
+        </p:nvCxnSpPr>
+        <p:spPr>
+          <a:xfrm>
+            <a:off x="2077380" y="3563612"/>
+            <a:ext cx="1188132" cy="0"/>
+          </a:xfrm>
+          <a:prstGeom prst="straightConnector1">
+            <a:avLst/>
+          </a:prstGeom>
+          <a:ln w="12700">
+            <a:tailEnd type="triangle"/>
+          </a:ln>
+        </p:spPr>
+        <p:style>
+          <a:lnRef idx="1">
+            <a:schemeClr val="accent1"/>
+          </a:lnRef>
+          <a:fillRef idx="0">
+            <a:schemeClr val="accent1"/>
+          </a:fillRef>
+          <a:effectRef idx="0">
+            <a:schemeClr val="accent1"/>
+          </a:effectRef>
+          <a:fontRef idx="minor">
+            <a:schemeClr val="tx1"/>
+          </a:fontRef>
+        </p:style>
+      </p:cxnSp>
+      <p:cxnSp>
+        <p:nvCxnSpPr>
+          <p:cNvPr id="20" name="Straight Arrow Connector 19"/>
+          <p:cNvCxnSpPr>
+            <a:stCxn id="10" idx="3"/>
+            <a:endCxn id="11" idx="1"/>
+          </p:cNvCxnSpPr>
+          <p:nvPr/>
+        </p:nvCxnSpPr>
+        <p:spPr>
+          <a:xfrm flipV="1">
+            <a:off x="2077380" y="3563612"/>
+            <a:ext cx="1188132" cy="1224136"/>
+          </a:xfrm>
+          <a:prstGeom prst="straightConnector1">
+            <a:avLst/>
+          </a:prstGeom>
+          <a:ln w="12700">
+            <a:tailEnd type="triangle"/>
+          </a:ln>
+        </p:spPr>
+        <p:style>
+          <a:lnRef idx="1">
+            <a:schemeClr val="accent1"/>
+          </a:lnRef>
+          <a:fillRef idx="0">
+            <a:schemeClr val="accent1"/>
+          </a:fillRef>
+          <a:effectRef idx="0">
+            <a:schemeClr val="accent1"/>
+          </a:effectRef>
+          <a:fontRef idx="minor">
+            <a:schemeClr val="tx1"/>
+          </a:fontRef>
+        </p:style>
+      </p:cxnSp>
+      <p:cxnSp>
+        <p:nvCxnSpPr>
+          <p:cNvPr id="23" name="Straight Arrow Connector 22"/>
+          <p:cNvCxnSpPr>
+            <a:stCxn id="11" idx="3"/>
+            <a:endCxn id="13" idx="1"/>
+          </p:cNvCxnSpPr>
+          <p:nvPr/>
+        </p:nvCxnSpPr>
+        <p:spPr>
+          <a:xfrm flipV="1">
+            <a:off x="4777680" y="2782324"/>
+            <a:ext cx="792088" cy="781288"/>
+          </a:xfrm>
+          <a:prstGeom prst="straightConnector1">
+            <a:avLst/>
+          </a:prstGeom>
+          <a:ln w="12700">
+            <a:tailEnd type="triangle"/>
+          </a:ln>
+        </p:spPr>
+        <p:style>
+          <a:lnRef idx="1">
+            <a:schemeClr val="accent1"/>
+          </a:lnRef>
+          <a:fillRef idx="0">
+            <a:schemeClr val="accent1"/>
+          </a:fillRef>
+          <a:effectRef idx="0">
+            <a:schemeClr val="accent1"/>
+          </a:effectRef>
+          <a:fontRef idx="minor">
+            <a:schemeClr val="tx1"/>
+          </a:fontRef>
+        </p:style>
+      </p:cxnSp>
+      <p:cxnSp>
+        <p:nvCxnSpPr>
+          <p:cNvPr id="26" name="Straight Arrow Connector 25"/>
+          <p:cNvCxnSpPr>
+            <a:stCxn id="11" idx="3"/>
+            <a:endCxn id="14" idx="1"/>
+          </p:cNvCxnSpPr>
+          <p:nvPr/>
+        </p:nvCxnSpPr>
+        <p:spPr>
+          <a:xfrm>
+            <a:off x="4777680" y="3563612"/>
+            <a:ext cx="792088" cy="760842"/>
+          </a:xfrm>
+          <a:prstGeom prst="straightConnector1">
+            <a:avLst/>
+          </a:prstGeom>
+          <a:ln w="12700">
+            <a:tailEnd type="triangle"/>
+          </a:ln>
+        </p:spPr>
+        <p:style>
+          <a:lnRef idx="1">
+            <a:schemeClr val="accent1"/>
+          </a:lnRef>
+          <a:fillRef idx="0">
+            <a:schemeClr val="accent1"/>
+          </a:fillRef>
+          <a:effectRef idx="0">
+            <a:schemeClr val="accent1"/>
+          </a:effectRef>
+          <a:fontRef idx="minor">
+            <a:schemeClr val="tx1"/>
+          </a:fontRef>
+        </p:style>
+      </p:cxnSp>
+      <p:cxnSp>
+        <p:nvCxnSpPr>
+          <p:cNvPr id="29" name="Straight Arrow Connector 28"/>
+          <p:cNvCxnSpPr>
+            <a:stCxn id="11" idx="2"/>
+          </p:cNvCxnSpPr>
+          <p:nvPr/>
+        </p:nvCxnSpPr>
+        <p:spPr>
+          <a:xfrm>
+            <a:off x="4021596" y="4103672"/>
+            <a:ext cx="0" cy="1080120"/>
+          </a:xfrm>
+          <a:prstGeom prst="straightConnector1">
+            <a:avLst/>
+          </a:prstGeom>
+          <a:ln w="12700">
+            <a:tailEnd type="triangle"/>
+          </a:ln>
+        </p:spPr>
+        <p:style>
+          <a:lnRef idx="1">
+            <a:schemeClr val="accent1"/>
+          </a:lnRef>
+          <a:fillRef idx="0">
+            <a:schemeClr val="accent1"/>
+          </a:fillRef>
+          <a:effectRef idx="0">
+            <a:schemeClr val="accent1"/>
+          </a:effectRef>
+          <a:fontRef idx="minor">
+            <a:schemeClr val="tx1"/>
+          </a:fontRef>
+        </p:style>
+      </p:cxnSp>
+      <p:sp>
+        <p:nvSpPr>
+          <p:cNvPr id="32" name="TextBox 31"/>
+          <p:cNvSpPr txBox="1"/>
+          <p:nvPr/>
+        </p:nvSpPr>
+        <p:spPr>
+          <a:xfrm>
+            <a:off x="3265512" y="5219908"/>
+            <a:ext cx="1800200" cy="369332"/>
+          </a:xfrm>
+          <a:prstGeom prst="rect">
+            <a:avLst/>
+          </a:prstGeom>
+          <a:noFill/>
+        </p:spPr>
+        <p:txBody>
+          <a:bodyPr wrap="square" rtlCol="0">
+            <a:spAutoFit/>
           </a:bodyPr>
           <a:lstStyle/>
           <a:p>
             <a:r>
               <a:rPr lang="en-US" altLang="zh-CN" dirty="0" smtClean="0"/>
-              <a:t>FDB_TLOG_D(tag, format, param1, param2…)</a:t>
-            </a:r>
-            <a:r>
-              <a:rPr lang="zh-CN" altLang="en-US" dirty="0" smtClean="0"/>
-              <a:t>：输出调试级别的</a:t>
-            </a:r>
-            <a:r>
-              <a:rPr lang="en-US" altLang="zh-CN" dirty="0" smtClean="0"/>
-              <a:t>Log</a:t>
-            </a:r>
-            <a:r>
-              <a:rPr lang="zh-CN" altLang="en-US" dirty="0" smtClean="0"/>
-              <a:t>。</a:t>
-            </a:r>
-            <a:r>
-              <a:rPr lang="en-US" altLang="zh-CN" dirty="0" smtClean="0"/>
-              <a:t>Tag</a:t>
-            </a:r>
-            <a:r>
-              <a:rPr lang="zh-CN" altLang="en-US" dirty="0" smtClean="0"/>
-              <a:t>通常代表模块名；</a:t>
-            </a:r>
-            <a:r>
-              <a:rPr lang="en-US" altLang="zh-CN" dirty="0" smtClean="0"/>
-              <a:t>Format, param1, param2…</a:t>
-            </a:r>
-            <a:r>
-              <a:rPr lang="zh-CN" altLang="en-US" dirty="0" smtClean="0"/>
-              <a:t>格式与</a:t>
-            </a:r>
-            <a:r>
-              <a:rPr lang="en-US" altLang="zh-CN" dirty="0" err="1" smtClean="0"/>
-              <a:t>printf</a:t>
-            </a:r>
-            <a:r>
-              <a:rPr lang="en-US" altLang="zh-CN" dirty="0" smtClean="0"/>
-              <a:t>()</a:t>
-            </a:r>
-            <a:r>
-              <a:rPr lang="zh-CN" altLang="en-US" dirty="0" smtClean="0"/>
-              <a:t>相同。</a:t>
-            </a:r>
-            <a:endParaRPr lang="en-US" altLang="zh-CN" dirty="0" smtClean="0"/>
-          </a:p>
-          <a:p>
-            <a:r>
-              <a:rPr lang="zh-CN" altLang="en-US" dirty="0" smtClean="0"/>
-              <a:t>对于不同等级分别提供以下方法：</a:t>
-            </a:r>
-            <a:endParaRPr lang="en-US" altLang="zh-CN" dirty="0" smtClean="0"/>
-          </a:p>
-          <a:p>
-            <a:pPr lvl="1"/>
-            <a:r>
-              <a:rPr lang="en-US" altLang="zh-CN" dirty="0" smtClean="0"/>
-              <a:t>FDB_TLOG_I – </a:t>
-            </a:r>
-            <a:r>
-              <a:rPr lang="zh-CN" altLang="en-US" dirty="0" smtClean="0"/>
-              <a:t>输出</a:t>
-            </a:r>
-            <a:r>
-              <a:rPr lang="en-US" altLang="zh-CN" dirty="0" smtClean="0"/>
-              <a:t>info</a:t>
-            </a:r>
-            <a:r>
-              <a:rPr lang="zh-CN" altLang="en-US" dirty="0" smtClean="0"/>
-              <a:t>等级的</a:t>
-            </a:r>
-            <a:r>
-              <a:rPr lang="en-US" altLang="zh-CN" dirty="0" smtClean="0"/>
-              <a:t>log</a:t>
-            </a:r>
-          </a:p>
-          <a:p>
-            <a:pPr lvl="1"/>
-            <a:r>
-              <a:rPr lang="en-US" altLang="zh-CN" dirty="0" smtClean="0"/>
-              <a:t>FDB_TLOG_W </a:t>
-            </a:r>
-            <a:r>
-              <a:rPr lang="en-US" altLang="zh-CN" dirty="0"/>
-              <a:t>– </a:t>
-            </a:r>
-            <a:r>
-              <a:rPr lang="zh-CN" altLang="en-US" dirty="0" smtClean="0"/>
-              <a:t>输出</a:t>
-            </a:r>
-            <a:r>
-              <a:rPr lang="en-US" altLang="zh-CN" dirty="0" smtClean="0"/>
-              <a:t>warning</a:t>
-            </a:r>
-            <a:r>
-              <a:rPr lang="zh-CN" altLang="en-US" dirty="0" smtClean="0"/>
-              <a:t>等级</a:t>
-            </a:r>
-            <a:r>
-              <a:rPr lang="zh-CN" altLang="en-US" dirty="0"/>
-              <a:t>的</a:t>
-            </a:r>
-            <a:r>
-              <a:rPr lang="en-US" altLang="zh-CN" dirty="0"/>
-              <a:t>log</a:t>
-            </a:r>
-          </a:p>
-          <a:p>
-            <a:pPr lvl="1"/>
-            <a:r>
-              <a:rPr lang="en-US" altLang="zh-CN" dirty="0" smtClean="0"/>
-              <a:t>FDB_TLOG_E </a:t>
-            </a:r>
-            <a:r>
-              <a:rPr lang="en-US" altLang="zh-CN" dirty="0"/>
-              <a:t>– </a:t>
-            </a:r>
-            <a:r>
-              <a:rPr lang="zh-CN" altLang="en-US" dirty="0" smtClean="0"/>
-              <a:t>输出</a:t>
-            </a:r>
-            <a:r>
-              <a:rPr lang="en-US" altLang="zh-CN" dirty="0" smtClean="0"/>
-              <a:t>error</a:t>
-            </a:r>
-            <a:r>
-              <a:rPr lang="zh-CN" altLang="en-US" dirty="0" smtClean="0"/>
-              <a:t>等级</a:t>
-            </a:r>
-            <a:r>
-              <a:rPr lang="zh-CN" altLang="en-US" dirty="0"/>
-              <a:t>的</a:t>
-            </a:r>
-            <a:r>
-              <a:rPr lang="en-US" altLang="zh-CN" dirty="0"/>
-              <a:t>log</a:t>
-            </a:r>
-          </a:p>
-          <a:p>
-            <a:pPr lvl="1"/>
-            <a:r>
-              <a:rPr lang="en-US" altLang="zh-CN" dirty="0" smtClean="0"/>
-              <a:t>FDB_TLOG_F </a:t>
-            </a:r>
-            <a:r>
-              <a:rPr lang="en-US" altLang="zh-CN" dirty="0"/>
-              <a:t>– </a:t>
-            </a:r>
-            <a:r>
-              <a:rPr lang="zh-CN" altLang="en-US" dirty="0" smtClean="0"/>
-              <a:t>输出</a:t>
-            </a:r>
-            <a:r>
-              <a:rPr lang="en-US" altLang="zh-CN" dirty="0" smtClean="0"/>
-              <a:t>fatal</a:t>
-            </a:r>
-            <a:r>
-              <a:rPr lang="zh-CN" altLang="en-US" dirty="0" smtClean="0"/>
-              <a:t>等级</a:t>
-            </a:r>
-            <a:r>
-              <a:rPr lang="zh-CN" altLang="en-US" dirty="0"/>
-              <a:t>的</a:t>
-            </a:r>
-            <a:r>
-              <a:rPr lang="en-US" altLang="zh-CN" dirty="0" smtClean="0"/>
-              <a:t>log</a:t>
-            </a:r>
-            <a:endParaRPr lang="en-US" altLang="zh-CN" dirty="0"/>
+              <a:t>Print to screen</a:t>
+            </a:r>
+            <a:endParaRPr lang="zh-CN" altLang="en-US" dirty="0"/>
+          </a:p>
+        </p:txBody>
+      </p:sp>
+      <p:sp>
+        <p:nvSpPr>
+          <p:cNvPr id="33" name="TextBox 32"/>
+          <p:cNvSpPr txBox="1"/>
+          <p:nvPr/>
+        </p:nvSpPr>
+        <p:spPr>
+          <a:xfrm>
+            <a:off x="7874024" y="2459158"/>
+            <a:ext cx="946448" cy="646331"/>
+          </a:xfrm>
+          <a:prstGeom prst="rect">
+            <a:avLst/>
+          </a:prstGeom>
+          <a:noFill/>
+        </p:spPr>
+        <p:txBody>
+          <a:bodyPr wrap="square" rtlCol="0">
+            <a:spAutoFit/>
+          </a:bodyPr>
+          <a:lstStyle/>
+          <a:p>
+            <a:r>
+              <a:rPr lang="en-US" altLang="zh-CN" dirty="0" smtClean="0"/>
+              <a:t>Print to screen</a:t>
+            </a:r>
+            <a:endParaRPr lang="zh-CN" altLang="en-US" dirty="0"/>
+          </a:p>
+        </p:txBody>
+      </p:sp>
+      <p:cxnSp>
+        <p:nvCxnSpPr>
+          <p:cNvPr id="34" name="Straight Arrow Connector 33"/>
+          <p:cNvCxnSpPr>
+            <a:stCxn id="13" idx="3"/>
+          </p:cNvCxnSpPr>
+          <p:nvPr/>
+        </p:nvCxnSpPr>
+        <p:spPr>
+          <a:xfrm>
+            <a:off x="7081936" y="2782324"/>
+            <a:ext cx="792088" cy="0"/>
+          </a:xfrm>
+          <a:prstGeom prst="straightConnector1">
+            <a:avLst/>
+          </a:prstGeom>
+          <a:ln w="12700">
+            <a:tailEnd type="triangle"/>
+          </a:ln>
+        </p:spPr>
+        <p:style>
+          <a:lnRef idx="1">
+            <a:schemeClr val="accent1"/>
+          </a:lnRef>
+          <a:fillRef idx="0">
+            <a:schemeClr val="accent1"/>
+          </a:fillRef>
+          <a:effectRef idx="0">
+            <a:schemeClr val="accent1"/>
+          </a:effectRef>
+          <a:fontRef idx="minor">
+            <a:schemeClr val="tx1"/>
+          </a:fontRef>
+        </p:style>
+      </p:cxnSp>
+      <p:cxnSp>
+        <p:nvCxnSpPr>
+          <p:cNvPr id="37" name="Straight Arrow Connector 36"/>
+          <p:cNvCxnSpPr/>
+          <p:nvPr/>
+        </p:nvCxnSpPr>
+        <p:spPr>
+          <a:xfrm>
+            <a:off x="7081936" y="4324454"/>
+            <a:ext cx="792088" cy="0"/>
+          </a:xfrm>
+          <a:prstGeom prst="straightConnector1">
+            <a:avLst/>
+          </a:prstGeom>
+          <a:ln w="12700">
+            <a:tailEnd type="triangle"/>
+          </a:ln>
+        </p:spPr>
+        <p:style>
+          <a:lnRef idx="1">
+            <a:schemeClr val="accent1"/>
+          </a:lnRef>
+          <a:fillRef idx="0">
+            <a:schemeClr val="accent1"/>
+          </a:fillRef>
+          <a:effectRef idx="0">
+            <a:schemeClr val="accent1"/>
+          </a:effectRef>
+          <a:fontRef idx="minor">
+            <a:schemeClr val="tx1"/>
+          </a:fontRef>
+        </p:style>
+      </p:cxnSp>
+      <p:sp>
+        <p:nvSpPr>
+          <p:cNvPr id="38" name="TextBox 37"/>
+          <p:cNvSpPr txBox="1"/>
+          <p:nvPr/>
+        </p:nvSpPr>
+        <p:spPr>
+          <a:xfrm>
+            <a:off x="7874024" y="3959656"/>
+            <a:ext cx="946448" cy="646331"/>
+          </a:xfrm>
+          <a:prstGeom prst="rect">
+            <a:avLst/>
+          </a:prstGeom>
+          <a:noFill/>
+        </p:spPr>
+        <p:txBody>
+          <a:bodyPr wrap="square" rtlCol="0">
+            <a:spAutoFit/>
+          </a:bodyPr>
+          <a:lstStyle/>
+          <a:p>
+            <a:r>
+              <a:rPr lang="en-US" altLang="zh-CN" dirty="0" smtClean="0"/>
+              <a:t>Print to screen</a:t>
+            </a:r>
+            <a:endParaRPr lang="zh-CN" altLang="en-US" dirty="0"/>
           </a:p>
         </p:txBody>
       </p:sp>
     </p:spTree>
     <p:extLst>
       <p:ext uri="{BB962C8B-B14F-4D97-AF65-F5344CB8AC3E}">
-        <p14:creationId xmlns:p14="http://schemas.microsoft.com/office/powerpoint/2010/main" val="829671587"/>
+        <p14:creationId xmlns="" xmlns:p14="http://schemas.microsoft.com/office/powerpoint/2010/main" val="705357702"/>
       </p:ext>
     </p:extLst>
   </p:cSld>
@@ -33123,22 +34273,6 @@
               <a:rPr lang="zh-CN" altLang="en-US" dirty="0" smtClean="0"/>
               <a:t>输出</a:t>
             </a:r>
-            <a:r>
-              <a:rPr lang="en-US" altLang="zh-CN" dirty="0" smtClean="0"/>
-              <a:t>API – </a:t>
-            </a:r>
-            <a:r>
-              <a:rPr lang="zh-CN" altLang="en-US" dirty="0" smtClean="0"/>
-              <a:t>无</a:t>
-            </a:r>
-            <a:r>
-              <a:rPr lang="en-US" altLang="zh-CN" dirty="0" smtClean="0"/>
-              <a:t>tag</a:t>
-            </a:r>
-            <a:r>
-              <a:rPr lang="zh-CN" altLang="en-US" dirty="0" smtClean="0"/>
-              <a:t>版本</a:t>
-            </a:r>
             <a:endParaRPr lang="en-US" dirty="0"/>
           </a:p>
         </p:txBody>
@@ -33156,264 +34290,72 @@
         <p:spPr/>
         <p:txBody>
           <a:bodyPr>
-            <a:normAutofit fontScale="85000" lnSpcReduction="20000"/>
+            <a:normAutofit/>
           </a:bodyPr>
           <a:lstStyle/>
           <a:p>
             <a:r>
               <a:rPr lang="zh-CN" altLang="en-US" dirty="0" smtClean="0"/>
-              <a:t>在文件里使用如下方式定义无</a:t>
-            </a:r>
-            <a:r>
-              <a:rPr lang="en-US" altLang="zh-CN" dirty="0" smtClean="0"/>
-              <a:t>tag</a:t>
-            </a:r>
-            <a:r>
-              <a:rPr lang="zh-CN" altLang="en-US" dirty="0" smtClean="0"/>
-              <a:t>版本：</a:t>
+              <a:t>优先级（从低到高）：</a:t>
             </a:r>
             <a:endParaRPr lang="en-US" altLang="zh-CN" dirty="0" smtClean="0"/>
           </a:p>
           <a:p>
-            <a:pPr marL="400050" lvl="1" indent="0">
-              <a:buNone/>
-            </a:pPr>
-            <a:r>
-              <a:rPr lang="en-US" altLang="zh-CN" b="1" i="1" dirty="0"/>
-              <a:t>#define _FDB_LOG_TAG_ </a:t>
-            </a:r>
-            <a:r>
-              <a:rPr lang="en-US" altLang="zh-CN" b="1" i="1" dirty="0" smtClean="0"/>
-              <a:t>“</a:t>
-            </a:r>
-            <a:r>
-              <a:rPr lang="en-US" altLang="zh-CN" b="1" i="1" dirty="0" err="1" smtClean="0"/>
-              <a:t>my_tag</a:t>
-            </a:r>
-            <a:r>
-              <a:rPr lang="en-US" altLang="zh-CN" b="1" i="1" dirty="0" smtClean="0"/>
-              <a:t>"</a:t>
-            </a:r>
-            <a:endParaRPr lang="en-US" altLang="zh-CN" b="1" i="1" dirty="0"/>
-          </a:p>
-          <a:p>
-            <a:pPr marL="400050" lvl="1" indent="0">
-              <a:buNone/>
-            </a:pPr>
-            <a:r>
-              <a:rPr lang="en-US" altLang="zh-CN" b="1" i="1" dirty="0"/>
-              <a:t>#include &lt;</a:t>
-            </a:r>
-            <a:r>
-              <a:rPr lang="en-US" altLang="zh-CN" b="1" i="1" dirty="0" err="1"/>
-              <a:t>common_base</a:t>
-            </a:r>
-            <a:r>
-              <a:rPr lang="en-US" altLang="zh-CN" b="1" i="1" dirty="0"/>
-              <a:t>/</a:t>
-            </a:r>
-            <a:r>
-              <a:rPr lang="en-US" altLang="zh-CN" b="1" i="1" dirty="0" err="1"/>
-              <a:t>fdb_log_trace.h</a:t>
-            </a:r>
-            <a:r>
-              <a:rPr lang="en-US" altLang="zh-CN" b="1" i="1" dirty="0"/>
-              <a:t>&gt;</a:t>
-            </a:r>
-          </a:p>
-          <a:p>
-            <a:r>
-              <a:rPr lang="zh-CN" altLang="en-US" dirty="0" smtClean="0"/>
-              <a:t>以后就可以使用</a:t>
-            </a:r>
-            <a:r>
-              <a:rPr lang="en-US" altLang="zh-CN" dirty="0" smtClean="0"/>
-              <a:t>FDB_LOG_D(format, param1, param2…)</a:t>
-            </a:r>
-            <a:r>
-              <a:rPr lang="zh-CN" altLang="en-US" dirty="0" smtClean="0"/>
-              <a:t>：输出调试级别的</a:t>
-            </a:r>
-            <a:r>
-              <a:rPr lang="en-US" altLang="zh-CN" dirty="0" smtClean="0"/>
-              <a:t>Log</a:t>
-            </a:r>
-            <a:r>
-              <a:rPr lang="zh-CN" altLang="en-US" dirty="0" smtClean="0"/>
-              <a:t>。</a:t>
-            </a:r>
-            <a:r>
-              <a:rPr lang="en-US" altLang="zh-CN" dirty="0" smtClean="0"/>
-              <a:t>Format, param1, param2…</a:t>
-            </a:r>
-            <a:r>
-              <a:rPr lang="zh-CN" altLang="en-US" dirty="0" smtClean="0"/>
-              <a:t>格式与</a:t>
+            <a:pPr lvl="1"/>
+            <a:r>
+              <a:rPr lang="en-US" altLang="zh-CN" dirty="0" smtClean="0"/>
+              <a:t>Debug</a:t>
+            </a:r>
+          </a:p>
+          <a:p>
+            <a:pPr lvl="1"/>
+            <a:r>
+              <a:rPr lang="en-US" altLang="zh-CN" dirty="0" smtClean="0"/>
+              <a:t>Info</a:t>
+            </a:r>
+          </a:p>
+          <a:p>
+            <a:pPr lvl="1"/>
+            <a:r>
+              <a:rPr lang="en-US" altLang="zh-CN" dirty="0" smtClean="0"/>
+              <a:t>Warning</a:t>
+            </a:r>
+          </a:p>
+          <a:p>
+            <a:pPr lvl="1"/>
+            <a:r>
+              <a:rPr lang="en-US" altLang="zh-CN" dirty="0" smtClean="0"/>
+              <a:t>Error</a:t>
+            </a:r>
+          </a:p>
+          <a:p>
+            <a:pPr lvl="1"/>
+            <a:r>
+              <a:rPr lang="en-US" altLang="zh-CN" dirty="0" smtClean="0"/>
+              <a:t>Fatal</a:t>
+            </a:r>
+          </a:p>
+          <a:p>
+            <a:r>
+              <a:rPr lang="zh-CN" altLang="en-US" dirty="0" smtClean="0"/>
+              <a:t>输出时</a:t>
             </a:r>
             <a:r>
               <a:rPr lang="en-US" altLang="zh-CN" dirty="0" err="1" smtClean="0"/>
-              <a:t>printf</a:t>
-            </a:r>
-            <a:r>
-              <a:rPr lang="en-US" altLang="zh-CN" dirty="0" smtClean="0"/>
-              <a:t>()</a:t>
-            </a:r>
-            <a:r>
-              <a:rPr lang="zh-CN" altLang="en-US" dirty="0" smtClean="0"/>
-              <a:t>相同。</a:t>
-            </a:r>
-            <a:r>
-              <a:rPr lang="en-US" altLang="zh-CN" dirty="0" smtClean="0"/>
-              <a:t>Tag</a:t>
-            </a:r>
-            <a:r>
-              <a:rPr lang="zh-CN" altLang="en-US" dirty="0" smtClean="0"/>
-              <a:t>使用的就是</a:t>
-            </a:r>
-            <a:r>
-              <a:rPr lang="en-US" altLang="zh-CN" b="1" i="1" dirty="0"/>
-              <a:t>_FDB_LOG_TAG</a:t>
-            </a:r>
-            <a:r>
-              <a:rPr lang="en-US" altLang="zh-CN" b="1" i="1" dirty="0" smtClean="0"/>
-              <a:t>_</a:t>
-            </a:r>
-            <a:r>
-              <a:rPr lang="zh-CN" altLang="en-US" b="1" i="1" dirty="0" smtClean="0"/>
-              <a:t>。</a:t>
+              <a:t>LogServer</a:t>
+            </a:r>
+            <a:r>
+              <a:rPr lang="zh-CN" altLang="en-US" dirty="0" smtClean="0"/>
+              <a:t>可以设置不同的优先级等级；级别低的不输出</a:t>
             </a:r>
             <a:endParaRPr lang="en-US" altLang="zh-CN" dirty="0" smtClean="0"/>
-          </a:p>
-          <a:p>
-            <a:r>
-              <a:rPr lang="zh-CN" altLang="en-US" dirty="0" smtClean="0"/>
-              <a:t>对于不同等级分别提供以下方法：</a:t>
-            </a:r>
-            <a:endParaRPr lang="en-US" altLang="zh-CN" dirty="0" smtClean="0"/>
-          </a:p>
-          <a:p>
-            <a:pPr lvl="1"/>
-            <a:r>
-              <a:rPr lang="en-US" altLang="zh-CN" dirty="0" smtClean="0"/>
-              <a:t>FDB_LOG_I – </a:t>
-            </a:r>
-            <a:r>
-              <a:rPr lang="zh-CN" altLang="en-US" dirty="0" smtClean="0"/>
-              <a:t>输出</a:t>
-            </a:r>
-            <a:r>
-              <a:rPr lang="en-US" altLang="zh-CN" dirty="0" smtClean="0"/>
-              <a:t>info</a:t>
-            </a:r>
-            <a:r>
-              <a:rPr lang="zh-CN" altLang="en-US" dirty="0" smtClean="0"/>
-              <a:t>等级的</a:t>
-            </a:r>
-            <a:r>
-              <a:rPr lang="en-US" altLang="zh-CN" dirty="0" smtClean="0"/>
-              <a:t>log</a:t>
-            </a:r>
-          </a:p>
-          <a:p>
-            <a:pPr lvl="1"/>
-            <a:r>
-              <a:rPr lang="en-US" altLang="zh-CN" dirty="0" smtClean="0"/>
-              <a:t>FDB_LOG_W </a:t>
-            </a:r>
-            <a:r>
-              <a:rPr lang="en-US" altLang="zh-CN" dirty="0"/>
-              <a:t>– </a:t>
-            </a:r>
-            <a:r>
-              <a:rPr lang="zh-CN" altLang="en-US" dirty="0" smtClean="0"/>
-              <a:t>输出</a:t>
-            </a:r>
-            <a:r>
-              <a:rPr lang="en-US" altLang="zh-CN" dirty="0" smtClean="0"/>
-              <a:t>warning</a:t>
-            </a:r>
-            <a:r>
-              <a:rPr lang="zh-CN" altLang="en-US" dirty="0" smtClean="0"/>
-              <a:t>等级</a:t>
-            </a:r>
-            <a:r>
-              <a:rPr lang="zh-CN" altLang="en-US" dirty="0"/>
-              <a:t>的</a:t>
-            </a:r>
-            <a:r>
-              <a:rPr lang="en-US" altLang="zh-CN" dirty="0"/>
-              <a:t>log</a:t>
-            </a:r>
-          </a:p>
-          <a:p>
-            <a:pPr lvl="1"/>
-            <a:r>
-              <a:rPr lang="en-US" altLang="zh-CN" dirty="0" smtClean="0"/>
-              <a:t>FDB_LOG_E </a:t>
-            </a:r>
-            <a:r>
-              <a:rPr lang="en-US" altLang="zh-CN" dirty="0"/>
-              <a:t>– </a:t>
-            </a:r>
-            <a:r>
-              <a:rPr lang="zh-CN" altLang="en-US" dirty="0" smtClean="0"/>
-              <a:t>输出</a:t>
-            </a:r>
-            <a:r>
-              <a:rPr lang="en-US" altLang="zh-CN" dirty="0" smtClean="0"/>
-              <a:t>error</a:t>
-            </a:r>
-            <a:r>
-              <a:rPr lang="zh-CN" altLang="en-US" dirty="0" smtClean="0"/>
-              <a:t>等级</a:t>
-            </a:r>
-            <a:r>
-              <a:rPr lang="zh-CN" altLang="en-US" dirty="0"/>
-              <a:t>的</a:t>
-            </a:r>
-            <a:r>
-              <a:rPr lang="en-US" altLang="zh-CN" dirty="0"/>
-              <a:t>log</a:t>
-            </a:r>
-          </a:p>
-          <a:p>
-            <a:pPr lvl="1"/>
-            <a:r>
-              <a:rPr lang="en-US" altLang="zh-CN" dirty="0" smtClean="0"/>
-              <a:t>FDB_LOG_F </a:t>
-            </a:r>
-            <a:r>
-              <a:rPr lang="en-US" altLang="zh-CN" dirty="0"/>
-              <a:t>– </a:t>
-            </a:r>
-            <a:r>
-              <a:rPr lang="zh-CN" altLang="en-US" dirty="0" smtClean="0"/>
-              <a:t>输出</a:t>
-            </a:r>
-            <a:r>
-              <a:rPr lang="en-US" altLang="zh-CN" dirty="0" smtClean="0"/>
-              <a:t>fatal</a:t>
-            </a:r>
-            <a:r>
-              <a:rPr lang="zh-CN" altLang="en-US" dirty="0" smtClean="0"/>
-              <a:t>等级</a:t>
-            </a:r>
-            <a:r>
-              <a:rPr lang="zh-CN" altLang="en-US" dirty="0"/>
-              <a:t>的</a:t>
-            </a:r>
-            <a:r>
-              <a:rPr lang="en-US" altLang="zh-CN" dirty="0" smtClean="0"/>
-              <a:t>log</a:t>
-            </a:r>
-            <a:endParaRPr lang="en-US" altLang="zh-CN" dirty="0"/>
           </a:p>
         </p:txBody>
       </p:sp>
     </p:spTree>
     <p:extLst>
       <p:ext uri="{BB962C8B-B14F-4D97-AF65-F5344CB8AC3E}">
-        <p14:creationId xmlns:p14="http://schemas.microsoft.com/office/powerpoint/2010/main" val="3772308486"/>
+        <p14:creationId xmlns="" xmlns:p14="http://schemas.microsoft.com/office/powerpoint/2010/main" val="3595144745"/>
       </p:ext>
     </p:extLst>
   </p:cSld>
@@ -33456,8 +34398,32 @@
           <a:lstStyle/>
           <a:p>
             <a:r>
-              <a:rPr lang="en-US" altLang="zh-CN" dirty="0" err="1" smtClean="0"/>
-              <a:t>LogServer</a:t>
+              <a:rPr lang="zh-CN" altLang="en-US" dirty="0" smtClean="0"/>
+              <a:t>调试</a:t>
+            </a:r>
+            <a:r>
+              <a:rPr lang="en-US" altLang="zh-CN" dirty="0" smtClean="0"/>
+              <a:t>Log</a:t>
+            </a:r>
+            <a:r>
+              <a:rPr lang="zh-CN" altLang="en-US" dirty="0" smtClean="0"/>
+              <a:t>输出</a:t>
+            </a:r>
+            <a:r>
+              <a:rPr lang="en-US" altLang="zh-CN" dirty="0" smtClean="0"/>
+              <a:t>API – </a:t>
+            </a:r>
+            <a:r>
+              <a:rPr lang="zh-CN" altLang="en-US" dirty="0"/>
+              <a:t>带</a:t>
+            </a:r>
+            <a:r>
+              <a:rPr lang="en-US" altLang="zh-CN" dirty="0" smtClean="0"/>
+              <a:t>tag</a:t>
+            </a:r>
+            <a:r>
+              <a:rPr lang="zh-CN" altLang="en-US" dirty="0" smtClean="0"/>
+              <a:t>版本</a:t>
             </a:r>
             <a:endParaRPr lang="en-US" dirty="0"/>
           </a:p>
@@ -33476,286 +34442,186 @@
         <p:spPr/>
         <p:txBody>
           <a:bodyPr>
-            <a:normAutofit fontScale="85000" lnSpcReduction="20000"/>
+            <a:normAutofit/>
           </a:bodyPr>
           <a:lstStyle/>
           <a:p>
             <a:r>
-              <a:rPr lang="zh-CN" altLang="en-US" dirty="0" smtClean="0"/>
-              <a:t>系统里只能存在一个</a:t>
+              <a:rPr lang="en-US" altLang="zh-CN" dirty="0" smtClean="0"/>
+              <a:t>FDB_TLOG_D(tag, format, param1, param2…)</a:t>
+            </a:r>
+            <a:r>
+              <a:rPr lang="zh-CN" altLang="en-US" dirty="0" smtClean="0"/>
+              <a:t>：输出调试级别的</a:t>
+            </a:r>
+            <a:r>
+              <a:rPr lang="en-US" altLang="zh-CN" dirty="0" smtClean="0"/>
+              <a:t>Log</a:t>
+            </a:r>
+            <a:r>
+              <a:rPr lang="zh-CN" altLang="en-US" dirty="0" smtClean="0"/>
+              <a:t>。</a:t>
+            </a:r>
+            <a:r>
+              <a:rPr lang="en-US" altLang="zh-CN" dirty="0" smtClean="0"/>
+              <a:t>Tag</a:t>
+            </a:r>
+            <a:r>
+              <a:rPr lang="zh-CN" altLang="en-US" dirty="0" smtClean="0"/>
+              <a:t>通常代表模块名；</a:t>
+            </a:r>
+            <a:r>
+              <a:rPr lang="en-US" altLang="zh-CN" dirty="0" smtClean="0"/>
+              <a:t>Format, param1, param2…</a:t>
+            </a:r>
+            <a:r>
+              <a:rPr lang="zh-CN" altLang="en-US" dirty="0" smtClean="0"/>
+              <a:t>格式与</a:t>
             </a:r>
             <a:r>
               <a:rPr lang="en-US" altLang="zh-CN" dirty="0" err="1" smtClean="0"/>
-              <a:t>LogServer</a:t>
-            </a:r>
-            <a:r>
-              <a:rPr lang="zh-CN" altLang="en-US" dirty="0" smtClean="0"/>
-              <a:t>，启动方式为：</a:t>
-            </a:r>
-            <a:r>
-              <a:rPr lang="en-US" altLang="zh-CN" dirty="0" err="1" smtClean="0"/>
-              <a:t>logsvc</a:t>
-            </a:r>
-            <a:r>
-              <a:rPr lang="en-US" altLang="zh-CN" dirty="0" smtClean="0"/>
-              <a:t> [options]</a:t>
-            </a:r>
-          </a:p>
-          <a:p>
-            <a:r>
-              <a:rPr lang="en-US" altLang="zh-CN" dirty="0" err="1" smtClean="0"/>
-              <a:t>FDBus</a:t>
-            </a:r>
-            <a:r>
-              <a:rPr lang="en-US" altLang="zh-CN" dirty="0" smtClean="0"/>
-              <a:t> Log</a:t>
-            </a:r>
-            <a:r>
-              <a:rPr lang="zh-CN" altLang="en-US" dirty="0" smtClean="0"/>
-              <a:t>选项</a:t>
-            </a:r>
-            <a:r>
-              <a:rPr lang="en-US" altLang="zh-CN" dirty="0" smtClean="0"/>
-              <a:t>:</a:t>
-            </a:r>
+              <a:t>printf</a:t>
+            </a:r>
+            <a:r>
+              <a:rPr lang="en-US" altLang="zh-CN" dirty="0" smtClean="0"/>
+              <a:t>()</a:t>
+            </a:r>
+            <a:r>
+              <a:rPr lang="zh-CN" altLang="en-US" dirty="0" smtClean="0"/>
+              <a:t>相同。</a:t>
+            </a:r>
+            <a:endParaRPr lang="en-US" altLang="zh-CN" dirty="0" smtClean="0"/>
+          </a:p>
+          <a:p>
+            <a:r>
+              <a:rPr lang="zh-CN" altLang="en-US" dirty="0" smtClean="0"/>
+              <a:t>对于不同等级分别提供以下方法：</a:t>
+            </a:r>
+            <a:endParaRPr lang="en-US" altLang="zh-CN" dirty="0" smtClean="0"/>
           </a:p>
           <a:p>
             <a:pPr lvl="1"/>
             <a:r>
               <a:rPr lang="en-US" altLang="zh-CN" dirty="0" smtClean="0"/>
-              <a:t>-q – </a:t>
-            </a:r>
-            <a:r>
-              <a:rPr lang="zh-CN" altLang="en-US" dirty="0" smtClean="0"/>
-              <a:t>禁止输出</a:t>
-            </a:r>
-            <a:r>
-              <a:rPr lang="en-US" altLang="zh-CN" dirty="0" err="1" smtClean="0"/>
-              <a:t>FDBus</a:t>
-            </a:r>
-            <a:r>
-              <a:rPr lang="zh-CN" altLang="en-US" dirty="0" smtClean="0"/>
+              <a:t>FDB_TLOG_I – </a:t>
+            </a:r>
+            <a:r>
+              <a:rPr lang="zh-CN" altLang="en-US" dirty="0" smtClean="0"/>
+              <a:t>输出</a:t>
+            </a:r>
+            <a:r>
+              <a:rPr lang="en-US" altLang="zh-CN" dirty="0" smtClean="0"/>
+              <a:t>info</a:t>
+            </a:r>
+            <a:r>
+              <a:rPr lang="zh-CN" altLang="en-US" dirty="0" smtClean="0"/>
+              <a:t>等级的</a:t>
+            </a:r>
+            <a:r>
+              <a:rPr lang="en-US" altLang="zh-CN" dirty="0" smtClean="0"/>
+              <a:t>log</a:t>
+            </a:r>
+          </a:p>
+          <a:p>
+            <a:pPr lvl="1"/>
+            <a:r>
+              <a:rPr lang="en-US" altLang="zh-CN" dirty="0" smtClean="0"/>
+              <a:t>FDB_TLOG_W </a:t>
+            </a:r>
+            <a:r>
+              <a:rPr lang="en-US" altLang="zh-CN" dirty="0"/>
+              <a:t>– </a:t>
+            </a:r>
+            <a:r>
+              <a:rPr lang="zh-CN" altLang="en-US" dirty="0" smtClean="0"/>
+              <a:t>输出</a:t>
+            </a:r>
+            <a:r>
+              <a:rPr lang="en-US" altLang="zh-CN" dirty="0" smtClean="0"/>
+              <a:t>warning</a:t>
+            </a:r>
+            <a:r>
+              <a:rPr lang="zh-CN" altLang="en-US" dirty="0" smtClean="0"/>
+              <a:t>等级</a:t>
+            </a:r>
+            <a:r>
+              <a:rPr lang="zh-CN" altLang="en-US" dirty="0"/>
               <a:t>的</a:t>
             </a:r>
             <a:r>
-              <a:rPr lang="en-US" altLang="zh-CN" dirty="0" smtClean="0"/>
-              <a:t>request</a:t>
-            </a:r>
-            <a:r>
-              <a:rPr lang="zh-CN" altLang="en-US" dirty="0" smtClean="0"/>
-              <a:t>类型消息</a:t>
-            </a:r>
-            <a:endParaRPr lang="en-US" altLang="zh-CN" dirty="0" smtClean="0"/>
+              <a:rPr lang="en-US" altLang="zh-CN" dirty="0"/>
+              <a:t>log</a:t>
+            </a:r>
           </a:p>
           <a:p>
             <a:pPr lvl="1"/>
             <a:r>
               <a:rPr lang="en-US" altLang="zh-CN" dirty="0" smtClean="0"/>
-              <a:t>-p – </a:t>
-            </a:r>
-            <a:r>
-              <a:rPr lang="zh-CN" altLang="en-US" dirty="0" smtClean="0"/>
-              <a:t>禁止输出</a:t>
-            </a:r>
-            <a:r>
-              <a:rPr lang="en-US" altLang="zh-CN" dirty="0" err="1" smtClean="0"/>
-              <a:t>FDBus</a:t>
-            </a:r>
-            <a:r>
-              <a:rPr lang="zh-CN" altLang="en-US" dirty="0" smtClean="0"/>
+              <a:t>FDB_TLOG_E </a:t>
+            </a:r>
+            <a:r>
+              <a:rPr lang="en-US" altLang="zh-CN" dirty="0"/>
+              <a:t>– </a:t>
+            </a:r>
+            <a:r>
+              <a:rPr lang="zh-CN" altLang="en-US" dirty="0" smtClean="0"/>
+              <a:t>输出</a:t>
+            </a:r>
+            <a:r>
+              <a:rPr lang="en-US" altLang="zh-CN" dirty="0" smtClean="0"/>
+              <a:t>error</a:t>
+            </a:r>
+            <a:r>
+              <a:rPr lang="zh-CN" altLang="en-US" dirty="0" smtClean="0"/>
+              <a:t>等级</a:t>
+            </a:r>
+            <a:r>
+              <a:rPr lang="zh-CN" altLang="en-US" dirty="0"/>
               <a:t>的</a:t>
             </a:r>
             <a:r>
-              <a:rPr lang="en-US" altLang="zh-CN" dirty="0" smtClean="0"/>
-              <a:t>reply</a:t>
-            </a:r>
-            <a:r>
-              <a:rPr lang="zh-CN" altLang="en-US" dirty="0" smtClean="0"/>
-              <a:t>类型消息</a:t>
-            </a:r>
-            <a:endParaRPr lang="en-US" altLang="zh-CN" dirty="0" smtClean="0"/>
+              <a:rPr lang="en-US" altLang="zh-CN" dirty="0"/>
+              <a:t>log</a:t>
+            </a:r>
           </a:p>
           <a:p>
             <a:pPr lvl="1"/>
             <a:r>
               <a:rPr lang="en-US" altLang="zh-CN" dirty="0" smtClean="0"/>
-              <a:t>-b – </a:t>
-            </a:r>
-            <a:r>
-              <a:rPr lang="zh-CN" altLang="en-US" dirty="0" smtClean="0"/>
-              <a:t>禁止输出</a:t>
-            </a:r>
-            <a:r>
-              <a:rPr lang="en-US" altLang="zh-CN" dirty="0" err="1" smtClean="0"/>
-              <a:t>FDBus</a:t>
-            </a:r>
-            <a:r>
-              <a:rPr lang="zh-CN" altLang="en-US" dirty="0" smtClean="0"/>
+              <a:t>FDB_TLOG_F </a:t>
+            </a:r>
+            <a:r>
+              <a:rPr lang="en-US" altLang="zh-CN" dirty="0"/>
+              <a:t>– </a:t>
+            </a:r>
+            <a:r>
+              <a:rPr lang="zh-CN" altLang="en-US" dirty="0" smtClean="0"/>
+              <a:t>输出</a:t>
+            </a:r>
+            <a:r>
+              <a:rPr lang="en-US" altLang="zh-CN" dirty="0" smtClean="0"/>
+              <a:t>fatal</a:t>
+            </a:r>
+            <a:r>
+              <a:rPr lang="zh-CN" altLang="en-US" dirty="0" smtClean="0"/>
+              <a:t>等级</a:t>
+            </a:r>
+            <a:r>
+              <a:rPr lang="zh-CN" altLang="en-US" dirty="0"/>
               <a:t>的</a:t>
             </a:r>
             <a:r>
               <a:rPr lang="en-US" altLang="zh-CN" dirty="0" smtClean="0"/>
-              <a:t>broadcast</a:t>
-            </a:r>
-            <a:r>
-              <a:rPr lang="zh-CN" altLang="en-US" dirty="0" smtClean="0"/>
-              <a:t>类型消息</a:t>
-            </a:r>
-            <a:endParaRPr lang="en-US" altLang="zh-CN" dirty="0" smtClean="0"/>
-          </a:p>
-          <a:p>
-            <a:pPr lvl="1"/>
-            <a:r>
-              <a:rPr lang="en-US" altLang="zh-CN" dirty="0" smtClean="0"/>
-              <a:t>-s – </a:t>
-            </a:r>
-            <a:r>
-              <a:rPr lang="zh-CN" altLang="en-US" dirty="0" smtClean="0"/>
-              <a:t>禁止输出</a:t>
-            </a:r>
-            <a:r>
-              <a:rPr lang="en-US" altLang="zh-CN" dirty="0" err="1" smtClean="0"/>
-              <a:t>FDBus</a:t>
-            </a:r>
-            <a:r>
-              <a:rPr lang="zh-CN" altLang="en-US" dirty="0" smtClean="0"/>
-              <a:t>的</a:t>
-            </a:r>
-            <a:r>
-              <a:rPr lang="en-US" altLang="zh-CN" dirty="0" smtClean="0"/>
-              <a:t>subscribe</a:t>
-            </a:r>
-            <a:r>
-              <a:rPr lang="zh-CN" altLang="en-US" dirty="0" smtClean="0"/>
-              <a:t>类型消息</a:t>
-            </a:r>
-            <a:endParaRPr lang="en-US" altLang="zh-CN" dirty="0" smtClean="0"/>
-          </a:p>
-          <a:p>
-            <a:pPr lvl="1"/>
-            <a:r>
-              <a:rPr lang="en-US" altLang="zh-CN" dirty="0" smtClean="0"/>
-              <a:t>-f – </a:t>
-            </a:r>
-            <a:r>
-              <a:rPr lang="zh-CN" altLang="en-US" dirty="0" smtClean="0"/>
-              <a:t>禁止输出所有</a:t>
-            </a:r>
-            <a:r>
-              <a:rPr lang="en-US" altLang="zh-CN" dirty="0" err="1" smtClean="0"/>
-              <a:t>FDBus</a:t>
-            </a:r>
-            <a:r>
-              <a:rPr lang="zh-CN" altLang="en-US" dirty="0" smtClean="0"/>
-              <a:t>消息</a:t>
-            </a:r>
-            <a:endParaRPr lang="en-US" altLang="zh-CN" dirty="0" smtClean="0"/>
-          </a:p>
-          <a:p>
-            <a:pPr lvl="1"/>
-            <a:r>
-              <a:rPr lang="en-US" altLang="zh-CN" dirty="0" smtClean="0"/>
-              <a:t>-o – </a:t>
-            </a:r>
-            <a:r>
-              <a:rPr lang="zh-CN" altLang="en-US" dirty="0" smtClean="0"/>
-              <a:t>禁止输出到终端上（可以通过</a:t>
-            </a:r>
-            <a:r>
-              <a:rPr lang="en-US" altLang="zh-CN" dirty="0" err="1" smtClean="0"/>
-              <a:t>LogView</a:t>
-            </a:r>
-            <a:r>
-              <a:rPr lang="zh-CN" altLang="en-US" dirty="0" smtClean="0"/>
-              <a:t>查看）</a:t>
-            </a:r>
-            <a:endParaRPr lang="en-US" altLang="zh-CN" dirty="0" smtClean="0"/>
-          </a:p>
-          <a:p>
-            <a:pPr lvl="1"/>
-            <a:r>
-              <a:rPr lang="en-US" altLang="zh-CN" dirty="0" smtClean="0"/>
-              <a:t>-c – </a:t>
-            </a:r>
-            <a:r>
-              <a:rPr lang="zh-CN" altLang="en-US" dirty="0" smtClean="0"/>
-              <a:t>如果消息是</a:t>
-            </a:r>
-            <a:r>
-              <a:rPr lang="en-US" altLang="zh-CN" dirty="0" smtClean="0"/>
-              <a:t>raw data</a:t>
-            </a:r>
-            <a:r>
-              <a:rPr lang="zh-CN" altLang="en-US" dirty="0" smtClean="0"/>
-              <a:t>，控制</a:t>
-            </a:r>
-            <a:r>
-              <a:rPr lang="en-US" altLang="zh-CN" dirty="0" smtClean="0"/>
-              <a:t>raw data</a:t>
-            </a:r>
-            <a:r>
-              <a:rPr lang="zh-CN" altLang="en-US" dirty="0" smtClean="0"/>
-              <a:t>最大输出长度</a:t>
-            </a:r>
-            <a:endParaRPr lang="en-US" altLang="zh-CN" dirty="0" smtClean="0"/>
-          </a:p>
-          <a:p>
-            <a:pPr lvl="1"/>
-            <a:r>
-              <a:rPr lang="en-US" altLang="zh-CN" dirty="0" smtClean="0"/>
-              <a:t>-e ep1,ep2… – </a:t>
-            </a:r>
-            <a:r>
-              <a:rPr lang="zh-CN" altLang="en-US" dirty="0" smtClean="0"/>
-              <a:t>选择只输出指定</a:t>
-            </a:r>
-            <a:r>
-              <a:rPr lang="en-US" altLang="zh-CN" dirty="0" smtClean="0"/>
-              <a:t>endpoint</a:t>
-            </a:r>
-            <a:r>
-              <a:rPr lang="zh-CN" altLang="en-US" dirty="0" smtClean="0"/>
-              <a:t>的</a:t>
-            </a:r>
-            <a:r>
-              <a:rPr lang="en-US" altLang="zh-CN" dirty="0" err="1" smtClean="0"/>
-              <a:t>FDBus</a:t>
-            </a:r>
-            <a:r>
-              <a:rPr lang="zh-CN" altLang="en-US" dirty="0" smtClean="0"/>
-              <a:t>消息</a:t>
-            </a:r>
-            <a:endParaRPr lang="en-US" altLang="zh-CN" dirty="0" smtClean="0"/>
-          </a:p>
-          <a:p>
-            <a:pPr lvl="1"/>
-            <a:r>
-              <a:rPr lang="en-US" altLang="zh-CN" dirty="0" smtClean="0"/>
-              <a:t>-m host1,host2… – </a:t>
-            </a:r>
-            <a:r>
-              <a:rPr lang="zh-CN" altLang="en-US" dirty="0" smtClean="0"/>
-              <a:t>选择只输出指定主机的</a:t>
-            </a:r>
-            <a:r>
-              <a:rPr lang="en-US" altLang="zh-CN" dirty="0" err="1" smtClean="0"/>
-              <a:t>FDBus</a:t>
-            </a:r>
-            <a:r>
-              <a:rPr lang="zh-CN" altLang="en-US" dirty="0" smtClean="0"/>
-              <a:t>消息</a:t>
-            </a:r>
-            <a:endParaRPr lang="en-US" altLang="zh-CN" dirty="0" smtClean="0"/>
-          </a:p>
-          <a:p>
-            <a:endParaRPr lang="en-US" altLang="zh-CN" dirty="0" smtClean="0"/>
+              <a:t>log</a:t>
+            </a:r>
+            <a:endParaRPr lang="en-US" altLang="zh-CN" dirty="0"/>
           </a:p>
         </p:txBody>
       </p:sp>
     </p:spTree>
     <p:extLst>
       <p:ext uri="{BB962C8B-B14F-4D97-AF65-F5344CB8AC3E}">
-        <p14:creationId xmlns:p14="http://schemas.microsoft.com/office/powerpoint/2010/main" val="3985263123"/>
+        <p14:creationId xmlns="" xmlns:p14="http://schemas.microsoft.com/office/powerpoint/2010/main" val="829671587"/>
       </p:ext>
     </p:extLst>
   </p:cSld>
@@ -34105,8 +34971,32 @@
           <a:lstStyle/>
           <a:p>
             <a:r>
-              <a:rPr lang="en-US" altLang="zh-CN" dirty="0" err="1" smtClean="0"/>
-              <a:t>LogServer</a:t>
+              <a:rPr lang="zh-CN" altLang="en-US" dirty="0" smtClean="0"/>
+              <a:t>调试</a:t>
+            </a:r>
+            <a:r>
+              <a:rPr lang="en-US" altLang="zh-CN" dirty="0" smtClean="0"/>
+              <a:t>Log</a:t>
+            </a:r>
+            <a:r>
+              <a:rPr lang="zh-CN" altLang="en-US" dirty="0" smtClean="0"/>
+              <a:t>输出</a:t>
+            </a:r>
+            <a:r>
+              <a:rPr lang="en-US" altLang="zh-CN" dirty="0" smtClean="0"/>
+              <a:t>API – </a:t>
+            </a:r>
+            <a:r>
+              <a:rPr lang="zh-CN" altLang="en-US" dirty="0" smtClean="0"/>
+              <a:t>无</a:t>
+            </a:r>
+            <a:r>
+              <a:rPr lang="en-US" altLang="zh-CN" dirty="0" smtClean="0"/>
+              <a:t>tag</a:t>
+            </a:r>
+            <a:r>
+              <a:rPr lang="zh-CN" altLang="en-US" dirty="0" smtClean="0"/>
+              <a:t>版本</a:t>
             </a:r>
             <a:endParaRPr lang="en-US" dirty="0"/>
           </a:p>
@@ -34125,113 +35015,264 @@
         <p:spPr/>
         <p:txBody>
           <a:bodyPr>
-            <a:normAutofit/>
+            <a:normAutofit fontScale="85000" lnSpcReduction="20000"/>
           </a:bodyPr>
           <a:lstStyle/>
           <a:p>
             <a:r>
               <a:rPr lang="zh-CN" altLang="en-US" dirty="0" smtClean="0"/>
-              <a:t>调试</a:t>
-            </a:r>
-            <a:r>
-              <a:rPr lang="en-US" altLang="zh-CN" dirty="0" smtClean="0"/>
-              <a:t> Log</a:t>
-            </a:r>
-            <a:r>
-              <a:rPr lang="zh-CN" altLang="en-US" dirty="0" smtClean="0"/>
-              <a:t>选项</a:t>
-            </a:r>
-            <a:r>
-              <a:rPr lang="en-US" altLang="zh-CN" dirty="0" smtClean="0"/>
-              <a:t>:</a:t>
-            </a:r>
+              <a:t>在文件里使用如下方式定义无</a:t>
+            </a:r>
+            <a:r>
+              <a:rPr lang="en-US" altLang="zh-CN" dirty="0" smtClean="0"/>
+              <a:t>tag</a:t>
+            </a:r>
+            <a:r>
+              <a:rPr lang="zh-CN" altLang="en-US" dirty="0" smtClean="0"/>
+              <a:t>版本：</a:t>
+            </a:r>
+            <a:endParaRPr lang="en-US" altLang="zh-CN" dirty="0" smtClean="0"/>
+          </a:p>
+          <a:p>
+            <a:pPr marL="400050" lvl="1" indent="0">
+              <a:buNone/>
+            </a:pPr>
+            <a:r>
+              <a:rPr lang="en-US" altLang="zh-CN" b="1" i="1" dirty="0"/>
+              <a:t>#define _FDB_LOG_TAG_ </a:t>
+            </a:r>
+            <a:r>
+              <a:rPr lang="en-US" altLang="zh-CN" b="1" i="1" dirty="0" smtClean="0"/>
+              <a:t>“</a:t>
+            </a:r>
+            <a:r>
+              <a:rPr lang="en-US" altLang="zh-CN" b="1" i="1" dirty="0" err="1" smtClean="0"/>
+              <a:t>my_tag</a:t>
+            </a:r>
+            <a:r>
+              <a:rPr lang="en-US" altLang="zh-CN" b="1" i="1" dirty="0" smtClean="0"/>
+              <a:t>"</a:t>
+            </a:r>
+            <a:endParaRPr lang="en-US" altLang="zh-CN" b="1" i="1" dirty="0"/>
+          </a:p>
+          <a:p>
+            <a:pPr marL="400050" lvl="1" indent="0">
+              <a:buNone/>
+            </a:pPr>
+            <a:r>
+              <a:rPr lang="en-US" altLang="zh-CN" b="1" i="1" dirty="0"/>
+              <a:t>#include &lt;</a:t>
+            </a:r>
+            <a:r>
+              <a:rPr lang="en-US" altLang="zh-CN" b="1" i="1" dirty="0" err="1"/>
+              <a:t>common_base</a:t>
+            </a:r>
+            <a:r>
+              <a:rPr lang="en-US" altLang="zh-CN" b="1" i="1" dirty="0"/>
+              <a:t>/</a:t>
+            </a:r>
+            <a:r>
+              <a:rPr lang="en-US" altLang="zh-CN" b="1" i="1" dirty="0" err="1"/>
+              <a:t>fdb_log_trace.h</a:t>
+            </a:r>
+            <a:r>
+              <a:rPr lang="en-US" altLang="zh-CN" b="1" i="1" dirty="0"/>
+              <a:t>&gt;</a:t>
+            </a:r>
+          </a:p>
+          <a:p>
+            <a:r>
+              <a:rPr lang="zh-CN" altLang="en-US" dirty="0" smtClean="0"/>
+              <a:t>以后就可以使用</a:t>
+            </a:r>
+            <a:r>
+              <a:rPr lang="en-US" altLang="zh-CN" dirty="0" smtClean="0"/>
+              <a:t>FDB_LOG_D(format, param1, param2…)</a:t>
+            </a:r>
+            <a:r>
+              <a:rPr lang="zh-CN" altLang="en-US" dirty="0" smtClean="0"/>
+              <a:t>：输出调试级别的</a:t>
+            </a:r>
+            <a:r>
+              <a:rPr lang="en-US" altLang="zh-CN" dirty="0" smtClean="0"/>
+              <a:t>Log</a:t>
+            </a:r>
+            <a:r>
+              <a:rPr lang="zh-CN" altLang="en-US" dirty="0" smtClean="0"/>
+              <a:t>。</a:t>
+            </a:r>
+            <a:r>
+              <a:rPr lang="en-US" altLang="zh-CN" dirty="0" smtClean="0"/>
+              <a:t>Format, param1, param2…</a:t>
+            </a:r>
+            <a:r>
+              <a:rPr lang="zh-CN" altLang="en-US" dirty="0" smtClean="0"/>
+              <a:t>格式与</a:t>
+            </a:r>
+            <a:r>
+              <a:rPr lang="en-US" altLang="zh-CN" dirty="0" err="1" smtClean="0"/>
+              <a:t>printf</a:t>
+            </a:r>
+            <a:r>
+              <a:rPr lang="en-US" altLang="zh-CN" dirty="0" smtClean="0"/>
+              <a:t>()</a:t>
+            </a:r>
+            <a:r>
+              <a:rPr lang="zh-CN" altLang="en-US" dirty="0" smtClean="0"/>
+              <a:t>相同。</a:t>
+            </a:r>
+            <a:r>
+              <a:rPr lang="en-US" altLang="zh-CN" dirty="0" smtClean="0"/>
+              <a:t>Tag</a:t>
+            </a:r>
+            <a:r>
+              <a:rPr lang="zh-CN" altLang="en-US" dirty="0" smtClean="0"/>
+              <a:t>使用的就是</a:t>
+            </a:r>
+            <a:r>
+              <a:rPr lang="en-US" altLang="zh-CN" b="1" i="1" dirty="0"/>
+              <a:t>_FDB_LOG_TAG</a:t>
+            </a:r>
+            <a:r>
+              <a:rPr lang="en-US" altLang="zh-CN" b="1" i="1" dirty="0" smtClean="0"/>
+              <a:t>_</a:t>
+            </a:r>
+            <a:r>
+              <a:rPr lang="zh-CN" altLang="en-US" b="1" i="1" dirty="0" smtClean="0"/>
+              <a:t>。</a:t>
+            </a:r>
+            <a:endParaRPr lang="en-US" altLang="zh-CN" dirty="0" smtClean="0"/>
+          </a:p>
+          <a:p>
+            <a:r>
+              <a:rPr lang="zh-CN" altLang="en-US" dirty="0" smtClean="0"/>
+              <a:t>对于不同等级分别提供以下方法：</a:t>
+            </a:r>
+            <a:endParaRPr lang="en-US" altLang="zh-CN" dirty="0" smtClean="0"/>
           </a:p>
           <a:p>
             <a:pPr lvl="1"/>
             <a:r>
               <a:rPr lang="en-US" altLang="zh-CN" dirty="0" smtClean="0"/>
-              <a:t>-l level – </a:t>
-            </a:r>
-            <a:r>
-              <a:rPr lang="zh-CN" altLang="en-US" dirty="0" smtClean="0"/>
-              <a:t>设置调试</a:t>
-            </a:r>
-            <a:r>
-              <a:rPr lang="en-US" altLang="zh-CN" dirty="0" smtClean="0"/>
-              <a:t>Log</a:t>
-            </a:r>
-            <a:r>
-              <a:rPr lang="zh-CN" altLang="en-US" dirty="0" smtClean="0"/>
-              <a:t>的输出等级，取值为</a:t>
+              <a:t>FDB_LOG_I – </a:t>
+            </a:r>
+            <a:r>
+              <a:rPr lang="zh-CN" altLang="en-US" dirty="0" smtClean="0"/>
+              <a:t>输出</a:t>
+            </a:r>
+            <a:r>
+              <a:rPr lang="en-US" altLang="zh-CN" dirty="0" smtClean="0"/>
+              <a:t>info</a:t>
+            </a:r>
+            <a:r>
+              <a:rPr lang="zh-CN" altLang="en-US" dirty="0" smtClean="0"/>
+              <a:t>等级的</a:t>
+            </a:r>
+            <a:r>
+              <a:rPr lang="en-US" altLang="zh-CN" dirty="0" smtClean="0"/>
+              <a:t>log</a:t>
+            </a:r>
+          </a:p>
+          <a:p>
+            <a:pPr lvl="1"/>
+            <a:r>
+              <a:rPr lang="en-US" altLang="zh-CN" dirty="0" smtClean="0"/>
+              <a:t>FDB_LOG_W </a:t>
             </a:r>
             <a:r>
               <a:rPr lang="en-US" altLang="zh-CN" dirty="0"/>
-              <a:t>0-verbose 1-debug 2-info 3-warning 4-error 5-fatal</a:t>
-            </a:r>
-            <a:endParaRPr lang="en-US" altLang="zh-CN" dirty="0" smtClean="0"/>
+              <a:t>– </a:t>
+            </a:r>
+            <a:r>
+              <a:rPr lang="zh-CN" altLang="en-US" dirty="0" smtClean="0"/>
+              <a:t>输出</a:t>
+            </a:r>
+            <a:r>
+              <a:rPr lang="en-US" altLang="zh-CN" dirty="0" smtClean="0"/>
+              <a:t>warning</a:t>
+            </a:r>
+            <a:r>
+              <a:rPr lang="zh-CN" altLang="en-US" dirty="0" smtClean="0"/>
+              <a:t>等级</a:t>
+            </a:r>
+            <a:r>
+              <a:rPr lang="zh-CN" altLang="en-US" dirty="0"/>
+              <a:t>的</a:t>
+            </a:r>
+            <a:r>
+              <a:rPr lang="en-US" altLang="zh-CN" dirty="0"/>
+              <a:t>log</a:t>
+            </a:r>
           </a:p>
           <a:p>
             <a:pPr lvl="1"/>
             <a:r>
               <a:rPr lang="en-US" altLang="zh-CN" dirty="0" smtClean="0"/>
-              <a:t>-d – </a:t>
-            </a:r>
-            <a:r>
-              <a:rPr lang="zh-CN" altLang="en-US" dirty="0" smtClean="0"/>
-              <a:t>禁止输出调试</a:t>
-            </a:r>
-            <a:r>
-              <a:rPr lang="en-US" altLang="zh-CN" dirty="0" smtClean="0"/>
-              <a:t>Log</a:t>
+              <a:t>FDB_LOG_E </a:t>
+            </a:r>
+            <a:r>
+              <a:rPr lang="en-US" altLang="zh-CN" dirty="0"/>
+              <a:t>– </a:t>
+            </a:r>
+            <a:r>
+              <a:rPr lang="zh-CN" altLang="en-US" dirty="0" smtClean="0"/>
+              <a:t>输出</a:t>
+            </a:r>
+            <a:r>
+              <a:rPr lang="en-US" altLang="zh-CN" dirty="0" smtClean="0"/>
+              <a:t>error</a:t>
+            </a:r>
+            <a:r>
+              <a:rPr lang="zh-CN" altLang="en-US" dirty="0" smtClean="0"/>
+              <a:t>等级</a:t>
+            </a:r>
+            <a:r>
+              <a:rPr lang="zh-CN" altLang="en-US" dirty="0"/>
+              <a:t>的</a:t>
+            </a:r>
+            <a:r>
+              <a:rPr lang="en-US" altLang="zh-CN" dirty="0"/>
+              <a:t>log</a:t>
             </a:r>
           </a:p>
           <a:p>
             <a:pPr lvl="1"/>
             <a:r>
               <a:rPr lang="en-US" altLang="zh-CN" dirty="0" smtClean="0"/>
-              <a:t>-t tag1,tag2… – </a:t>
-            </a:r>
-            <a:r>
-              <a:rPr lang="zh-CN" altLang="en-US" dirty="0" smtClean="0"/>
-              <a:t>仅输出指定</a:t>
-            </a:r>
-            <a:r>
-              <a:rPr lang="en-US" altLang="zh-CN" dirty="0" smtClean="0"/>
-              <a:t>tag</a:t>
-            </a:r>
-            <a:r>
-              <a:rPr lang="zh-CN" altLang="en-US" dirty="0" smtClean="0"/>
-              <a:t>的调试</a:t>
+              <a:t>FDB_LOG_F </a:t>
+            </a:r>
+            <a:r>
+              <a:rPr lang="en-US" altLang="zh-CN" dirty="0"/>
+              <a:t>– </a:t>
+            </a:r>
+            <a:r>
+              <a:rPr lang="zh-CN" altLang="en-US" dirty="0" smtClean="0"/>
+              <a:t>输出</a:t>
+            </a:r>
+            <a:r>
+              <a:rPr lang="en-US" altLang="zh-CN" dirty="0" smtClean="0"/>
+              <a:t>fatal</a:t>
+            </a:r>
+            <a:r>
+              <a:rPr lang="zh-CN" altLang="en-US" dirty="0" smtClean="0"/>
+              <a:t>等级</a:t>
+            </a:r>
+            <a:r>
+              <a:rPr lang="zh-CN" altLang="en-US" dirty="0"/>
+              <a:t>的</a:t>
             </a:r>
             <a:r>
               <a:rPr lang="en-US" altLang="zh-CN" dirty="0" smtClean="0"/>
               <a:t>log</a:t>
             </a:r>
-          </a:p>
-          <a:p>
-            <a:pPr lvl="1"/>
-            <a:r>
-              <a:rPr lang="en-US" altLang="zh-CN" dirty="0" smtClean="0"/>
-              <a:t>-M [host1,host2…] – </a:t>
-            </a:r>
-            <a:r>
-              <a:rPr lang="zh-CN" altLang="en-US" dirty="0" smtClean="0"/>
-              <a:t>选择只输出指定主机的调试</a:t>
-            </a:r>
-            <a:r>
-              <a:rPr lang="en-US" altLang="zh-CN" dirty="0" smtClean="0"/>
-              <a:t>Log</a:t>
-            </a:r>
-          </a:p>
-          <a:p>
-            <a:endParaRPr lang="en-US" altLang="zh-CN" dirty="0" smtClean="0"/>
+            <a:endParaRPr lang="en-US" altLang="zh-CN" dirty="0"/>
           </a:p>
         </p:txBody>
       </p:sp>
     </p:spTree>
     <p:extLst>
       <p:ext uri="{BB962C8B-B14F-4D97-AF65-F5344CB8AC3E}">
-        <p14:creationId xmlns:p14="http://schemas.microsoft.com/office/powerpoint/2010/main" val="1438635056"/>
+        <p14:creationId xmlns="" xmlns:p14="http://schemas.microsoft.com/office/powerpoint/2010/main" val="3772308486"/>
       </p:ext>
     </p:extLst>
   </p:cSld>
@@ -34274,8 +35315,8 @@
           <a:lstStyle/>
           <a:p>
             <a:r>
-              <a:rPr lang="en-US" dirty="0" err="1" smtClean="0"/>
-              <a:t>LogViewer</a:t>
+              <a:rPr lang="en-US" altLang="zh-CN" dirty="0" err="1" smtClean="0"/>
+              <a:t>LogServer</a:t>
             </a:r>
             <a:endParaRPr lang="en-US" dirty="0"/>
           </a:p>
@@ -34293,43 +35334,14 @@
         </p:nvSpPr>
         <p:spPr/>
         <p:txBody>
-          <a:bodyPr/>
-          <a:lstStyle/>
-          <a:p>
-            <a:r>
-              <a:rPr lang="zh-CN" altLang="en-US" dirty="0" smtClean="0"/>
-              <a:t>系统里可以存在多个输出内容完全相同的</a:t>
-            </a:r>
-            <a:r>
-              <a:rPr lang="en-US" altLang="zh-CN" dirty="0" err="1" smtClean="0"/>
-              <a:t>LogViewer</a:t>
-            </a:r>
-            <a:r>
-              <a:rPr lang="zh-CN" altLang="en-US" dirty="0" smtClean="0"/>
-              <a:t>，启动方式为：</a:t>
-            </a:r>
-            <a:r>
-              <a:rPr lang="en-US" dirty="0" err="1" smtClean="0"/>
-              <a:t>logclt</a:t>
-            </a:r>
-            <a:r>
-              <a:rPr lang="en-US" dirty="0" smtClean="0"/>
-              <a:t> [options]</a:t>
-            </a:r>
-          </a:p>
-          <a:p>
-            <a:pPr lvl="1"/>
-            <a:r>
-              <a:rPr lang="en-US" dirty="0" err="1" smtClean="0"/>
-              <a:t>logclt</a:t>
-            </a:r>
-            <a:r>
-              <a:rPr lang="en-US" dirty="0" smtClean="0"/>
-              <a:t> –n [options] – </a:t>
-            </a:r>
-            <a:r>
-              <a:rPr lang="zh-CN" altLang="en-US" dirty="0" smtClean="0"/>
-              <a:t>配置</a:t>
+          <a:bodyPr>
+            <a:normAutofit fontScale="85000" lnSpcReduction="20000"/>
+          </a:bodyPr>
+          <a:lstStyle/>
+          <a:p>
+            <a:r>
+              <a:rPr lang="zh-CN" altLang="en-US" dirty="0" smtClean="0"/>
+              <a:t>系统里只能存在一个</a:t>
             </a:r>
             <a:r>
               <a:rPr lang="en-US" altLang="zh-CN" dirty="0" err="1" smtClean="0"/>
@@ -34337,64 +35349,272 @@
             </a:r>
             <a:r>
               <a:rPr lang="zh-CN" altLang="en-US" dirty="0" smtClean="0"/>
-              <a:t>。配置选项</a:t>
-            </a:r>
-            <a:r>
-              <a:rPr lang="en-US" altLang="zh-CN" dirty="0" smtClean="0"/>
-              <a:t>options</a:t>
-            </a:r>
-            <a:r>
-              <a:rPr lang="zh-CN" altLang="en-US" dirty="0" smtClean="0"/>
-              <a:t>和</a:t>
+              <a:t>，启动方式为：</a:t>
             </a:r>
             <a:r>
               <a:rPr lang="en-US" altLang="zh-CN" dirty="0" err="1" smtClean="0"/>
-              <a:t>LogServer</a:t>
-            </a:r>
-            <a:r>
-              <a:rPr lang="zh-CN" altLang="en-US" dirty="0" smtClean="0"/>
-              <a:t>的启动选项相同</a:t>
+              <a:t>logsvc</a:t>
+            </a:r>
+            <a:r>
+              <a:rPr lang="en-US" altLang="zh-CN" dirty="0" smtClean="0"/>
+              <a:t> [options]</a:t>
+            </a:r>
+          </a:p>
+          <a:p>
+            <a:r>
+              <a:rPr lang="en-US" altLang="zh-CN" dirty="0" err="1" smtClean="0"/>
+              <a:t>FDBus</a:t>
+            </a:r>
+            <a:r>
+              <a:rPr lang="en-US" altLang="zh-CN" dirty="0" smtClean="0"/>
+              <a:t> Log</a:t>
+            </a:r>
+            <a:r>
+              <a:rPr lang="zh-CN" altLang="en-US" dirty="0" smtClean="0"/>
+              <a:t>选项</a:t>
+            </a:r>
+            <a:r>
+              <a:rPr lang="en-US" altLang="zh-CN" dirty="0" smtClean="0"/>
+              <a:t>:</a:t>
+            </a:r>
+          </a:p>
+          <a:p>
+            <a:pPr lvl="1"/>
+            <a:r>
+              <a:rPr lang="en-US" altLang="zh-CN" dirty="0" smtClean="0"/>
+              <a:t>-q – </a:t>
+            </a:r>
+            <a:r>
+              <a:rPr lang="zh-CN" altLang="en-US" dirty="0" smtClean="0"/>
+              <a:t>禁止输出</a:t>
+            </a:r>
+            <a:r>
+              <a:rPr lang="en-US" altLang="zh-CN" dirty="0" err="1" smtClean="0"/>
+              <a:t>FDBus</a:t>
+            </a:r>
+            <a:r>
+              <a:rPr lang="zh-CN" altLang="en-US" dirty="0" smtClean="0"/>
+              <a:t>的</a:t>
+            </a:r>
+            <a:r>
+              <a:rPr lang="en-US" altLang="zh-CN" dirty="0" smtClean="0"/>
+              <a:t>request</a:t>
+            </a:r>
+            <a:r>
+              <a:rPr lang="zh-CN" altLang="en-US" dirty="0" smtClean="0"/>
+              <a:t>类型消息</a:t>
             </a:r>
             <a:endParaRPr lang="en-US" altLang="zh-CN" dirty="0" smtClean="0"/>
           </a:p>
           <a:p>
             <a:pPr lvl="1"/>
             <a:r>
-              <a:rPr lang="en-US" dirty="0" err="1" smtClean="0"/>
-              <a:t>logclt</a:t>
-            </a:r>
-            <a:r>
-              <a:rPr lang="en-US" dirty="0" smtClean="0"/>
-              <a:t> – </a:t>
-            </a:r>
-            <a:r>
-              <a:rPr lang="zh-CN" altLang="en-US" dirty="0" smtClean="0"/>
-              <a:t>启动</a:t>
+              <a:rPr lang="en-US" altLang="zh-CN" dirty="0" smtClean="0"/>
+              <a:t>-p – </a:t>
+            </a:r>
+            <a:r>
+              <a:rPr lang="zh-CN" altLang="en-US" dirty="0" smtClean="0"/>
+              <a:t>禁止输出</a:t>
             </a:r>
             <a:r>
               <a:rPr lang="en-US" altLang="zh-CN" dirty="0" err="1" smtClean="0"/>
-              <a:t>LogViewer</a:t>
-            </a:r>
-            <a:r>
-              <a:rPr lang="zh-CN" altLang="en-US" dirty="0" smtClean="0"/>
-              <a:t>并把输出打印在</a:t>
+              <a:t>FDBus</a:t>
+            </a:r>
+            <a:r>
+              <a:rPr lang="zh-CN" altLang="en-US" dirty="0" smtClean="0"/>
+              <a:t>的</a:t>
+            </a:r>
+            <a:r>
+              <a:rPr lang="en-US" altLang="zh-CN" dirty="0" smtClean="0"/>
+              <a:t>reply</a:t>
+            </a:r>
+            <a:r>
+              <a:rPr lang="zh-CN" altLang="en-US" dirty="0" smtClean="0"/>
+              <a:t>类型消息</a:t>
+            </a:r>
+            <a:endParaRPr lang="en-US" altLang="zh-CN" dirty="0" smtClean="0"/>
+          </a:p>
+          <a:p>
+            <a:pPr lvl="1"/>
+            <a:r>
+              <a:rPr lang="en-US" altLang="zh-CN" dirty="0" smtClean="0"/>
+              <a:t>-b – </a:t>
+            </a:r>
+            <a:r>
+              <a:rPr lang="zh-CN" altLang="en-US" dirty="0" smtClean="0"/>
+              <a:t>禁止输出</a:t>
             </a:r>
             <a:r>
               <a:rPr lang="en-US" altLang="zh-CN" dirty="0" err="1" smtClean="0"/>
-              <a:t>stdout</a:t>
-            </a:r>
-            <a:r>
-              <a:rPr lang="zh-CN" altLang="en-US" dirty="0" smtClean="0"/>
-              <a:t>（终端上）</a:t>
-            </a:r>
-            <a:endParaRPr lang="en-US" dirty="0"/>
+              <a:t>FDBus</a:t>
+            </a:r>
+            <a:r>
+              <a:rPr lang="zh-CN" altLang="en-US" dirty="0" smtClean="0"/>
+              <a:t>的</a:t>
+            </a:r>
+            <a:r>
+              <a:rPr lang="en-US" altLang="zh-CN" dirty="0" smtClean="0"/>
+              <a:t>broadcast</a:t>
+            </a:r>
+            <a:r>
+              <a:rPr lang="zh-CN" altLang="en-US" dirty="0" smtClean="0"/>
+              <a:t>类型消息</a:t>
+            </a:r>
+            <a:endParaRPr lang="en-US" altLang="zh-CN" dirty="0" smtClean="0"/>
+          </a:p>
+          <a:p>
+            <a:pPr lvl="1"/>
+            <a:r>
+              <a:rPr lang="en-US" altLang="zh-CN" dirty="0" smtClean="0"/>
+              <a:t>-s – </a:t>
+            </a:r>
+            <a:r>
+              <a:rPr lang="zh-CN" altLang="en-US" dirty="0" smtClean="0"/>
+              <a:t>禁止输出</a:t>
+            </a:r>
+            <a:r>
+              <a:rPr lang="en-US" altLang="zh-CN" dirty="0" err="1" smtClean="0"/>
+              <a:t>FDBus</a:t>
+            </a:r>
+            <a:r>
+              <a:rPr lang="zh-CN" altLang="en-US" dirty="0" smtClean="0"/>
+              <a:t>的</a:t>
+            </a:r>
+            <a:r>
+              <a:rPr lang="en-US" altLang="zh-CN" dirty="0" smtClean="0"/>
+              <a:t>subscribe</a:t>
+            </a:r>
+            <a:r>
+              <a:rPr lang="zh-CN" altLang="en-US" dirty="0" smtClean="0"/>
+              <a:t>类型消息</a:t>
+            </a:r>
+            <a:endParaRPr lang="en-US" altLang="zh-CN" dirty="0" smtClean="0"/>
+          </a:p>
+          <a:p>
+            <a:pPr lvl="1"/>
+            <a:r>
+              <a:rPr lang="en-US" altLang="zh-CN" dirty="0" smtClean="0"/>
+              <a:t>-f – </a:t>
+            </a:r>
+            <a:r>
+              <a:rPr lang="zh-CN" altLang="en-US" dirty="0" smtClean="0"/>
+              <a:t>禁止输出所有</a:t>
+            </a:r>
+            <a:r>
+              <a:rPr lang="en-US" altLang="zh-CN" dirty="0" err="1" smtClean="0"/>
+              <a:t>FDBus</a:t>
+            </a:r>
+            <a:r>
+              <a:rPr lang="zh-CN" altLang="en-US" dirty="0" smtClean="0"/>
+              <a:t>消息</a:t>
+            </a:r>
+            <a:endParaRPr lang="en-US" altLang="zh-CN" dirty="0" smtClean="0"/>
+          </a:p>
+          <a:p>
+            <a:pPr lvl="1"/>
+            <a:r>
+              <a:rPr lang="en-US" altLang="zh-CN" dirty="0" smtClean="0"/>
+              <a:t>-o – </a:t>
+            </a:r>
+            <a:r>
+              <a:rPr lang="zh-CN" altLang="en-US" dirty="0" smtClean="0"/>
+              <a:t>禁止输出到终端上（可以通过</a:t>
+            </a:r>
+            <a:r>
+              <a:rPr lang="en-US" altLang="zh-CN" dirty="0" err="1" smtClean="0"/>
+              <a:t>LogView</a:t>
+            </a:r>
+            <a:r>
+              <a:rPr lang="zh-CN" altLang="en-US" dirty="0" smtClean="0"/>
+              <a:t>查看）</a:t>
+            </a:r>
+            <a:endParaRPr lang="en-US" altLang="zh-CN" dirty="0" smtClean="0"/>
+          </a:p>
+          <a:p>
+            <a:pPr lvl="1"/>
+            <a:r>
+              <a:rPr lang="en-US" altLang="zh-CN" dirty="0" smtClean="0"/>
+              <a:t>-c – </a:t>
+            </a:r>
+            <a:r>
+              <a:rPr lang="zh-CN" altLang="en-US" dirty="0" smtClean="0"/>
+              <a:t>如果消息是</a:t>
+            </a:r>
+            <a:r>
+              <a:rPr lang="en-US" altLang="zh-CN" dirty="0" smtClean="0"/>
+              <a:t>raw data</a:t>
+            </a:r>
+            <a:r>
+              <a:rPr lang="zh-CN" altLang="en-US" dirty="0" smtClean="0"/>
+              <a:t>，控制</a:t>
+            </a:r>
+            <a:r>
+              <a:rPr lang="en-US" altLang="zh-CN" dirty="0" smtClean="0"/>
+              <a:t>raw data</a:t>
+            </a:r>
+            <a:r>
+              <a:rPr lang="zh-CN" altLang="en-US" dirty="0" smtClean="0"/>
+              <a:t>最大输出长度</a:t>
+            </a:r>
+            <a:endParaRPr lang="en-US" altLang="zh-CN" dirty="0" smtClean="0"/>
+          </a:p>
+          <a:p>
+            <a:pPr lvl="1"/>
+            <a:r>
+              <a:rPr lang="en-US" altLang="zh-CN" dirty="0" smtClean="0"/>
+              <a:t>-e ep1,ep2… – </a:t>
+            </a:r>
+            <a:r>
+              <a:rPr lang="zh-CN" altLang="en-US" dirty="0" smtClean="0"/>
+              <a:t>选择只输出指定</a:t>
+            </a:r>
+            <a:r>
+              <a:rPr lang="en-US" altLang="zh-CN" dirty="0" smtClean="0"/>
+              <a:t>endpoint</a:t>
+            </a:r>
+            <a:r>
+              <a:rPr lang="zh-CN" altLang="en-US" dirty="0" smtClean="0"/>
+              <a:t>的</a:t>
+            </a:r>
+            <a:r>
+              <a:rPr lang="en-US" altLang="zh-CN" dirty="0" err="1" smtClean="0"/>
+              <a:t>FDBus</a:t>
+            </a:r>
+            <a:r>
+              <a:rPr lang="zh-CN" altLang="en-US" dirty="0" smtClean="0"/>
+              <a:t>消息</a:t>
+            </a:r>
+            <a:endParaRPr lang="en-US" altLang="zh-CN" dirty="0" smtClean="0"/>
+          </a:p>
+          <a:p>
+            <a:pPr lvl="1"/>
+            <a:r>
+              <a:rPr lang="en-US" altLang="zh-CN" dirty="0" smtClean="0"/>
+              <a:t>-m host1,host2… – </a:t>
+            </a:r>
+            <a:r>
+              <a:rPr lang="zh-CN" altLang="en-US" dirty="0" smtClean="0"/>
+              <a:t>选择只输出指定主机的</a:t>
+            </a:r>
+            <a:r>
+              <a:rPr lang="en-US" altLang="zh-CN" dirty="0" err="1" smtClean="0"/>
+              <a:t>FDBus</a:t>
+            </a:r>
+            <a:r>
+              <a:rPr lang="zh-CN" altLang="en-US" dirty="0" smtClean="0"/>
+              <a:t>消息</a:t>
+            </a:r>
+            <a:endParaRPr lang="en-US" altLang="zh-CN" dirty="0" smtClean="0"/>
+          </a:p>
+          <a:p>
+            <a:endParaRPr lang="en-US" altLang="zh-CN" dirty="0" smtClean="0"/>
           </a:p>
         </p:txBody>
       </p:sp>
     </p:spTree>
     <p:extLst>
       <p:ext uri="{BB962C8B-B14F-4D97-AF65-F5344CB8AC3E}">
-        <p14:creationId xmlns:p14="http://schemas.microsoft.com/office/powerpoint/2010/main" val="144791403"/>
+        <p14:creationId xmlns="" xmlns:p14="http://schemas.microsoft.com/office/powerpoint/2010/main" val="3985263123"/>
       </p:ext>
     </p:extLst>
   </p:cSld>
@@ -34423,7 +35643,7 @@
       </p:grpSpPr>
       <p:sp>
         <p:nvSpPr>
-          <p:cNvPr id="2" name="标题 1"/>
+          <p:cNvPr id="2" name="Title 1"/>
           <p:cNvSpPr>
             <a:spLocks noGrp="1"/>
           </p:cNvSpPr>
@@ -34431,28 +35651,139 @@
             <p:ph type="title"/>
           </p:nvPr>
         </p:nvSpPr>
-        <p:spPr>
-          <a:xfrm>
-            <a:off x="467544" y="2636912"/>
-            <a:ext cx="8229600" cy="1143000"/>
-          </a:xfrm>
-        </p:spPr>
+        <p:spPr/>
         <p:txBody>
           <a:bodyPr/>
           <a:lstStyle/>
           <a:p>
             <a:r>
-              <a:rPr lang="zh-CN" altLang="en-US" dirty="0" smtClean="0"/>
-              <a:t>附录</a:t>
-            </a:r>
-            <a:endParaRPr lang="zh-CN" altLang="en-US" dirty="0"/>
+              <a:rPr lang="en-US" altLang="zh-CN" dirty="0" err="1" smtClean="0"/>
+              <a:t>LogServer</a:t>
+            </a:r>
+            <a:endParaRPr lang="en-US" dirty="0"/>
+          </a:p>
+        </p:txBody>
+      </p:sp>
+      <p:sp>
+        <p:nvSpPr>
+          <p:cNvPr id="3" name="Content Placeholder 2"/>
+          <p:cNvSpPr>
+            <a:spLocks noGrp="1"/>
+          </p:cNvSpPr>
+          <p:nvPr>
+            <p:ph idx="1"/>
+          </p:nvPr>
+        </p:nvSpPr>
+        <p:spPr/>
+        <p:txBody>
+          <a:bodyPr>
+            <a:normAutofit/>
+          </a:bodyPr>
+          <a:lstStyle/>
+          <a:p>
+            <a:r>
+              <a:rPr lang="zh-CN" altLang="en-US" dirty="0" smtClean="0"/>
+              <a:t>调试</a:t>
+            </a:r>
+            <a:r>
+              <a:rPr lang="en-US" altLang="zh-CN" dirty="0" smtClean="0"/>
+              <a:t> Log</a:t>
+            </a:r>
+            <a:r>
+              <a:rPr lang="zh-CN" altLang="en-US" dirty="0" smtClean="0"/>
+              <a:t>选项</a:t>
+            </a:r>
+            <a:r>
+              <a:rPr lang="en-US" altLang="zh-CN" dirty="0" smtClean="0"/>
+              <a:t>:</a:t>
+            </a:r>
+          </a:p>
+          <a:p>
+            <a:pPr lvl="1"/>
+            <a:r>
+              <a:rPr lang="en-US" altLang="zh-CN" dirty="0" smtClean="0"/>
+              <a:t>-l level – </a:t>
+            </a:r>
+            <a:r>
+              <a:rPr lang="zh-CN" altLang="en-US" dirty="0" smtClean="0"/>
+              <a:t>设置调试</a:t>
+            </a:r>
+            <a:r>
+              <a:rPr lang="en-US" altLang="zh-CN" dirty="0" smtClean="0"/>
+              <a:t>Log</a:t>
+            </a:r>
+            <a:r>
+              <a:rPr lang="zh-CN" altLang="en-US" dirty="0" smtClean="0"/>
+              <a:t>的输出等级，取值为</a:t>
+            </a:r>
+            <a:r>
+              <a:rPr lang="en-US" altLang="zh-CN" dirty="0"/>
+              <a:t>0-verbose 1-debug 2-info 3-warning 4-error 5-fatal</a:t>
+            </a:r>
+            <a:endParaRPr lang="en-US" altLang="zh-CN" dirty="0" smtClean="0"/>
+          </a:p>
+          <a:p>
+            <a:pPr lvl="1"/>
+            <a:r>
+              <a:rPr lang="en-US" altLang="zh-CN" dirty="0" smtClean="0"/>
+              <a:t>-d – </a:t>
+            </a:r>
+            <a:r>
+              <a:rPr lang="zh-CN" altLang="en-US" dirty="0" smtClean="0"/>
+              <a:t>禁止输出调试</a:t>
+            </a:r>
+            <a:r>
+              <a:rPr lang="en-US" altLang="zh-CN" dirty="0" smtClean="0"/>
+              <a:t>Log</a:t>
+            </a:r>
+          </a:p>
+          <a:p>
+            <a:pPr lvl="1"/>
+            <a:r>
+              <a:rPr lang="en-US" altLang="zh-CN" dirty="0" smtClean="0"/>
+              <a:t>-t tag1,tag2… – </a:t>
+            </a:r>
+            <a:r>
+              <a:rPr lang="zh-CN" altLang="en-US" dirty="0" smtClean="0"/>
+              <a:t>仅输出指定</a:t>
+            </a:r>
+            <a:r>
+              <a:rPr lang="en-US" altLang="zh-CN" dirty="0" smtClean="0"/>
+              <a:t>tag</a:t>
+            </a:r>
+            <a:r>
+              <a:rPr lang="zh-CN" altLang="en-US" dirty="0" smtClean="0"/>
+              <a:t>的调试</a:t>
+            </a:r>
+            <a:r>
+              <a:rPr lang="en-US" altLang="zh-CN" dirty="0" smtClean="0"/>
+              <a:t>log</a:t>
+            </a:r>
+          </a:p>
+          <a:p>
+            <a:pPr lvl="1"/>
+            <a:r>
+              <a:rPr lang="en-US" altLang="zh-CN" dirty="0" smtClean="0"/>
+              <a:t>-M [host1,host2…] – </a:t>
+            </a:r>
+            <a:r>
+              <a:rPr lang="zh-CN" altLang="en-US" dirty="0" smtClean="0"/>
+              <a:t>选择只输出指定主机的调试</a:t>
+            </a:r>
+            <a:r>
+              <a:rPr lang="en-US" altLang="zh-CN" dirty="0" smtClean="0"/>
+              <a:t>Log</a:t>
+            </a:r>
+          </a:p>
+          <a:p>
+            <a:endParaRPr lang="en-US" altLang="zh-CN" dirty="0" smtClean="0"/>
           </a:p>
         </p:txBody>
       </p:sp>
     </p:spTree>
     <p:extLst>
       <p:ext uri="{BB962C8B-B14F-4D97-AF65-F5344CB8AC3E}">
-        <p14:creationId xmlns:p14="http://schemas.microsoft.com/office/powerpoint/2010/main" val="1988218330"/>
+        <p14:creationId xmlns="" xmlns:p14="http://schemas.microsoft.com/office/powerpoint/2010/main" val="1438635056"/>
       </p:ext>
     </p:extLst>
   </p:cSld>
@@ -34496,77 +35827,126 @@
           <a:p>
             <a:r>
               <a:rPr lang="en-US" dirty="0" err="1" smtClean="0"/>
-              <a:t>Protobuf</a:t>
+              <a:t>LogViewer</a:t>
+            </a:r>
+            <a:endParaRPr lang="en-US" dirty="0"/>
+          </a:p>
+        </p:txBody>
+      </p:sp>
+      <p:sp>
+        <p:nvSpPr>
+          <p:cNvPr id="3" name="Content Placeholder 2"/>
+          <p:cNvSpPr>
+            <a:spLocks noGrp="1"/>
+          </p:cNvSpPr>
+          <p:nvPr>
+            <p:ph idx="1"/>
+          </p:nvPr>
+        </p:nvSpPr>
+        <p:spPr/>
+        <p:txBody>
+          <a:bodyPr/>
+          <a:lstStyle/>
+          <a:p>
+            <a:r>
+              <a:rPr lang="zh-CN" altLang="en-US" dirty="0" smtClean="0"/>
+              <a:t>系统里可以存在多个输出内容完全相同的</a:t>
+            </a:r>
+            <a:r>
+              <a:rPr lang="en-US" altLang="zh-CN" dirty="0" err="1" smtClean="0"/>
+              <a:t>LogViewer</a:t>
+            </a:r>
+            <a:r>
+              <a:rPr lang="zh-CN" altLang="en-US" dirty="0" smtClean="0"/>
+              <a:t>，启动方式为：</a:t>
+            </a:r>
+            <a:r>
+              <a:rPr lang="en-US" dirty="0" err="1" smtClean="0"/>
+              <a:t>logclt</a:t>
             </a:r>
             <a:r>
               <a:rPr lang="en-US" dirty="0" smtClean="0"/>
-              <a:t> reference</a:t>
+              <a:t> [options]</a:t>
+            </a:r>
+          </a:p>
+          <a:p>
+            <a:pPr lvl="1"/>
+            <a:r>
+              <a:rPr lang="en-US" dirty="0" err="1" smtClean="0"/>
+              <a:t>logclt</a:t>
+            </a:r>
+            <a:r>
+              <a:rPr lang="en-US" dirty="0" smtClean="0"/>
+              <a:t> –n [options] – </a:t>
+            </a:r>
+            <a:r>
+              <a:rPr lang="zh-CN" altLang="en-US" dirty="0" smtClean="0"/>
+              <a:t>配置</a:t>
+            </a:r>
+            <a:r>
+              <a:rPr lang="en-US" altLang="zh-CN" dirty="0" err="1" smtClean="0"/>
+              <a:t>LogServer</a:t>
+            </a:r>
+            <a:r>
+              <a:rPr lang="zh-CN" altLang="en-US" dirty="0" smtClean="0"/>
+              <a:t>。配置选项</a:t>
+            </a:r>
+            <a:r>
+              <a:rPr lang="en-US" altLang="zh-CN" dirty="0" smtClean="0"/>
+              <a:t>options</a:t>
+            </a:r>
+            <a:r>
+              <a:rPr lang="zh-CN" altLang="en-US" dirty="0" smtClean="0"/>
+              <a:t>和</a:t>
+            </a:r>
+            <a:r>
+              <a:rPr lang="en-US" altLang="zh-CN" dirty="0" err="1" smtClean="0"/>
+              <a:t>LogServer</a:t>
+            </a:r>
+            <a:r>
+              <a:rPr lang="zh-CN" altLang="en-US" dirty="0" smtClean="0"/>
+              <a:t>的启动选项相同</a:t>
+            </a:r>
+            <a:endParaRPr lang="en-US" altLang="zh-CN" dirty="0" smtClean="0"/>
+          </a:p>
+          <a:p>
+            <a:pPr lvl="1"/>
+            <a:r>
+              <a:rPr lang="en-US" dirty="0" err="1" smtClean="0"/>
+              <a:t>logclt</a:t>
+            </a:r>
+            <a:r>
+              <a:rPr lang="en-US" dirty="0" smtClean="0"/>
+              <a:t> – </a:t>
+            </a:r>
+            <a:r>
+              <a:rPr lang="zh-CN" altLang="en-US" dirty="0" smtClean="0"/>
+              <a:t>启动</a:t>
+            </a:r>
+            <a:r>
+              <a:rPr lang="en-US" altLang="zh-CN" dirty="0" err="1" smtClean="0"/>
+              <a:t>LogViewer</a:t>
+            </a:r>
+            <a:r>
+              <a:rPr lang="zh-CN" altLang="en-US" dirty="0" smtClean="0"/>
+              <a:t>并把输出打印在</a:t>
+            </a:r>
+            <a:r>
+              <a:rPr lang="en-US" altLang="zh-CN" dirty="0" err="1" smtClean="0"/>
+              <a:t>stdout</a:t>
+            </a:r>
+            <a:r>
+              <a:rPr lang="zh-CN" altLang="en-US" dirty="0" smtClean="0"/>
+              <a:t>（终端上）</a:t>
             </a:r>
             <a:endParaRPr lang="en-US" dirty="0"/>
           </a:p>
         </p:txBody>
       </p:sp>
-      <p:graphicFrame>
-        <p:nvGraphicFramePr>
-          <p:cNvPr id="3" name="Object 2"/>
-          <p:cNvGraphicFramePr>
-            <a:graphicFrameLocks noChangeAspect="1"/>
-          </p:cNvGraphicFramePr>
-          <p:nvPr>
-            <p:extLst>
-              <p:ext uri="{D42A27DB-BD31-4B8C-83A1-F6EECF244321}">
-                <p14:modId xmlns:p14="http://schemas.microsoft.com/office/powerpoint/2010/main" val="4055683330"/>
-              </p:ext>
-            </p:extLst>
-          </p:nvPr>
-        </p:nvGraphicFramePr>
-        <p:xfrm>
-          <a:off x="4114800" y="1844824"/>
-          <a:ext cx="914400" cy="806450"/>
-        </p:xfrm>
-        <a:graphic>
-          <a:graphicData uri="http://schemas.openxmlformats.org/presentationml/2006/ole">
-            <mc:AlternateContent xmlns:mc="http://schemas.openxmlformats.org/markup-compatibility/2006">
-              <mc:Choice xmlns:v="urn:schemas-microsoft-com:vml" Requires="v">
-                <p:oleObj spid="_x0000_s1061" name="Acrobat Document" showAsIcon="1" r:id="rId3" imgW="914400" imgH="806400" progId="AcroExch.Document.DC">
-                  <p:embed/>
-                </p:oleObj>
-              </mc:Choice>
-              <mc:Fallback>
-                <p:oleObj name="Acrobat Document" showAsIcon="1" r:id="rId3" imgW="914400" imgH="806400" progId="AcroExch.Document.DC">
-                  <p:embed/>
-                  <p:pic>
-                    <p:nvPicPr>
-                      <p:cNvPr id="0" name=""/>
-                      <p:cNvPicPr/>
-                      <p:nvPr/>
-                    </p:nvPicPr>
-                    <p:blipFill>
-                      <a:blip r:embed="rId4"/>
-                      <a:stretch>
-                        <a:fillRect/>
-                      </a:stretch>
-                    </p:blipFill>
-                    <p:spPr>
-                      <a:xfrm>
-                        <a:off x="4114800" y="1844824"/>
-                        <a:ext cx="914400" cy="806450"/>
-                      </a:xfrm>
-                      <a:prstGeom prst="rect">
-                        <a:avLst/>
-                      </a:prstGeom>
-                    </p:spPr>
-                  </p:pic>
-                </p:oleObj>
-              </mc:Fallback>
-            </mc:AlternateContent>
-          </a:graphicData>
-        </a:graphic>
-      </p:graphicFrame>
     </p:spTree>
     <p:extLst>
       <p:ext uri="{BB962C8B-B14F-4D97-AF65-F5344CB8AC3E}">
-        <p14:creationId xmlns:p14="http://schemas.microsoft.com/office/powerpoint/2010/main" val="370888884"/>
+        <p14:creationId xmlns="" xmlns:p14="http://schemas.microsoft.com/office/powerpoint/2010/main" val="144791403"/>
       </p:ext>
     </p:extLst>
   </p:cSld>
@@ -34595,6 +35975,147 @@
       </p:grpSpPr>
       <p:sp>
         <p:nvSpPr>
+          <p:cNvPr id="2" name="标题 1"/>
+          <p:cNvSpPr>
+            <a:spLocks noGrp="1"/>
+          </p:cNvSpPr>
+          <p:nvPr>
+            <p:ph type="title"/>
+          </p:nvPr>
+        </p:nvSpPr>
+        <p:spPr>
+          <a:xfrm>
+            <a:off x="467544" y="2636912"/>
+            <a:ext cx="8229600" cy="1143000"/>
+          </a:xfrm>
+        </p:spPr>
+        <p:txBody>
+          <a:bodyPr/>
+          <a:lstStyle/>
+          <a:p>
+            <a:r>
+              <a:rPr lang="zh-CN" altLang="en-US" dirty="0" smtClean="0"/>
+              <a:t>附录</a:t>
+            </a:r>
+            <a:endParaRPr lang="zh-CN" altLang="en-US" dirty="0"/>
+          </a:p>
+        </p:txBody>
+      </p:sp>
+    </p:spTree>
+    <p:extLst>
+      <p:ext uri="{BB962C8B-B14F-4D97-AF65-F5344CB8AC3E}">
+        <p14:creationId xmlns="" xmlns:p14="http://schemas.microsoft.com/office/powerpoint/2010/main" val="1988218330"/>
+      </p:ext>
+    </p:extLst>
+  </p:cSld>
+  <p:clrMapOvr>
+    <a:masterClrMapping/>
+  </p:clrMapOvr>
+</p:sld>
+</file>
+
+<file path=ppt/slides/slide75.xml><?xml version="1.0" encoding="utf-8"?>
+<p:sld xmlns:a="http://schemas.openxmlformats.org/drawingml/2006/main" xmlns:r="http://schemas.openxmlformats.org/officeDocument/2006/relationships" xmlns:p="http://schemas.openxmlformats.org/presentationml/2006/main">
+  <p:cSld>
+    <p:spTree>
+      <p:nvGrpSpPr>
+        <p:cNvPr id="1" name=""/>
+        <p:cNvGrpSpPr/>
+        <p:nvPr/>
+      </p:nvGrpSpPr>
+      <p:grpSpPr>
+        <a:xfrm>
+          <a:off x="0" y="0"/>
+          <a:ext cx="0" cy="0"/>
+          <a:chOff x="0" y="0"/>
+          <a:chExt cx="0" cy="0"/>
+        </a:xfrm>
+      </p:grpSpPr>
+      <p:sp>
+        <p:nvSpPr>
+          <p:cNvPr id="2" name="Title 1"/>
+          <p:cNvSpPr>
+            <a:spLocks noGrp="1"/>
+          </p:cNvSpPr>
+          <p:nvPr>
+            <p:ph type="title"/>
+          </p:nvPr>
+        </p:nvSpPr>
+        <p:spPr/>
+        <p:txBody>
+          <a:bodyPr/>
+          <a:lstStyle/>
+          <a:p>
+            <a:r>
+              <a:rPr lang="en-US" dirty="0" err="1" smtClean="0"/>
+              <a:t>Protobuf</a:t>
+            </a:r>
+            <a:r>
+              <a:rPr lang="en-US" dirty="0" smtClean="0"/>
+              <a:t> reference</a:t>
+            </a:r>
+            <a:endParaRPr lang="en-US" dirty="0"/>
+          </a:p>
+        </p:txBody>
+      </p:sp>
+      <p:graphicFrame>
+        <p:nvGraphicFramePr>
+          <p:cNvPr id="3" name="Object 2"/>
+          <p:cNvGraphicFramePr>
+            <a:graphicFrameLocks noChangeAspect="1"/>
+          </p:cNvGraphicFramePr>
+          <p:nvPr>
+            <p:extLst>
+              <p:ext uri="{D42A27DB-BD31-4B8C-83A1-F6EECF244321}">
+                <p14:modId xmlns="" xmlns:p14="http://schemas.microsoft.com/office/powerpoint/2010/main" val="4055683330"/>
+              </p:ext>
+            </p:extLst>
+          </p:nvPr>
+        </p:nvGraphicFramePr>
+        <p:xfrm>
+          <a:off x="4114800" y="1844824"/>
+          <a:ext cx="914400" cy="806450"/>
+        </p:xfrm>
+        <a:graphic>
+          <a:graphicData uri="http://schemas.openxmlformats.org/presentationml/2006/ole">
+            <p:oleObj spid="_x0000_s1061" name="Acrobat Document" showAsIcon="1" r:id="rId3" imgW="914400" imgH="806400" progId="AcroExch.Document.DC">
+              <p:embed/>
+            </p:oleObj>
+          </a:graphicData>
+        </a:graphic>
+      </p:graphicFrame>
+    </p:spTree>
+    <p:extLst>
+      <p:ext uri="{BB962C8B-B14F-4D97-AF65-F5344CB8AC3E}">
+        <p14:creationId xmlns="" xmlns:p14="http://schemas.microsoft.com/office/powerpoint/2010/main" val="370888884"/>
+      </p:ext>
+    </p:extLst>
+  </p:cSld>
+  <p:clrMapOvr>
+    <a:masterClrMapping/>
+  </p:clrMapOvr>
+</p:sld>
+</file>
+
+<file path=ppt/slides/slide76.xml><?xml version="1.0" encoding="utf-8"?>
+<p:sld xmlns:a="http://schemas.openxmlformats.org/drawingml/2006/main" xmlns:r="http://schemas.openxmlformats.org/officeDocument/2006/relationships" xmlns:p="http://schemas.openxmlformats.org/presentationml/2006/main">
+  <p:cSld>
+    <p:spTree>
+      <p:nvGrpSpPr>
+        <p:cNvPr id="1" name=""/>
+        <p:cNvGrpSpPr/>
+        <p:nvPr/>
+      </p:nvGrpSpPr>
+      <p:grpSpPr>
+        <a:xfrm>
+          <a:off x="0" y="0"/>
+          <a:ext cx="0" cy="0"/>
+          <a:chOff x="0" y="0"/>
+          <a:chExt cx="0" cy="0"/>
+        </a:xfrm>
+      </p:grpSpPr>
+      <p:sp>
+        <p:nvSpPr>
           <p:cNvPr id="2" name="Title 1"/>
           <p:cNvSpPr>
             <a:spLocks noGrp="1"/>
@@ -34625,7 +36146,7 @@
           <p:nvPr>
             <p:extLst>
               <p:ext uri="{D42A27DB-BD31-4B8C-83A1-F6EECF244321}">
-                <p14:modId xmlns:p14="http://schemas.microsoft.com/office/powerpoint/2010/main" val="2182863394"/>
+                <p14:modId xmlns="" xmlns:p14="http://schemas.microsoft.com/office/powerpoint/2010/main" val="2182863394"/>
               </p:ext>
             </p:extLst>
           </p:nvPr>
@@ -34636,47 +36157,1045 @@
         </p:xfrm>
         <a:graphic>
           <a:graphicData uri="http://schemas.openxmlformats.org/presentationml/2006/ole">
-            <mc:AlternateContent xmlns:mc="http://schemas.openxmlformats.org/markup-compatibility/2006">
-              <mc:Choice xmlns:v="urn:schemas-microsoft-com:vml" Requires="v">
-                <p:oleObj spid="_x0000_s2083" name="Worksheet" showAsIcon="1" r:id="rId3" imgW="914400" imgH="806400" progId="Excel.Sheet.12">
-                  <p:embed/>
-                </p:oleObj>
-              </mc:Choice>
-              <mc:Fallback>
-                <p:oleObj name="Worksheet" showAsIcon="1" r:id="rId3" imgW="914400" imgH="806400" progId="Excel.Sheet.12">
-                  <p:embed/>
-                  <p:pic>
-                    <p:nvPicPr>
-                      <p:cNvPr id="0" name=""/>
-                      <p:cNvPicPr/>
-                      <p:nvPr/>
-                    </p:nvPicPr>
-                    <p:blipFill>
-                      <a:blip r:embed="rId4"/>
-                      <a:stretch>
-                        <a:fillRect/>
-                      </a:stretch>
-                    </p:blipFill>
-                    <p:spPr>
-                      <a:xfrm>
-                        <a:off x="4114800" y="3025775"/>
-                        <a:ext cx="914400" cy="806450"/>
-                      </a:xfrm>
-                      <a:prstGeom prst="rect">
-                        <a:avLst/>
-                      </a:prstGeom>
-                    </p:spPr>
-                  </p:pic>
-                </p:oleObj>
-              </mc:Fallback>
-            </mc:AlternateContent>
+            <p:oleObj spid="_x0000_s2083" name="Worksheet" showAsIcon="1" r:id="rId3" imgW="914400" imgH="806400" progId="">
+              <p:embed/>
+            </p:oleObj>
           </a:graphicData>
         </a:graphic>
       </p:graphicFrame>
     </p:spTree>
     <p:extLst>
       <p:ext uri="{BB962C8B-B14F-4D97-AF65-F5344CB8AC3E}">
-        <p14:creationId xmlns:p14="http://schemas.microsoft.com/office/powerpoint/2010/main" val="2303557511"/>
+        <p14:creationId xmlns="" xmlns:p14="http://schemas.microsoft.com/office/powerpoint/2010/main" val="2303557511"/>
+      </p:ext>
+    </p:extLst>
+  </p:cSld>
+  <p:clrMapOvr>
+    <a:masterClrMapping/>
+  </p:clrMapOvr>
+</p:sld>
+</file>
+
+<file path=ppt/slides/slide77.xml><?xml version="1.0" encoding="utf-8"?>
+<p:sld xmlns:a="http://schemas.openxmlformats.org/drawingml/2006/main" xmlns:r="http://schemas.openxmlformats.org/officeDocument/2006/relationships" xmlns:p="http://schemas.openxmlformats.org/presentationml/2006/main">
+  <p:cSld>
+    <p:spTree>
+      <p:nvGrpSpPr>
+        <p:cNvPr id="1" name=""/>
+        <p:cNvGrpSpPr/>
+        <p:nvPr/>
+      </p:nvGrpSpPr>
+      <p:grpSpPr>
+        <a:xfrm>
+          <a:off x="0" y="0"/>
+          <a:ext cx="0" cy="0"/>
+          <a:chOff x="0" y="0"/>
+          <a:chExt cx="0" cy="0"/>
+        </a:xfrm>
+      </p:grpSpPr>
+      <p:sp>
+        <p:nvSpPr>
+          <p:cNvPr id="2" name="Title 1"/>
+          <p:cNvSpPr>
+            <a:spLocks noGrp="1"/>
+          </p:cNvSpPr>
+          <p:nvPr>
+            <p:ph type="title"/>
+          </p:nvPr>
+        </p:nvSpPr>
+        <p:spPr/>
+        <p:txBody>
+          <a:bodyPr/>
+          <a:lstStyle/>
+          <a:p>
+            <a:r>
+              <a:rPr lang="zh-CN" altLang="en-US" dirty="0" smtClean="0"/>
+              <a:t>访问权限</a:t>
+            </a:r>
+            <a:endParaRPr lang="en-US" dirty="0"/>
+          </a:p>
+        </p:txBody>
+      </p:sp>
+      <p:sp>
+        <p:nvSpPr>
+          <p:cNvPr id="5" name="矩形 4"/>
+          <p:cNvSpPr/>
+          <p:nvPr/>
+        </p:nvSpPr>
+        <p:spPr>
+          <a:xfrm>
+            <a:off x="1259632" y="2132856"/>
+            <a:ext cx="1368152" cy="144016"/>
+          </a:xfrm>
+          <a:prstGeom prst="rect">
+            <a:avLst/>
+          </a:prstGeom>
+          <a:solidFill>
+            <a:srgbClr val="00B050"/>
+          </a:solidFill>
+        </p:spPr>
+        <p:style>
+          <a:lnRef idx="2">
+            <a:schemeClr val="accent1">
+              <a:shade val="50000"/>
+            </a:schemeClr>
+          </a:lnRef>
+          <a:fillRef idx="1">
+            <a:schemeClr val="accent1"/>
+          </a:fillRef>
+          <a:effectRef idx="0">
+            <a:schemeClr val="accent1"/>
+          </a:effectRef>
+          <a:fontRef idx="minor">
+            <a:schemeClr val="lt1"/>
+          </a:fontRef>
+        </p:style>
+        <p:txBody>
+          <a:bodyPr rtlCol="0" anchor="ctr"/>
+          <a:lstStyle/>
+          <a:p>
+            <a:pPr algn="ctr"/>
+            <a:endParaRPr lang="zh-CN" altLang="en-US"/>
+          </a:p>
+        </p:txBody>
+      </p:sp>
+      <p:sp>
+        <p:nvSpPr>
+          <p:cNvPr id="6" name="矩形 5"/>
+          <p:cNvSpPr/>
+          <p:nvPr/>
+        </p:nvSpPr>
+        <p:spPr>
+          <a:xfrm>
+            <a:off x="2627784" y="2132856"/>
+            <a:ext cx="1512168" cy="144016"/>
+          </a:xfrm>
+          <a:prstGeom prst="rect">
+            <a:avLst/>
+          </a:prstGeom>
+          <a:solidFill>
+            <a:srgbClr val="FFFF00"/>
+          </a:solidFill>
+        </p:spPr>
+        <p:style>
+          <a:lnRef idx="2">
+            <a:schemeClr val="accent1">
+              <a:shade val="50000"/>
+            </a:schemeClr>
+          </a:lnRef>
+          <a:fillRef idx="1">
+            <a:schemeClr val="accent1"/>
+          </a:fillRef>
+          <a:effectRef idx="0">
+            <a:schemeClr val="accent1"/>
+          </a:effectRef>
+          <a:fontRef idx="minor">
+            <a:schemeClr val="lt1"/>
+          </a:fontRef>
+        </p:style>
+        <p:txBody>
+          <a:bodyPr rtlCol="0" anchor="ctr"/>
+          <a:lstStyle/>
+          <a:p>
+            <a:pPr algn="ctr"/>
+            <a:endParaRPr lang="zh-CN" altLang="en-US"/>
+          </a:p>
+        </p:txBody>
+      </p:sp>
+      <p:sp>
+        <p:nvSpPr>
+          <p:cNvPr id="7" name="矩形 6"/>
+          <p:cNvSpPr/>
+          <p:nvPr/>
+        </p:nvSpPr>
+        <p:spPr>
+          <a:xfrm>
+            <a:off x="4139952" y="2132856"/>
+            <a:ext cx="1512168" cy="144016"/>
+          </a:xfrm>
+          <a:prstGeom prst="rect">
+            <a:avLst/>
+          </a:prstGeom>
+          <a:solidFill>
+            <a:srgbClr val="FFC000"/>
+          </a:solidFill>
+        </p:spPr>
+        <p:style>
+          <a:lnRef idx="2">
+            <a:schemeClr val="accent1">
+              <a:shade val="50000"/>
+            </a:schemeClr>
+          </a:lnRef>
+          <a:fillRef idx="1">
+            <a:schemeClr val="accent1"/>
+          </a:fillRef>
+          <a:effectRef idx="0">
+            <a:schemeClr val="accent1"/>
+          </a:effectRef>
+          <a:fontRef idx="minor">
+            <a:schemeClr val="lt1"/>
+          </a:fontRef>
+        </p:style>
+        <p:txBody>
+          <a:bodyPr rtlCol="0" anchor="ctr"/>
+          <a:lstStyle/>
+          <a:p>
+            <a:pPr algn="ctr"/>
+            <a:endParaRPr lang="zh-CN" altLang="en-US"/>
+          </a:p>
+        </p:txBody>
+      </p:sp>
+      <p:sp>
+        <p:nvSpPr>
+          <p:cNvPr id="8" name="矩形 7"/>
+          <p:cNvSpPr/>
+          <p:nvPr/>
+        </p:nvSpPr>
+        <p:spPr>
+          <a:xfrm>
+            <a:off x="5652120" y="2132856"/>
+            <a:ext cx="1512168" cy="144016"/>
+          </a:xfrm>
+          <a:prstGeom prst="rect">
+            <a:avLst/>
+          </a:prstGeom>
+          <a:solidFill>
+            <a:schemeClr val="accent6">
+              <a:lumMod val="75000"/>
+            </a:schemeClr>
+          </a:solidFill>
+        </p:spPr>
+        <p:style>
+          <a:lnRef idx="2">
+            <a:schemeClr val="accent1">
+              <a:shade val="50000"/>
+            </a:schemeClr>
+          </a:lnRef>
+          <a:fillRef idx="1">
+            <a:schemeClr val="accent1"/>
+          </a:fillRef>
+          <a:effectRef idx="0">
+            <a:schemeClr val="accent1"/>
+          </a:effectRef>
+          <a:fontRef idx="minor">
+            <a:schemeClr val="lt1"/>
+          </a:fontRef>
+        </p:style>
+        <p:txBody>
+          <a:bodyPr rtlCol="0" anchor="ctr"/>
+          <a:lstStyle/>
+          <a:p>
+            <a:pPr algn="ctr"/>
+            <a:endParaRPr lang="zh-CN" altLang="en-US"/>
+          </a:p>
+        </p:txBody>
+      </p:sp>
+      <p:cxnSp>
+        <p:nvCxnSpPr>
+          <p:cNvPr id="10" name="直接连接符 9"/>
+          <p:cNvCxnSpPr>
+            <a:stCxn id="5" idx="1"/>
+          </p:cNvCxnSpPr>
+          <p:nvPr/>
+        </p:nvCxnSpPr>
+        <p:spPr>
+          <a:xfrm>
+            <a:off x="1259632" y="2204864"/>
+            <a:ext cx="0" cy="1296144"/>
+          </a:xfrm>
+          <a:prstGeom prst="line">
+            <a:avLst/>
+          </a:prstGeom>
+          <a:ln>
+            <a:solidFill>
+              <a:schemeClr val="tx1"/>
+            </a:solidFill>
+          </a:ln>
+        </p:spPr>
+        <p:style>
+          <a:lnRef idx="1">
+            <a:schemeClr val="accent1"/>
+          </a:lnRef>
+          <a:fillRef idx="0">
+            <a:schemeClr val="accent1"/>
+          </a:fillRef>
+          <a:effectRef idx="0">
+            <a:schemeClr val="accent1"/>
+          </a:effectRef>
+          <a:fontRef idx="minor">
+            <a:schemeClr val="tx1"/>
+          </a:fontRef>
+        </p:style>
+      </p:cxnSp>
+      <p:sp>
+        <p:nvSpPr>
+          <p:cNvPr id="14" name="矩形 13"/>
+          <p:cNvSpPr/>
+          <p:nvPr/>
+        </p:nvSpPr>
+        <p:spPr>
+          <a:xfrm>
+            <a:off x="7164288" y="2132856"/>
+            <a:ext cx="1512168" cy="144016"/>
+          </a:xfrm>
+          <a:prstGeom prst="rect">
+            <a:avLst/>
+          </a:prstGeom>
+          <a:solidFill>
+            <a:srgbClr val="FF0000"/>
+          </a:solidFill>
+        </p:spPr>
+        <p:style>
+          <a:lnRef idx="2">
+            <a:schemeClr val="accent1">
+              <a:shade val="50000"/>
+            </a:schemeClr>
+          </a:lnRef>
+          <a:fillRef idx="1">
+            <a:schemeClr val="accent1"/>
+          </a:fillRef>
+          <a:effectRef idx="0">
+            <a:schemeClr val="accent1"/>
+          </a:effectRef>
+          <a:fontRef idx="minor">
+            <a:schemeClr val="lt1"/>
+          </a:fontRef>
+        </p:style>
+        <p:txBody>
+          <a:bodyPr rtlCol="0" anchor="ctr"/>
+          <a:lstStyle/>
+          <a:p>
+            <a:pPr algn="ctr"/>
+            <a:endParaRPr lang="zh-CN" altLang="en-US"/>
+          </a:p>
+        </p:txBody>
+      </p:sp>
+      <p:cxnSp>
+        <p:nvCxnSpPr>
+          <p:cNvPr id="16" name="直接连接符 15"/>
+          <p:cNvCxnSpPr/>
+          <p:nvPr/>
+        </p:nvCxnSpPr>
+        <p:spPr>
+          <a:xfrm>
+            <a:off x="2627784" y="2276872"/>
+            <a:ext cx="0" cy="432048"/>
+          </a:xfrm>
+          <a:prstGeom prst="line">
+            <a:avLst/>
+          </a:prstGeom>
+          <a:ln>
+            <a:solidFill>
+              <a:schemeClr val="tx1"/>
+            </a:solidFill>
+          </a:ln>
+        </p:spPr>
+        <p:style>
+          <a:lnRef idx="1">
+            <a:schemeClr val="accent1"/>
+          </a:lnRef>
+          <a:fillRef idx="0">
+            <a:schemeClr val="accent1"/>
+          </a:fillRef>
+          <a:effectRef idx="0">
+            <a:schemeClr val="accent1"/>
+          </a:effectRef>
+          <a:fontRef idx="minor">
+            <a:schemeClr val="tx1"/>
+          </a:fontRef>
+        </p:style>
+      </p:cxnSp>
+      <p:cxnSp>
+        <p:nvCxnSpPr>
+          <p:cNvPr id="19" name="直接箭头连接符 18"/>
+          <p:cNvCxnSpPr/>
+          <p:nvPr/>
+        </p:nvCxnSpPr>
+        <p:spPr>
+          <a:xfrm>
+            <a:off x="1259632" y="2564904"/>
+            <a:ext cx="1368152" cy="0"/>
+          </a:xfrm>
+          <a:prstGeom prst="straightConnector1">
+            <a:avLst/>
+          </a:prstGeom>
+          <a:ln>
+            <a:solidFill>
+              <a:schemeClr val="tx1"/>
+            </a:solidFill>
+            <a:headEnd type="arrow"/>
+            <a:tailEnd type="arrow"/>
+          </a:ln>
+        </p:spPr>
+        <p:style>
+          <a:lnRef idx="1">
+            <a:schemeClr val="accent1"/>
+          </a:lnRef>
+          <a:fillRef idx="0">
+            <a:schemeClr val="accent1"/>
+          </a:fillRef>
+          <a:effectRef idx="0">
+            <a:schemeClr val="accent1"/>
+          </a:effectRef>
+          <a:fontRef idx="minor">
+            <a:schemeClr val="tx1"/>
+          </a:fontRef>
+        </p:style>
+      </p:cxnSp>
+      <p:sp>
+        <p:nvSpPr>
+          <p:cNvPr id="20" name="TextBox 19"/>
+          <p:cNvSpPr txBox="1"/>
+          <p:nvPr/>
+        </p:nvSpPr>
+        <p:spPr>
+          <a:xfrm>
+            <a:off x="1547664" y="2348880"/>
+            <a:ext cx="864096" cy="261610"/>
+          </a:xfrm>
+          <a:prstGeom prst="rect">
+            <a:avLst/>
+          </a:prstGeom>
+          <a:noFill/>
+        </p:spPr>
+        <p:txBody>
+          <a:bodyPr wrap="square" rtlCol="0">
+            <a:spAutoFit/>
+          </a:bodyPr>
+          <a:lstStyle/>
+          <a:p>
+            <a:r>
+              <a:rPr lang="zh-CN" altLang="en-US" sz="1100" b="1" dirty="0" smtClean="0"/>
+              <a:t>安全等级</a:t>
+            </a:r>
+            <a:r>
+              <a:rPr lang="en-US" altLang="zh-CN" sz="1100" b="1" dirty="0" smtClean="0"/>
+              <a:t>0</a:t>
+            </a:r>
+            <a:endParaRPr lang="zh-CN" altLang="en-US" sz="1100" b="1" dirty="0"/>
+          </a:p>
+        </p:txBody>
+      </p:sp>
+      <p:cxnSp>
+        <p:nvCxnSpPr>
+          <p:cNvPr id="21" name="直接连接符 20"/>
+          <p:cNvCxnSpPr/>
+          <p:nvPr/>
+        </p:nvCxnSpPr>
+        <p:spPr>
+          <a:xfrm>
+            <a:off x="4139952" y="2276872"/>
+            <a:ext cx="0" cy="648072"/>
+          </a:xfrm>
+          <a:prstGeom prst="line">
+            <a:avLst/>
+          </a:prstGeom>
+          <a:ln>
+            <a:solidFill>
+              <a:schemeClr val="tx1"/>
+            </a:solidFill>
+          </a:ln>
+        </p:spPr>
+        <p:style>
+          <a:lnRef idx="1">
+            <a:schemeClr val="accent1"/>
+          </a:lnRef>
+          <a:fillRef idx="0">
+            <a:schemeClr val="accent1"/>
+          </a:fillRef>
+          <a:effectRef idx="0">
+            <a:schemeClr val="accent1"/>
+          </a:effectRef>
+          <a:fontRef idx="minor">
+            <a:schemeClr val="tx1"/>
+          </a:fontRef>
+        </p:style>
+      </p:cxnSp>
+      <p:cxnSp>
+        <p:nvCxnSpPr>
+          <p:cNvPr id="23" name="直接箭头连接符 22"/>
+          <p:cNvCxnSpPr/>
+          <p:nvPr/>
+        </p:nvCxnSpPr>
+        <p:spPr>
+          <a:xfrm>
+            <a:off x="1259632" y="2780928"/>
+            <a:ext cx="2880320" cy="0"/>
+          </a:xfrm>
+          <a:prstGeom prst="straightConnector1">
+            <a:avLst/>
+          </a:prstGeom>
+          <a:ln>
+            <a:solidFill>
+              <a:schemeClr val="tx1"/>
+            </a:solidFill>
+            <a:headEnd type="arrow"/>
+            <a:tailEnd type="arrow"/>
+          </a:ln>
+        </p:spPr>
+        <p:style>
+          <a:lnRef idx="1">
+            <a:schemeClr val="accent1"/>
+          </a:lnRef>
+          <a:fillRef idx="0">
+            <a:schemeClr val="accent1"/>
+          </a:fillRef>
+          <a:effectRef idx="0">
+            <a:schemeClr val="accent1"/>
+          </a:effectRef>
+          <a:fontRef idx="minor">
+            <a:schemeClr val="tx1"/>
+          </a:fontRef>
+        </p:style>
+      </p:cxnSp>
+      <p:sp>
+        <p:nvSpPr>
+          <p:cNvPr id="25" name="TextBox 24"/>
+          <p:cNvSpPr txBox="1"/>
+          <p:nvPr/>
+        </p:nvSpPr>
+        <p:spPr>
+          <a:xfrm>
+            <a:off x="2987824" y="2564904"/>
+            <a:ext cx="864096" cy="261610"/>
+          </a:xfrm>
+          <a:prstGeom prst="rect">
+            <a:avLst/>
+          </a:prstGeom>
+          <a:noFill/>
+        </p:spPr>
+        <p:txBody>
+          <a:bodyPr wrap="square" rtlCol="0">
+            <a:spAutoFit/>
+          </a:bodyPr>
+          <a:lstStyle/>
+          <a:p>
+            <a:r>
+              <a:rPr lang="zh-CN" altLang="en-US" sz="1100" b="1" dirty="0" smtClean="0"/>
+              <a:t>安全等级</a:t>
+            </a:r>
+            <a:r>
+              <a:rPr lang="en-US" altLang="zh-CN" sz="1100" b="1" dirty="0" smtClean="0"/>
+              <a:t>1</a:t>
+            </a:r>
+            <a:endParaRPr lang="zh-CN" altLang="en-US" sz="1100" b="1" dirty="0"/>
+          </a:p>
+        </p:txBody>
+      </p:sp>
+      <p:cxnSp>
+        <p:nvCxnSpPr>
+          <p:cNvPr id="26" name="直接连接符 25"/>
+          <p:cNvCxnSpPr/>
+          <p:nvPr/>
+        </p:nvCxnSpPr>
+        <p:spPr>
+          <a:xfrm>
+            <a:off x="5652120" y="2276872"/>
+            <a:ext cx="0" cy="792088"/>
+          </a:xfrm>
+          <a:prstGeom prst="line">
+            <a:avLst/>
+          </a:prstGeom>
+          <a:ln>
+            <a:solidFill>
+              <a:schemeClr val="tx1"/>
+            </a:solidFill>
+          </a:ln>
+        </p:spPr>
+        <p:style>
+          <a:lnRef idx="1">
+            <a:schemeClr val="accent1"/>
+          </a:lnRef>
+          <a:fillRef idx="0">
+            <a:schemeClr val="accent1"/>
+          </a:fillRef>
+          <a:effectRef idx="0">
+            <a:schemeClr val="accent1"/>
+          </a:effectRef>
+          <a:fontRef idx="minor">
+            <a:schemeClr val="tx1"/>
+          </a:fontRef>
+        </p:style>
+      </p:cxnSp>
+      <p:cxnSp>
+        <p:nvCxnSpPr>
+          <p:cNvPr id="28" name="直接箭头连接符 27"/>
+          <p:cNvCxnSpPr/>
+          <p:nvPr/>
+        </p:nvCxnSpPr>
+        <p:spPr>
+          <a:xfrm>
+            <a:off x="1259632" y="2996952"/>
+            <a:ext cx="4392488" cy="0"/>
+          </a:xfrm>
+          <a:prstGeom prst="straightConnector1">
+            <a:avLst/>
+          </a:prstGeom>
+          <a:ln>
+            <a:solidFill>
+              <a:schemeClr val="tx1"/>
+            </a:solidFill>
+            <a:headEnd type="arrow"/>
+            <a:tailEnd type="arrow"/>
+          </a:ln>
+        </p:spPr>
+        <p:style>
+          <a:lnRef idx="1">
+            <a:schemeClr val="accent1"/>
+          </a:lnRef>
+          <a:fillRef idx="0">
+            <a:schemeClr val="accent1"/>
+          </a:fillRef>
+          <a:effectRef idx="0">
+            <a:schemeClr val="accent1"/>
+          </a:effectRef>
+          <a:fontRef idx="minor">
+            <a:schemeClr val="tx1"/>
+          </a:fontRef>
+        </p:style>
+      </p:cxnSp>
+      <p:sp>
+        <p:nvSpPr>
+          <p:cNvPr id="30" name="TextBox 29"/>
+          <p:cNvSpPr txBox="1"/>
+          <p:nvPr/>
+        </p:nvSpPr>
+        <p:spPr>
+          <a:xfrm>
+            <a:off x="4427984" y="2780928"/>
+            <a:ext cx="864096" cy="261610"/>
+          </a:xfrm>
+          <a:prstGeom prst="rect">
+            <a:avLst/>
+          </a:prstGeom>
+          <a:noFill/>
+        </p:spPr>
+        <p:txBody>
+          <a:bodyPr wrap="square" rtlCol="0">
+            <a:spAutoFit/>
+          </a:bodyPr>
+          <a:lstStyle/>
+          <a:p>
+            <a:r>
+              <a:rPr lang="zh-CN" altLang="en-US" sz="1100" b="1" dirty="0" smtClean="0"/>
+              <a:t>安全等级</a:t>
+            </a:r>
+            <a:r>
+              <a:rPr lang="en-US" altLang="zh-CN" sz="1100" b="1" dirty="0" smtClean="0"/>
+              <a:t>2</a:t>
+            </a:r>
+            <a:endParaRPr lang="zh-CN" altLang="en-US" sz="1100" b="1" dirty="0"/>
+          </a:p>
+        </p:txBody>
+      </p:sp>
+      <p:cxnSp>
+        <p:nvCxnSpPr>
+          <p:cNvPr id="31" name="直接连接符 30"/>
+          <p:cNvCxnSpPr/>
+          <p:nvPr/>
+        </p:nvCxnSpPr>
+        <p:spPr>
+          <a:xfrm>
+            <a:off x="7164288" y="2276872"/>
+            <a:ext cx="0" cy="1080120"/>
+          </a:xfrm>
+          <a:prstGeom prst="line">
+            <a:avLst/>
+          </a:prstGeom>
+          <a:ln>
+            <a:solidFill>
+              <a:schemeClr val="tx1"/>
+            </a:solidFill>
+          </a:ln>
+        </p:spPr>
+        <p:style>
+          <a:lnRef idx="1">
+            <a:schemeClr val="accent1"/>
+          </a:lnRef>
+          <a:fillRef idx="0">
+            <a:schemeClr val="accent1"/>
+          </a:fillRef>
+          <a:effectRef idx="0">
+            <a:schemeClr val="accent1"/>
+          </a:effectRef>
+          <a:fontRef idx="minor">
+            <a:schemeClr val="tx1"/>
+          </a:fontRef>
+        </p:style>
+      </p:cxnSp>
+      <p:cxnSp>
+        <p:nvCxnSpPr>
+          <p:cNvPr id="34" name="直接箭头连接符 33"/>
+          <p:cNvCxnSpPr/>
+          <p:nvPr/>
+        </p:nvCxnSpPr>
+        <p:spPr>
+          <a:xfrm>
+            <a:off x="1259632" y="3212976"/>
+            <a:ext cx="5904656" cy="0"/>
+          </a:xfrm>
+          <a:prstGeom prst="straightConnector1">
+            <a:avLst/>
+          </a:prstGeom>
+          <a:ln>
+            <a:solidFill>
+              <a:schemeClr val="tx1"/>
+            </a:solidFill>
+            <a:headEnd type="arrow"/>
+            <a:tailEnd type="arrow"/>
+          </a:ln>
+        </p:spPr>
+        <p:style>
+          <a:lnRef idx="1">
+            <a:schemeClr val="accent1"/>
+          </a:lnRef>
+          <a:fillRef idx="0">
+            <a:schemeClr val="accent1"/>
+          </a:fillRef>
+          <a:effectRef idx="0">
+            <a:schemeClr val="accent1"/>
+          </a:effectRef>
+          <a:fontRef idx="minor">
+            <a:schemeClr val="tx1"/>
+          </a:fontRef>
+        </p:style>
+      </p:cxnSp>
+      <p:sp>
+        <p:nvSpPr>
+          <p:cNvPr id="36" name="TextBox 35"/>
+          <p:cNvSpPr txBox="1"/>
+          <p:nvPr/>
+        </p:nvSpPr>
+        <p:spPr>
+          <a:xfrm>
+            <a:off x="5940152" y="2996952"/>
+            <a:ext cx="864096" cy="261610"/>
+          </a:xfrm>
+          <a:prstGeom prst="rect">
+            <a:avLst/>
+          </a:prstGeom>
+          <a:noFill/>
+        </p:spPr>
+        <p:txBody>
+          <a:bodyPr wrap="square" rtlCol="0">
+            <a:spAutoFit/>
+          </a:bodyPr>
+          <a:lstStyle/>
+          <a:p>
+            <a:r>
+              <a:rPr lang="zh-CN" altLang="en-US" sz="1100" b="1" dirty="0" smtClean="0"/>
+              <a:t>安全等级</a:t>
+            </a:r>
+            <a:r>
+              <a:rPr lang="en-US" altLang="zh-CN" sz="1100" b="1" dirty="0" smtClean="0"/>
+              <a:t>3</a:t>
+            </a:r>
+            <a:endParaRPr lang="zh-CN" altLang="en-US" sz="1100" b="1" dirty="0"/>
+          </a:p>
+        </p:txBody>
+      </p:sp>
+      <p:cxnSp>
+        <p:nvCxnSpPr>
+          <p:cNvPr id="40" name="直接连接符 39"/>
+          <p:cNvCxnSpPr/>
+          <p:nvPr/>
+        </p:nvCxnSpPr>
+        <p:spPr>
+          <a:xfrm>
+            <a:off x="8676456" y="2276872"/>
+            <a:ext cx="0" cy="1296144"/>
+          </a:xfrm>
+          <a:prstGeom prst="line">
+            <a:avLst/>
+          </a:prstGeom>
+          <a:ln>
+            <a:solidFill>
+              <a:schemeClr val="tx1"/>
+            </a:solidFill>
+          </a:ln>
+        </p:spPr>
+        <p:style>
+          <a:lnRef idx="1">
+            <a:schemeClr val="accent1"/>
+          </a:lnRef>
+          <a:fillRef idx="0">
+            <a:schemeClr val="accent1"/>
+          </a:fillRef>
+          <a:effectRef idx="0">
+            <a:schemeClr val="accent1"/>
+          </a:effectRef>
+          <a:fontRef idx="minor">
+            <a:schemeClr val="tx1"/>
+          </a:fontRef>
+        </p:style>
+      </p:cxnSp>
+      <p:cxnSp>
+        <p:nvCxnSpPr>
+          <p:cNvPr id="41" name="直接箭头连接符 40"/>
+          <p:cNvCxnSpPr/>
+          <p:nvPr/>
+        </p:nvCxnSpPr>
+        <p:spPr>
+          <a:xfrm>
+            <a:off x="1259632" y="3429000"/>
+            <a:ext cx="7416824" cy="0"/>
+          </a:xfrm>
+          <a:prstGeom prst="straightConnector1">
+            <a:avLst/>
+          </a:prstGeom>
+          <a:ln>
+            <a:solidFill>
+              <a:schemeClr val="tx1"/>
+            </a:solidFill>
+            <a:headEnd type="arrow"/>
+            <a:tailEnd type="arrow"/>
+          </a:ln>
+        </p:spPr>
+        <p:style>
+          <a:lnRef idx="1">
+            <a:schemeClr val="accent1"/>
+          </a:lnRef>
+          <a:fillRef idx="0">
+            <a:schemeClr val="accent1"/>
+          </a:fillRef>
+          <a:effectRef idx="0">
+            <a:schemeClr val="accent1"/>
+          </a:effectRef>
+          <a:fontRef idx="minor">
+            <a:schemeClr val="tx1"/>
+          </a:fontRef>
+        </p:style>
+      </p:cxnSp>
+      <p:sp>
+        <p:nvSpPr>
+          <p:cNvPr id="43" name="TextBox 42"/>
+          <p:cNvSpPr txBox="1"/>
+          <p:nvPr/>
+        </p:nvSpPr>
+        <p:spPr>
+          <a:xfrm>
+            <a:off x="7524328" y="3212976"/>
+            <a:ext cx="864096" cy="261610"/>
+          </a:xfrm>
+          <a:prstGeom prst="rect">
+            <a:avLst/>
+          </a:prstGeom>
+          <a:noFill/>
+        </p:spPr>
+        <p:txBody>
+          <a:bodyPr wrap="square" rtlCol="0">
+            <a:spAutoFit/>
+          </a:bodyPr>
+          <a:lstStyle/>
+          <a:p>
+            <a:r>
+              <a:rPr lang="zh-CN" altLang="en-US" sz="1100" b="1" dirty="0" smtClean="0"/>
+              <a:t>安全等级</a:t>
+            </a:r>
+            <a:r>
+              <a:rPr lang="en-US" altLang="zh-CN" sz="1100" b="1" dirty="0" smtClean="0"/>
+              <a:t>4</a:t>
+            </a:r>
+            <a:endParaRPr lang="zh-CN" altLang="en-US" sz="1100" b="1" dirty="0"/>
+          </a:p>
+        </p:txBody>
+      </p:sp>
+      <p:sp>
+        <p:nvSpPr>
+          <p:cNvPr id="44" name="TextBox 43"/>
+          <p:cNvSpPr txBox="1"/>
+          <p:nvPr/>
+        </p:nvSpPr>
+        <p:spPr>
+          <a:xfrm>
+            <a:off x="323528" y="1871246"/>
+            <a:ext cx="936104" cy="261610"/>
+          </a:xfrm>
+          <a:prstGeom prst="rect">
+            <a:avLst/>
+          </a:prstGeom>
+          <a:noFill/>
+        </p:spPr>
+        <p:txBody>
+          <a:bodyPr wrap="square" rtlCol="0">
+            <a:spAutoFit/>
+          </a:bodyPr>
+          <a:lstStyle/>
+          <a:p>
+            <a:r>
+              <a:rPr lang="zh-CN" altLang="en-US" sz="1100" b="1" dirty="0" smtClean="0"/>
+              <a:t>方法</a:t>
+            </a:r>
+            <a:r>
+              <a:rPr lang="en-US" altLang="zh-CN" sz="1100" b="1" dirty="0" smtClean="0"/>
+              <a:t>/</a:t>
+            </a:r>
+            <a:r>
+              <a:rPr lang="zh-CN" altLang="en-US" sz="1100" b="1" dirty="0" smtClean="0"/>
+              <a:t>通知</a:t>
+            </a:r>
+            <a:r>
+              <a:rPr lang="en-US" altLang="zh-CN" sz="1100" b="1" dirty="0" smtClean="0"/>
+              <a:t>ID</a:t>
+            </a:r>
+            <a:endParaRPr lang="zh-CN" altLang="en-US" sz="1100" b="1" dirty="0"/>
+          </a:p>
+        </p:txBody>
+      </p:sp>
+      <p:sp>
+        <p:nvSpPr>
+          <p:cNvPr id="45" name="TextBox 44"/>
+          <p:cNvSpPr txBox="1"/>
+          <p:nvPr/>
+        </p:nvSpPr>
+        <p:spPr>
+          <a:xfrm>
+            <a:off x="1187624" y="1916832"/>
+            <a:ext cx="576064" cy="261610"/>
+          </a:xfrm>
+          <a:prstGeom prst="rect">
+            <a:avLst/>
+          </a:prstGeom>
+          <a:noFill/>
+        </p:spPr>
+        <p:txBody>
+          <a:bodyPr wrap="square" rtlCol="0">
+            <a:spAutoFit/>
+          </a:bodyPr>
+          <a:lstStyle/>
+          <a:p>
+            <a:r>
+              <a:rPr lang="en-US" altLang="zh-CN" sz="1100" b="1" dirty="0" smtClean="0"/>
+              <a:t>0</a:t>
+            </a:r>
+            <a:endParaRPr lang="zh-CN" altLang="en-US" sz="1100" b="1" dirty="0"/>
+          </a:p>
+        </p:txBody>
+      </p:sp>
+      <p:sp>
+        <p:nvSpPr>
+          <p:cNvPr id="46" name="TextBox 45"/>
+          <p:cNvSpPr txBox="1"/>
+          <p:nvPr/>
+        </p:nvSpPr>
+        <p:spPr>
+          <a:xfrm>
+            <a:off x="2483768" y="1916832"/>
+            <a:ext cx="576064" cy="261610"/>
+          </a:xfrm>
+          <a:prstGeom prst="rect">
+            <a:avLst/>
+          </a:prstGeom>
+          <a:noFill/>
+        </p:spPr>
+        <p:txBody>
+          <a:bodyPr wrap="square" rtlCol="0">
+            <a:spAutoFit/>
+          </a:bodyPr>
+          <a:lstStyle/>
+          <a:p>
+            <a:r>
+              <a:rPr lang="en-US" altLang="zh-CN" sz="1100" b="1" dirty="0" smtClean="0"/>
+              <a:t>1000</a:t>
+            </a:r>
+            <a:endParaRPr lang="zh-CN" altLang="en-US" sz="1100" b="1" dirty="0"/>
+          </a:p>
+        </p:txBody>
+      </p:sp>
+      <p:sp>
+        <p:nvSpPr>
+          <p:cNvPr id="47" name="TextBox 46"/>
+          <p:cNvSpPr txBox="1"/>
+          <p:nvPr/>
+        </p:nvSpPr>
+        <p:spPr>
+          <a:xfrm>
+            <a:off x="3995936" y="1916832"/>
+            <a:ext cx="576064" cy="261610"/>
+          </a:xfrm>
+          <a:prstGeom prst="rect">
+            <a:avLst/>
+          </a:prstGeom>
+          <a:noFill/>
+        </p:spPr>
+        <p:txBody>
+          <a:bodyPr wrap="square" rtlCol="0">
+            <a:spAutoFit/>
+          </a:bodyPr>
+          <a:lstStyle/>
+          <a:p>
+            <a:r>
+              <a:rPr lang="en-US" altLang="zh-CN" sz="1100" b="1" dirty="0" smtClean="0"/>
+              <a:t>2000</a:t>
+            </a:r>
+            <a:endParaRPr lang="zh-CN" altLang="en-US" sz="1100" b="1" dirty="0"/>
+          </a:p>
+        </p:txBody>
+      </p:sp>
+      <p:sp>
+        <p:nvSpPr>
+          <p:cNvPr id="48" name="TextBox 47"/>
+          <p:cNvSpPr txBox="1"/>
+          <p:nvPr/>
+        </p:nvSpPr>
+        <p:spPr>
+          <a:xfrm>
+            <a:off x="5508104" y="1916832"/>
+            <a:ext cx="576064" cy="261610"/>
+          </a:xfrm>
+          <a:prstGeom prst="rect">
+            <a:avLst/>
+          </a:prstGeom>
+          <a:noFill/>
+        </p:spPr>
+        <p:txBody>
+          <a:bodyPr wrap="square" rtlCol="0">
+            <a:spAutoFit/>
+          </a:bodyPr>
+          <a:lstStyle/>
+          <a:p>
+            <a:r>
+              <a:rPr lang="en-US" altLang="zh-CN" sz="1100" b="1" dirty="0" smtClean="0"/>
+              <a:t>3000</a:t>
+            </a:r>
+            <a:endParaRPr lang="zh-CN" altLang="en-US" sz="1100" b="1" dirty="0"/>
+          </a:p>
+        </p:txBody>
+      </p:sp>
+      <p:sp>
+        <p:nvSpPr>
+          <p:cNvPr id="49" name="TextBox 48"/>
+          <p:cNvSpPr txBox="1"/>
+          <p:nvPr/>
+        </p:nvSpPr>
+        <p:spPr>
+          <a:xfrm>
+            <a:off x="7020272" y="1916832"/>
+            <a:ext cx="576064" cy="261610"/>
+          </a:xfrm>
+          <a:prstGeom prst="rect">
+            <a:avLst/>
+          </a:prstGeom>
+          <a:noFill/>
+        </p:spPr>
+        <p:txBody>
+          <a:bodyPr wrap="square" rtlCol="0">
+            <a:spAutoFit/>
+          </a:bodyPr>
+          <a:lstStyle/>
+          <a:p>
+            <a:r>
+              <a:rPr lang="en-US" altLang="zh-CN" sz="1100" b="1" dirty="0" smtClean="0"/>
+              <a:t>4000</a:t>
+            </a:r>
+            <a:endParaRPr lang="zh-CN" altLang="en-US" sz="1100" b="1" dirty="0"/>
+          </a:p>
+        </p:txBody>
+      </p:sp>
+    </p:spTree>
+    <p:extLst>
+      <p:ext uri="{BB962C8B-B14F-4D97-AF65-F5344CB8AC3E}">
+        <p14:creationId xmlns="" xmlns:p14="http://schemas.microsoft.com/office/powerpoint/2010/main" val="144791403"/>
       </p:ext>
     </p:extLst>
   </p:cSld>
